--- a/project03 화면설계서/0228 발표용 project03 - 화면 설계서 - 용승.pptx
+++ b/project03 화면설계서/0228 발표용 project03 - 화면 설계서 - 용승.pptx
@@ -4507,7 +4507,7 @@
           </a:ln>
           <a:extLst>
             <a:ext uri="{C572A759-6A51-4108-AA02-DFA0A04FC94B}">
-              <ma14:wrappingTextBoxFlag xmlns:ma14="http://schemas.microsoft.com/office/mac/drawingml/2011/main" xmlns:a14="http://schemas.microsoft.com/office/drawing/2010/main" xmlns:m="http://schemas.openxmlformats.org/officeDocument/2006/math" xmlns="" val="1"/>
+              <ma14:wrappingTextBoxFlag xmlns="" xmlns:m="http://schemas.openxmlformats.org/officeDocument/2006/math" xmlns:a14="http://schemas.microsoft.com/office/drawing/2010/main" xmlns:ma14="http://schemas.microsoft.com/office/mac/drawingml/2011/main" val="1"/>
             </a:ext>
           </a:extLst>
         </p:spPr>
@@ -4598,7 +4598,7 @@
             <a:effectLst/>
             <a:extLst>
               <a:ext uri="{C572A759-6A51-4108-AA02-DFA0A04FC94B}">
-                <ma14:wrappingTextBoxFlag xmlns:ma14="http://schemas.microsoft.com/office/mac/drawingml/2011/main" xmlns:a14="http://schemas.microsoft.com/office/drawing/2010/main" xmlns:m="http://schemas.openxmlformats.org/officeDocument/2006/math" xmlns="" val="1"/>
+                <ma14:wrappingTextBoxFlag xmlns="" xmlns:m="http://schemas.openxmlformats.org/officeDocument/2006/math" xmlns:a14="http://schemas.microsoft.com/office/drawing/2010/main" xmlns:ma14="http://schemas.microsoft.com/office/mac/drawingml/2011/main" val="1"/>
               </a:ext>
             </a:extLst>
           </p:spPr>
@@ -4694,7 +4694,7 @@
             <a:effectLst/>
             <a:extLst>
               <a:ext uri="{C572A759-6A51-4108-AA02-DFA0A04FC94B}">
-                <ma14:wrappingTextBoxFlag xmlns:ma14="http://schemas.microsoft.com/office/mac/drawingml/2011/main" xmlns:a14="http://schemas.microsoft.com/office/drawing/2010/main" xmlns:m="http://schemas.openxmlformats.org/officeDocument/2006/math" xmlns="" val="1"/>
+                <ma14:wrappingTextBoxFlag xmlns="" xmlns:m="http://schemas.openxmlformats.org/officeDocument/2006/math" xmlns:a14="http://schemas.microsoft.com/office/drawing/2010/main" xmlns:ma14="http://schemas.microsoft.com/office/mac/drawingml/2011/main" val="1"/>
               </a:ext>
             </a:extLst>
           </p:spPr>
@@ -4860,7 +4860,7 @@
             <a:effectLst/>
             <a:extLst>
               <a:ext uri="{C572A759-6A51-4108-AA02-DFA0A04FC94B}">
-                <ma14:wrappingTextBoxFlag xmlns:ma14="http://schemas.microsoft.com/office/mac/drawingml/2011/main" xmlns:a14="http://schemas.microsoft.com/office/drawing/2010/main" xmlns:m="http://schemas.openxmlformats.org/officeDocument/2006/math" xmlns="" val="1"/>
+                <ma14:wrappingTextBoxFlag xmlns="" xmlns:m="http://schemas.openxmlformats.org/officeDocument/2006/math" xmlns:a14="http://schemas.microsoft.com/office/drawing/2010/main" xmlns:ma14="http://schemas.microsoft.com/office/mac/drawingml/2011/main" val="1"/>
               </a:ext>
             </a:extLst>
           </p:spPr>
@@ -4956,7 +4956,7 @@
             <a:effectLst/>
             <a:extLst>
               <a:ext uri="{C572A759-6A51-4108-AA02-DFA0A04FC94B}">
-                <ma14:wrappingTextBoxFlag xmlns:ma14="http://schemas.microsoft.com/office/mac/drawingml/2011/main" xmlns:a14="http://schemas.microsoft.com/office/drawing/2010/main" xmlns:m="http://schemas.openxmlformats.org/officeDocument/2006/math" xmlns="" val="1"/>
+                <ma14:wrappingTextBoxFlag xmlns="" xmlns:m="http://schemas.openxmlformats.org/officeDocument/2006/math" xmlns:a14="http://schemas.microsoft.com/office/drawing/2010/main" xmlns:ma14="http://schemas.microsoft.com/office/mac/drawingml/2011/main" val="1"/>
               </a:ext>
             </a:extLst>
           </p:spPr>
@@ -5115,7 +5115,7 @@
             <a:effectLst/>
             <a:extLst>
               <a:ext uri="{C572A759-6A51-4108-AA02-DFA0A04FC94B}">
-                <ma14:wrappingTextBoxFlag xmlns:ma14="http://schemas.microsoft.com/office/mac/drawingml/2011/main" xmlns:a14="http://schemas.microsoft.com/office/drawing/2010/main" xmlns:m="http://schemas.openxmlformats.org/officeDocument/2006/math" xmlns="" val="1"/>
+                <ma14:wrappingTextBoxFlag xmlns="" xmlns:m="http://schemas.openxmlformats.org/officeDocument/2006/math" xmlns:a14="http://schemas.microsoft.com/office/drawing/2010/main" xmlns:ma14="http://schemas.microsoft.com/office/mac/drawingml/2011/main" val="1"/>
               </a:ext>
             </a:extLst>
           </p:spPr>
@@ -5211,7 +5211,7 @@
             <a:effectLst/>
             <a:extLst>
               <a:ext uri="{C572A759-6A51-4108-AA02-DFA0A04FC94B}">
-                <ma14:wrappingTextBoxFlag xmlns:ma14="http://schemas.microsoft.com/office/mac/drawingml/2011/main" xmlns:a14="http://schemas.microsoft.com/office/drawing/2010/main" xmlns:m="http://schemas.openxmlformats.org/officeDocument/2006/math" xmlns="" val="1"/>
+                <ma14:wrappingTextBoxFlag xmlns="" xmlns:m="http://schemas.openxmlformats.org/officeDocument/2006/math" xmlns:a14="http://schemas.microsoft.com/office/drawing/2010/main" xmlns:ma14="http://schemas.microsoft.com/office/mac/drawingml/2011/main" val="1"/>
               </a:ext>
             </a:extLst>
           </p:spPr>
@@ -5398,7 +5398,7 @@
             <a:effectLst/>
             <a:extLst>
               <a:ext uri="{C572A759-6A51-4108-AA02-DFA0A04FC94B}">
-                <ma14:wrappingTextBoxFlag xmlns:ma14="http://schemas.microsoft.com/office/mac/drawingml/2011/main" xmlns:a14="http://schemas.microsoft.com/office/drawing/2010/main" xmlns:m="http://schemas.openxmlformats.org/officeDocument/2006/math" xmlns="" val="1"/>
+                <ma14:wrappingTextBoxFlag xmlns="" xmlns:m="http://schemas.openxmlformats.org/officeDocument/2006/math" xmlns:a14="http://schemas.microsoft.com/office/drawing/2010/main" xmlns:ma14="http://schemas.microsoft.com/office/mac/drawingml/2011/main" val="1"/>
               </a:ext>
             </a:extLst>
           </p:spPr>
@@ -5498,7 +5498,7 @@
             <a:effectLst/>
             <a:extLst>
               <a:ext uri="{C572A759-6A51-4108-AA02-DFA0A04FC94B}">
-                <ma14:wrappingTextBoxFlag xmlns:ma14="http://schemas.microsoft.com/office/mac/drawingml/2011/main" xmlns:a14="http://schemas.microsoft.com/office/drawing/2010/main" xmlns:m="http://schemas.openxmlformats.org/officeDocument/2006/math" xmlns="" val="1"/>
+                <ma14:wrappingTextBoxFlag xmlns="" xmlns:m="http://schemas.openxmlformats.org/officeDocument/2006/math" xmlns:a14="http://schemas.microsoft.com/office/drawing/2010/main" xmlns:ma14="http://schemas.microsoft.com/office/mac/drawingml/2011/main" val="1"/>
               </a:ext>
             </a:extLst>
           </p:spPr>
@@ -5594,7 +5594,7 @@
             <a:effectLst/>
             <a:extLst>
               <a:ext uri="{C572A759-6A51-4108-AA02-DFA0A04FC94B}">
-                <ma14:wrappingTextBoxFlag xmlns:ma14="http://schemas.microsoft.com/office/mac/drawingml/2011/main" xmlns:a14="http://schemas.microsoft.com/office/drawing/2010/main" xmlns:m="http://schemas.openxmlformats.org/officeDocument/2006/math" xmlns="" val="1"/>
+                <ma14:wrappingTextBoxFlag xmlns="" xmlns:m="http://schemas.openxmlformats.org/officeDocument/2006/math" xmlns:a14="http://schemas.microsoft.com/office/drawing/2010/main" xmlns:ma14="http://schemas.microsoft.com/office/mac/drawingml/2011/main" val="1"/>
               </a:ext>
             </a:extLst>
           </p:spPr>
@@ -5706,11 +5706,11 @@
   <p:clrMapOvr>
     <a:masterClrMapping/>
   </p:clrMapOvr>
-  <mc:AlternateContent xmlns:mc="http://schemas.openxmlformats.org/markup-compatibility/2006">
-    <mc:Choice xmlns:p14="http://schemas.microsoft.com/office/powerpoint/2010/main" Requires="p14">
+  <mc:AlternateContent xmlns:mc="http://schemas.openxmlformats.org/markup-compatibility/2006" xmlns:p14="http://schemas.microsoft.com/office/powerpoint/2010/main">
+    <mc:Choice Requires="p14">
       <p:transition spd="slow" p14:dur="2000"/>
     </mc:Choice>
-    <mc:Fallback>
+    <mc:Fallback xmlns="">
       <p:transition spd="slow"/>
     </mc:Fallback>
   </mc:AlternateContent>
@@ -6087,11 +6087,11 @@
   <p:clrMapOvr>
     <a:masterClrMapping/>
   </p:clrMapOvr>
-  <mc:AlternateContent xmlns:mc="http://schemas.openxmlformats.org/markup-compatibility/2006">
-    <mc:Choice xmlns:p14="http://schemas.microsoft.com/office/powerpoint/2010/main" Requires="p14">
+  <mc:AlternateContent xmlns:mc="http://schemas.openxmlformats.org/markup-compatibility/2006" xmlns:p14="http://schemas.microsoft.com/office/powerpoint/2010/main">
+    <mc:Choice Requires="p14">
       <p:transition spd="slow" p14:dur="2000"/>
     </mc:Choice>
-    <mc:Fallback>
+    <mc:Fallback xmlns="">
       <p:transition spd="slow"/>
     </mc:Fallback>
   </mc:AlternateContent>
@@ -7143,7 +7143,7 @@
           </a:ln>
           <a:extLst>
             <a:ext uri="{C572A759-6A51-4108-AA02-DFA0A04FC94B}">
-              <ma14:wrappingTextBoxFlag xmlns:ma14="http://schemas.microsoft.com/office/mac/drawingml/2011/main" xmlns:a14="http://schemas.microsoft.com/office/drawing/2010/main" xmlns:m="http://schemas.openxmlformats.org/officeDocument/2006/math" xmlns="" val="1"/>
+              <ma14:wrappingTextBoxFlag xmlns="" xmlns:m="http://schemas.openxmlformats.org/officeDocument/2006/math" xmlns:a14="http://schemas.microsoft.com/office/drawing/2010/main" xmlns:ma14="http://schemas.microsoft.com/office/mac/drawingml/2011/main" val="1"/>
             </a:ext>
           </a:extLst>
         </p:spPr>
@@ -7234,7 +7234,7 @@
             <a:effectLst/>
             <a:extLst>
               <a:ext uri="{C572A759-6A51-4108-AA02-DFA0A04FC94B}">
-                <ma14:wrappingTextBoxFlag xmlns:ma14="http://schemas.microsoft.com/office/mac/drawingml/2011/main" xmlns:a14="http://schemas.microsoft.com/office/drawing/2010/main" xmlns:m="http://schemas.openxmlformats.org/officeDocument/2006/math" xmlns="" val="1"/>
+                <ma14:wrappingTextBoxFlag xmlns="" xmlns:m="http://schemas.openxmlformats.org/officeDocument/2006/math" xmlns:a14="http://schemas.microsoft.com/office/drawing/2010/main" xmlns:ma14="http://schemas.microsoft.com/office/mac/drawingml/2011/main" val="1"/>
               </a:ext>
             </a:extLst>
           </p:spPr>
@@ -7330,7 +7330,7 @@
             <a:effectLst/>
             <a:extLst>
               <a:ext uri="{C572A759-6A51-4108-AA02-DFA0A04FC94B}">
-                <ma14:wrappingTextBoxFlag xmlns:ma14="http://schemas.microsoft.com/office/mac/drawingml/2011/main" xmlns:a14="http://schemas.microsoft.com/office/drawing/2010/main" xmlns:m="http://schemas.openxmlformats.org/officeDocument/2006/math" xmlns="" val="1"/>
+                <ma14:wrappingTextBoxFlag xmlns="" xmlns:m="http://schemas.openxmlformats.org/officeDocument/2006/math" xmlns:a14="http://schemas.microsoft.com/office/drawing/2010/main" xmlns:ma14="http://schemas.microsoft.com/office/mac/drawingml/2011/main" val="1"/>
               </a:ext>
             </a:extLst>
           </p:spPr>
@@ -7496,7 +7496,7 @@
             <a:effectLst/>
             <a:extLst>
               <a:ext uri="{C572A759-6A51-4108-AA02-DFA0A04FC94B}">
-                <ma14:wrappingTextBoxFlag xmlns:ma14="http://schemas.microsoft.com/office/mac/drawingml/2011/main" xmlns:a14="http://schemas.microsoft.com/office/drawing/2010/main" xmlns:m="http://schemas.openxmlformats.org/officeDocument/2006/math" xmlns="" val="1"/>
+                <ma14:wrappingTextBoxFlag xmlns="" xmlns:m="http://schemas.openxmlformats.org/officeDocument/2006/math" xmlns:a14="http://schemas.microsoft.com/office/drawing/2010/main" xmlns:ma14="http://schemas.microsoft.com/office/mac/drawingml/2011/main" val="1"/>
               </a:ext>
             </a:extLst>
           </p:spPr>
@@ -7592,7 +7592,7 @@
             <a:effectLst/>
             <a:extLst>
               <a:ext uri="{C572A759-6A51-4108-AA02-DFA0A04FC94B}">
-                <ma14:wrappingTextBoxFlag xmlns:ma14="http://schemas.microsoft.com/office/mac/drawingml/2011/main" xmlns:a14="http://schemas.microsoft.com/office/drawing/2010/main" xmlns:m="http://schemas.openxmlformats.org/officeDocument/2006/math" xmlns="" val="1"/>
+                <ma14:wrappingTextBoxFlag xmlns="" xmlns:m="http://schemas.openxmlformats.org/officeDocument/2006/math" xmlns:a14="http://schemas.microsoft.com/office/drawing/2010/main" xmlns:ma14="http://schemas.microsoft.com/office/mac/drawingml/2011/main" val="1"/>
               </a:ext>
             </a:extLst>
           </p:spPr>
@@ -7751,7 +7751,7 @@
             <a:effectLst/>
             <a:extLst>
               <a:ext uri="{C572A759-6A51-4108-AA02-DFA0A04FC94B}">
-                <ma14:wrappingTextBoxFlag xmlns:ma14="http://schemas.microsoft.com/office/mac/drawingml/2011/main" xmlns:a14="http://schemas.microsoft.com/office/drawing/2010/main" xmlns:m="http://schemas.openxmlformats.org/officeDocument/2006/math" xmlns="" val="1"/>
+                <ma14:wrappingTextBoxFlag xmlns="" xmlns:m="http://schemas.openxmlformats.org/officeDocument/2006/math" xmlns:a14="http://schemas.microsoft.com/office/drawing/2010/main" xmlns:ma14="http://schemas.microsoft.com/office/mac/drawingml/2011/main" val="1"/>
               </a:ext>
             </a:extLst>
           </p:spPr>
@@ -7847,7 +7847,7 @@
             <a:effectLst/>
             <a:extLst>
               <a:ext uri="{C572A759-6A51-4108-AA02-DFA0A04FC94B}">
-                <ma14:wrappingTextBoxFlag xmlns:ma14="http://schemas.microsoft.com/office/mac/drawingml/2011/main" xmlns:a14="http://schemas.microsoft.com/office/drawing/2010/main" xmlns:m="http://schemas.openxmlformats.org/officeDocument/2006/math" xmlns="" val="1"/>
+                <ma14:wrappingTextBoxFlag xmlns="" xmlns:m="http://schemas.openxmlformats.org/officeDocument/2006/math" xmlns:a14="http://schemas.microsoft.com/office/drawing/2010/main" xmlns:ma14="http://schemas.microsoft.com/office/mac/drawingml/2011/main" val="1"/>
               </a:ext>
             </a:extLst>
           </p:spPr>
@@ -8030,7 +8030,7 @@
             <a:effectLst/>
             <a:extLst>
               <a:ext uri="{C572A759-6A51-4108-AA02-DFA0A04FC94B}">
-                <ma14:wrappingTextBoxFlag xmlns:ma14="http://schemas.microsoft.com/office/mac/drawingml/2011/main" xmlns:a14="http://schemas.microsoft.com/office/drawing/2010/main" xmlns:m="http://schemas.openxmlformats.org/officeDocument/2006/math" xmlns="" val="1"/>
+                <ma14:wrappingTextBoxFlag xmlns="" xmlns:m="http://schemas.openxmlformats.org/officeDocument/2006/math" xmlns:a14="http://schemas.microsoft.com/office/drawing/2010/main" xmlns:ma14="http://schemas.microsoft.com/office/mac/drawingml/2011/main" val="1"/>
               </a:ext>
             </a:extLst>
           </p:spPr>
@@ -8126,7 +8126,7 @@
             <a:effectLst/>
             <a:extLst>
               <a:ext uri="{C572A759-6A51-4108-AA02-DFA0A04FC94B}">
-                <ma14:wrappingTextBoxFlag xmlns:ma14="http://schemas.microsoft.com/office/mac/drawingml/2011/main" xmlns:a14="http://schemas.microsoft.com/office/drawing/2010/main" xmlns:m="http://schemas.openxmlformats.org/officeDocument/2006/math" xmlns="" val="1"/>
+                <ma14:wrappingTextBoxFlag xmlns="" xmlns:m="http://schemas.openxmlformats.org/officeDocument/2006/math" xmlns:a14="http://schemas.microsoft.com/office/drawing/2010/main" xmlns:ma14="http://schemas.microsoft.com/office/mac/drawingml/2011/main" val="1"/>
               </a:ext>
             </a:extLst>
           </p:spPr>
@@ -8303,7 +8303,7 @@
             <a:effectLst/>
             <a:extLst>
               <a:ext uri="{C572A759-6A51-4108-AA02-DFA0A04FC94B}">
-                <ma14:wrappingTextBoxFlag xmlns:ma14="http://schemas.microsoft.com/office/mac/drawingml/2011/main" xmlns:a14="http://schemas.microsoft.com/office/drawing/2010/main" xmlns:m="http://schemas.openxmlformats.org/officeDocument/2006/math" xmlns="" val="1"/>
+                <ma14:wrappingTextBoxFlag xmlns="" xmlns:m="http://schemas.openxmlformats.org/officeDocument/2006/math" xmlns:a14="http://schemas.microsoft.com/office/drawing/2010/main" xmlns:ma14="http://schemas.microsoft.com/office/mac/drawingml/2011/main" val="1"/>
               </a:ext>
             </a:extLst>
           </p:spPr>
@@ -8369,11 +8369,11 @@
   <p:clrMapOvr>
     <a:masterClrMapping/>
   </p:clrMapOvr>
-  <mc:AlternateContent xmlns:mc="http://schemas.openxmlformats.org/markup-compatibility/2006">
-    <mc:Choice xmlns:p14="http://schemas.microsoft.com/office/powerpoint/2010/main" Requires="p14">
+  <mc:AlternateContent xmlns:mc="http://schemas.openxmlformats.org/markup-compatibility/2006" xmlns:p14="http://schemas.microsoft.com/office/powerpoint/2010/main">
+    <mc:Choice Requires="p14">
       <p:transition spd="slow" p14:dur="2000"/>
     </mc:Choice>
-    <mc:Fallback>
+    <mc:Fallback xmlns="">
       <p:transition spd="slow"/>
     </mc:Fallback>
   </mc:AlternateContent>
@@ -8648,11 +8648,11 @@
   <p:clrMapOvr>
     <a:masterClrMapping/>
   </p:clrMapOvr>
-  <mc:AlternateContent xmlns:mc="http://schemas.openxmlformats.org/markup-compatibility/2006">
-    <mc:Choice xmlns:p14="http://schemas.microsoft.com/office/powerpoint/2010/main" Requires="p14">
+  <mc:AlternateContent xmlns:mc="http://schemas.openxmlformats.org/markup-compatibility/2006" xmlns:p14="http://schemas.microsoft.com/office/powerpoint/2010/main">
+    <mc:Choice Requires="p14">
       <p:transition spd="slow" p14:dur="2000"/>
     </mc:Choice>
-    <mc:Fallback>
+    <mc:Fallback xmlns="">
       <p:transition spd="slow"/>
     </mc:Fallback>
   </mc:AlternateContent>
@@ -9727,7 +9727,7 @@
           </a:ln>
           <a:extLst>
             <a:ext uri="{C572A759-6A51-4108-AA02-DFA0A04FC94B}">
-              <ma14:wrappingTextBoxFlag xmlns:ma14="http://schemas.microsoft.com/office/mac/drawingml/2011/main" xmlns:a14="http://schemas.microsoft.com/office/drawing/2010/main" xmlns:m="http://schemas.openxmlformats.org/officeDocument/2006/math" xmlns="" val="1"/>
+              <ma14:wrappingTextBoxFlag xmlns="" xmlns:m="http://schemas.openxmlformats.org/officeDocument/2006/math" xmlns:a14="http://schemas.microsoft.com/office/drawing/2010/main" xmlns:ma14="http://schemas.microsoft.com/office/mac/drawingml/2011/main" val="1"/>
             </a:ext>
           </a:extLst>
         </p:spPr>
@@ -9826,7 +9826,7 @@
             <a:effectLst/>
             <a:extLst>
               <a:ext uri="{C572A759-6A51-4108-AA02-DFA0A04FC94B}">
-                <ma14:wrappingTextBoxFlag xmlns:ma14="http://schemas.microsoft.com/office/mac/drawingml/2011/main" xmlns:a14="http://schemas.microsoft.com/office/drawing/2010/main" xmlns:m="http://schemas.openxmlformats.org/officeDocument/2006/math" xmlns="" val="1"/>
+                <ma14:wrappingTextBoxFlag xmlns="" xmlns:m="http://schemas.openxmlformats.org/officeDocument/2006/math" xmlns:a14="http://schemas.microsoft.com/office/drawing/2010/main" xmlns:ma14="http://schemas.microsoft.com/office/mac/drawingml/2011/main" val="1"/>
               </a:ext>
             </a:extLst>
           </p:spPr>
@@ -9909,7 +9909,7 @@
           </a:ln>
           <a:extLst>
             <a:ext uri="{C572A759-6A51-4108-AA02-DFA0A04FC94B}">
-              <ma14:wrappingTextBoxFlag xmlns:ma14="http://schemas.microsoft.com/office/mac/drawingml/2011/main" xmlns:a14="http://schemas.microsoft.com/office/drawing/2010/main" xmlns:m="http://schemas.openxmlformats.org/officeDocument/2006/math" xmlns="" val="1"/>
+              <ma14:wrappingTextBoxFlag xmlns="" xmlns:m="http://schemas.openxmlformats.org/officeDocument/2006/math" xmlns:a14="http://schemas.microsoft.com/office/drawing/2010/main" xmlns:ma14="http://schemas.microsoft.com/office/mac/drawingml/2011/main" val="1"/>
             </a:ext>
           </a:extLst>
         </p:spPr>
@@ -10023,7 +10023,7 @@
             <a:effectLst/>
             <a:extLst>
               <a:ext uri="{C572A759-6A51-4108-AA02-DFA0A04FC94B}">
-                <ma14:wrappingTextBoxFlag xmlns:ma14="http://schemas.microsoft.com/office/mac/drawingml/2011/main" xmlns:a14="http://schemas.microsoft.com/office/drawing/2010/main" xmlns:m="http://schemas.openxmlformats.org/officeDocument/2006/math" xmlns="" val="1"/>
+                <ma14:wrappingTextBoxFlag xmlns="" xmlns:m="http://schemas.openxmlformats.org/officeDocument/2006/math" xmlns:a14="http://schemas.microsoft.com/office/drawing/2010/main" xmlns:ma14="http://schemas.microsoft.com/office/mac/drawingml/2011/main" val="1"/>
               </a:ext>
             </a:extLst>
           </p:spPr>
@@ -10127,7 +10127,7 @@
             <a:effectLst/>
             <a:extLst>
               <a:ext uri="{C572A759-6A51-4108-AA02-DFA0A04FC94B}">
-                <ma14:wrappingTextBoxFlag xmlns:ma14="http://schemas.microsoft.com/office/mac/drawingml/2011/main" xmlns:a14="http://schemas.microsoft.com/office/drawing/2010/main" xmlns:m="http://schemas.openxmlformats.org/officeDocument/2006/math" xmlns="" val="1"/>
+                <ma14:wrappingTextBoxFlag xmlns="" xmlns:m="http://schemas.openxmlformats.org/officeDocument/2006/math" xmlns:a14="http://schemas.microsoft.com/office/drawing/2010/main" xmlns:ma14="http://schemas.microsoft.com/office/mac/drawingml/2011/main" val="1"/>
               </a:ext>
             </a:extLst>
           </p:spPr>
@@ -10231,7 +10231,7 @@
             <a:effectLst/>
             <a:extLst>
               <a:ext uri="{C572A759-6A51-4108-AA02-DFA0A04FC94B}">
-                <ma14:wrappingTextBoxFlag xmlns:ma14="http://schemas.microsoft.com/office/mac/drawingml/2011/main" xmlns:a14="http://schemas.microsoft.com/office/drawing/2010/main" xmlns:m="http://schemas.openxmlformats.org/officeDocument/2006/math" xmlns="" val="1"/>
+                <ma14:wrappingTextBoxFlag xmlns="" xmlns:m="http://schemas.openxmlformats.org/officeDocument/2006/math" xmlns:a14="http://schemas.microsoft.com/office/drawing/2010/main" xmlns:ma14="http://schemas.microsoft.com/office/mac/drawingml/2011/main" val="1"/>
               </a:ext>
             </a:extLst>
           </p:spPr>
@@ -10266,11 +10266,11 @@
   <p:clrMapOvr>
     <a:masterClrMapping/>
   </p:clrMapOvr>
-  <mc:AlternateContent xmlns:mc="http://schemas.openxmlformats.org/markup-compatibility/2006">
-    <mc:Choice xmlns:p14="http://schemas.microsoft.com/office/powerpoint/2010/main" Requires="p14">
+  <mc:AlternateContent xmlns:mc="http://schemas.openxmlformats.org/markup-compatibility/2006" xmlns:p14="http://schemas.microsoft.com/office/powerpoint/2010/main">
+    <mc:Choice Requires="p14">
       <p:transition spd="slow" p14:dur="2000"/>
     </mc:Choice>
-    <mc:Fallback>
+    <mc:Fallback xmlns="">
       <p:transition spd="slow"/>
     </mc:Fallback>
   </mc:AlternateContent>
@@ -11359,7 +11359,7 @@
           </a:ln>
           <a:extLst>
             <a:ext uri="{C572A759-6A51-4108-AA02-DFA0A04FC94B}">
-              <ma14:wrappingTextBoxFlag xmlns:ma14="http://schemas.microsoft.com/office/mac/drawingml/2011/main" xmlns:a14="http://schemas.microsoft.com/office/drawing/2010/main" xmlns:m="http://schemas.openxmlformats.org/officeDocument/2006/math" xmlns="" val="1"/>
+              <ma14:wrappingTextBoxFlag xmlns="" xmlns:m="http://schemas.openxmlformats.org/officeDocument/2006/math" xmlns:a14="http://schemas.microsoft.com/office/drawing/2010/main" xmlns:ma14="http://schemas.microsoft.com/office/mac/drawingml/2011/main" val="1"/>
             </a:ext>
           </a:extLst>
         </p:spPr>
@@ -11444,7 +11444,7 @@
           </a:ln>
           <a:extLst>
             <a:ext uri="{C572A759-6A51-4108-AA02-DFA0A04FC94B}">
-              <ma14:wrappingTextBoxFlag xmlns:ma14="http://schemas.microsoft.com/office/mac/drawingml/2011/main" xmlns:a14="http://schemas.microsoft.com/office/drawing/2010/main" xmlns:m="http://schemas.openxmlformats.org/officeDocument/2006/math" xmlns="" val="1"/>
+              <ma14:wrappingTextBoxFlag xmlns="" xmlns:m="http://schemas.openxmlformats.org/officeDocument/2006/math" xmlns:a14="http://schemas.microsoft.com/office/drawing/2010/main" xmlns:ma14="http://schemas.microsoft.com/office/mac/drawingml/2011/main" val="1"/>
             </a:ext>
           </a:extLst>
         </p:spPr>
@@ -11539,7 +11539,7 @@
             <a:effectLst/>
             <a:extLst>
               <a:ext uri="{C572A759-6A51-4108-AA02-DFA0A04FC94B}">
-                <ma14:wrappingTextBoxFlag xmlns:ma14="http://schemas.microsoft.com/office/mac/drawingml/2011/main" xmlns:a14="http://schemas.microsoft.com/office/drawing/2010/main" xmlns:m="http://schemas.openxmlformats.org/officeDocument/2006/math" xmlns="" val="1"/>
+                <ma14:wrappingTextBoxFlag xmlns="" xmlns:m="http://schemas.openxmlformats.org/officeDocument/2006/math" xmlns:a14="http://schemas.microsoft.com/office/drawing/2010/main" xmlns:ma14="http://schemas.microsoft.com/office/mac/drawingml/2011/main" val="1"/>
               </a:ext>
             </a:extLst>
           </p:spPr>
@@ -11674,7 +11674,7 @@
             <a:effectLst/>
             <a:extLst>
               <a:ext uri="{C572A759-6A51-4108-AA02-DFA0A04FC94B}">
-                <ma14:wrappingTextBoxFlag xmlns:ma14="http://schemas.microsoft.com/office/mac/drawingml/2011/main" xmlns:a14="http://schemas.microsoft.com/office/drawing/2010/main" xmlns:m="http://schemas.openxmlformats.org/officeDocument/2006/math" xmlns="" val="1"/>
+                <ma14:wrappingTextBoxFlag xmlns="" xmlns:m="http://schemas.openxmlformats.org/officeDocument/2006/math" xmlns:a14="http://schemas.microsoft.com/office/drawing/2010/main" xmlns:ma14="http://schemas.microsoft.com/office/mac/drawingml/2011/main" val="1"/>
               </a:ext>
             </a:extLst>
           </p:spPr>
@@ -11809,7 +11809,7 @@
             <a:effectLst/>
             <a:extLst>
               <a:ext uri="{C572A759-6A51-4108-AA02-DFA0A04FC94B}">
-                <ma14:wrappingTextBoxFlag xmlns:ma14="http://schemas.microsoft.com/office/mac/drawingml/2011/main" xmlns:a14="http://schemas.microsoft.com/office/drawing/2010/main" xmlns:m="http://schemas.openxmlformats.org/officeDocument/2006/math" xmlns="" val="1"/>
+                <ma14:wrappingTextBoxFlag xmlns="" xmlns:m="http://schemas.openxmlformats.org/officeDocument/2006/math" xmlns:a14="http://schemas.microsoft.com/office/drawing/2010/main" xmlns:ma14="http://schemas.microsoft.com/office/mac/drawingml/2011/main" val="1"/>
               </a:ext>
             </a:extLst>
           </p:spPr>
@@ -11905,7 +11905,7 @@
             <a:effectLst/>
             <a:extLst>
               <a:ext uri="{C572A759-6A51-4108-AA02-DFA0A04FC94B}">
-                <ma14:wrappingTextBoxFlag xmlns:ma14="http://schemas.microsoft.com/office/mac/drawingml/2011/main" xmlns:a14="http://schemas.microsoft.com/office/drawing/2010/main" xmlns:m="http://schemas.openxmlformats.org/officeDocument/2006/math" xmlns="" val="1"/>
+                <ma14:wrappingTextBoxFlag xmlns="" xmlns:m="http://schemas.openxmlformats.org/officeDocument/2006/math" xmlns:a14="http://schemas.microsoft.com/office/drawing/2010/main" xmlns:ma14="http://schemas.microsoft.com/office/mac/drawingml/2011/main" val="1"/>
               </a:ext>
             </a:extLst>
           </p:spPr>
@@ -12040,7 +12040,7 @@
             <a:effectLst/>
             <a:extLst>
               <a:ext uri="{C572A759-6A51-4108-AA02-DFA0A04FC94B}">
-                <ma14:wrappingTextBoxFlag xmlns:ma14="http://schemas.microsoft.com/office/mac/drawingml/2011/main" xmlns:a14="http://schemas.microsoft.com/office/drawing/2010/main" xmlns:m="http://schemas.openxmlformats.org/officeDocument/2006/math" xmlns="" val="1"/>
+                <ma14:wrappingTextBoxFlag xmlns="" xmlns:m="http://schemas.openxmlformats.org/officeDocument/2006/math" xmlns:a14="http://schemas.microsoft.com/office/drawing/2010/main" xmlns:ma14="http://schemas.microsoft.com/office/mac/drawingml/2011/main" val="1"/>
               </a:ext>
             </a:extLst>
           </p:spPr>
@@ -12175,7 +12175,7 @@
             <a:effectLst/>
             <a:extLst>
               <a:ext uri="{C572A759-6A51-4108-AA02-DFA0A04FC94B}">
-                <ma14:wrappingTextBoxFlag xmlns:ma14="http://schemas.microsoft.com/office/mac/drawingml/2011/main" xmlns:a14="http://schemas.microsoft.com/office/drawing/2010/main" xmlns:m="http://schemas.openxmlformats.org/officeDocument/2006/math" xmlns="" val="1"/>
+                <ma14:wrappingTextBoxFlag xmlns="" xmlns:m="http://schemas.openxmlformats.org/officeDocument/2006/math" xmlns:a14="http://schemas.microsoft.com/office/drawing/2010/main" xmlns:ma14="http://schemas.microsoft.com/office/mac/drawingml/2011/main" val="1"/>
               </a:ext>
             </a:extLst>
           </p:spPr>
@@ -12310,7 +12310,7 @@
             <a:effectLst/>
             <a:extLst>
               <a:ext uri="{C572A759-6A51-4108-AA02-DFA0A04FC94B}">
-                <ma14:wrappingTextBoxFlag xmlns:ma14="http://schemas.microsoft.com/office/mac/drawingml/2011/main" xmlns:a14="http://schemas.microsoft.com/office/drawing/2010/main" xmlns:m="http://schemas.openxmlformats.org/officeDocument/2006/math" xmlns="" val="1"/>
+                <ma14:wrappingTextBoxFlag xmlns="" xmlns:m="http://schemas.openxmlformats.org/officeDocument/2006/math" xmlns:a14="http://schemas.microsoft.com/office/drawing/2010/main" xmlns:ma14="http://schemas.microsoft.com/office/mac/drawingml/2011/main" val="1"/>
               </a:ext>
             </a:extLst>
           </p:spPr>
@@ -12406,7 +12406,7 @@
             <a:effectLst/>
             <a:extLst>
               <a:ext uri="{C572A759-6A51-4108-AA02-DFA0A04FC94B}">
-                <ma14:wrappingTextBoxFlag xmlns:ma14="http://schemas.microsoft.com/office/mac/drawingml/2011/main" xmlns:a14="http://schemas.microsoft.com/office/drawing/2010/main" xmlns:m="http://schemas.openxmlformats.org/officeDocument/2006/math" xmlns="" val="1"/>
+                <ma14:wrappingTextBoxFlag xmlns="" xmlns:m="http://schemas.openxmlformats.org/officeDocument/2006/math" xmlns:a14="http://schemas.microsoft.com/office/drawing/2010/main" xmlns:ma14="http://schemas.microsoft.com/office/mac/drawingml/2011/main" val="1"/>
               </a:ext>
             </a:extLst>
           </p:spPr>
@@ -12448,7 +12448,7 @@
           </a:ln>
           <a:extLst>
             <a:ext uri="{C572A759-6A51-4108-AA02-DFA0A04FC94B}">
-              <ma14:wrappingTextBoxFlag xmlns:ma14="http://schemas.microsoft.com/office/mac/drawingml/2011/main" xmlns:a14="http://schemas.microsoft.com/office/drawing/2010/main" xmlns:m="http://schemas.openxmlformats.org/officeDocument/2006/math" xmlns="" val="1"/>
+              <ma14:wrappingTextBoxFlag xmlns="" xmlns:m="http://schemas.openxmlformats.org/officeDocument/2006/math" xmlns:a14="http://schemas.microsoft.com/office/drawing/2010/main" xmlns:ma14="http://schemas.microsoft.com/office/mac/drawingml/2011/main" val="1"/>
             </a:ext>
           </a:extLst>
         </p:spPr>
@@ -12543,7 +12543,7 @@
             <a:effectLst/>
             <a:extLst>
               <a:ext uri="{C572A759-6A51-4108-AA02-DFA0A04FC94B}">
-                <ma14:wrappingTextBoxFlag xmlns:ma14="http://schemas.microsoft.com/office/mac/drawingml/2011/main" xmlns:a14="http://schemas.microsoft.com/office/drawing/2010/main" xmlns:m="http://schemas.openxmlformats.org/officeDocument/2006/math" xmlns="" val="1"/>
+                <ma14:wrappingTextBoxFlag xmlns="" xmlns:m="http://schemas.openxmlformats.org/officeDocument/2006/math" xmlns:a14="http://schemas.microsoft.com/office/drawing/2010/main" xmlns:ma14="http://schemas.microsoft.com/office/mac/drawingml/2011/main" val="1"/>
               </a:ext>
             </a:extLst>
           </p:spPr>
@@ -12639,7 +12639,7 @@
             <a:effectLst/>
             <a:extLst>
               <a:ext uri="{C572A759-6A51-4108-AA02-DFA0A04FC94B}">
-                <ma14:wrappingTextBoxFlag xmlns:ma14="http://schemas.microsoft.com/office/mac/drawingml/2011/main" xmlns:a14="http://schemas.microsoft.com/office/drawing/2010/main" xmlns:m="http://schemas.openxmlformats.org/officeDocument/2006/math" xmlns="" val="1"/>
+                <ma14:wrappingTextBoxFlag xmlns="" xmlns:m="http://schemas.openxmlformats.org/officeDocument/2006/math" xmlns:a14="http://schemas.microsoft.com/office/drawing/2010/main" xmlns:ma14="http://schemas.microsoft.com/office/mac/drawingml/2011/main" val="1"/>
               </a:ext>
             </a:extLst>
           </p:spPr>
@@ -12735,7 +12735,7 @@
             <a:effectLst/>
             <a:extLst>
               <a:ext uri="{C572A759-6A51-4108-AA02-DFA0A04FC94B}">
-                <ma14:wrappingTextBoxFlag xmlns:ma14="http://schemas.microsoft.com/office/mac/drawingml/2011/main" xmlns:a14="http://schemas.microsoft.com/office/drawing/2010/main" xmlns:m="http://schemas.openxmlformats.org/officeDocument/2006/math" xmlns="" val="1"/>
+                <ma14:wrappingTextBoxFlag xmlns="" xmlns:m="http://schemas.openxmlformats.org/officeDocument/2006/math" xmlns:a14="http://schemas.microsoft.com/office/drawing/2010/main" xmlns:ma14="http://schemas.microsoft.com/office/mac/drawingml/2011/main" val="1"/>
               </a:ext>
             </a:extLst>
           </p:spPr>
@@ -12831,7 +12831,7 @@
             <a:effectLst/>
             <a:extLst>
               <a:ext uri="{C572A759-6A51-4108-AA02-DFA0A04FC94B}">
-                <ma14:wrappingTextBoxFlag xmlns:ma14="http://schemas.microsoft.com/office/mac/drawingml/2011/main" xmlns:a14="http://schemas.microsoft.com/office/drawing/2010/main" xmlns:m="http://schemas.openxmlformats.org/officeDocument/2006/math" xmlns="" val="1"/>
+                <ma14:wrappingTextBoxFlag xmlns="" xmlns:m="http://schemas.openxmlformats.org/officeDocument/2006/math" xmlns:a14="http://schemas.microsoft.com/office/drawing/2010/main" xmlns:ma14="http://schemas.microsoft.com/office/mac/drawingml/2011/main" val="1"/>
               </a:ext>
             </a:extLst>
           </p:spPr>
@@ -12927,7 +12927,7 @@
             <a:effectLst/>
             <a:extLst>
               <a:ext uri="{C572A759-6A51-4108-AA02-DFA0A04FC94B}">
-                <ma14:wrappingTextBoxFlag xmlns:ma14="http://schemas.microsoft.com/office/mac/drawingml/2011/main" xmlns:a14="http://schemas.microsoft.com/office/drawing/2010/main" xmlns:m="http://schemas.openxmlformats.org/officeDocument/2006/math" xmlns="" val="1"/>
+                <ma14:wrappingTextBoxFlag xmlns="" xmlns:m="http://schemas.openxmlformats.org/officeDocument/2006/math" xmlns:a14="http://schemas.microsoft.com/office/drawing/2010/main" xmlns:ma14="http://schemas.microsoft.com/office/mac/drawingml/2011/main" val="1"/>
               </a:ext>
             </a:extLst>
           </p:spPr>
@@ -13062,7 +13062,7 @@
             <a:effectLst/>
             <a:extLst>
               <a:ext uri="{C572A759-6A51-4108-AA02-DFA0A04FC94B}">
-                <ma14:wrappingTextBoxFlag xmlns:ma14="http://schemas.microsoft.com/office/mac/drawingml/2011/main" xmlns:a14="http://schemas.microsoft.com/office/drawing/2010/main" xmlns:m="http://schemas.openxmlformats.org/officeDocument/2006/math" xmlns="" val="1"/>
+                <ma14:wrappingTextBoxFlag xmlns="" xmlns:m="http://schemas.openxmlformats.org/officeDocument/2006/math" xmlns:a14="http://schemas.microsoft.com/office/drawing/2010/main" xmlns:ma14="http://schemas.microsoft.com/office/mac/drawingml/2011/main" val="1"/>
               </a:ext>
             </a:extLst>
           </p:spPr>
@@ -13158,7 +13158,7 @@
             <a:effectLst/>
             <a:extLst>
               <a:ext uri="{C572A759-6A51-4108-AA02-DFA0A04FC94B}">
-                <ma14:wrappingTextBoxFlag xmlns:ma14="http://schemas.microsoft.com/office/mac/drawingml/2011/main" xmlns:a14="http://schemas.microsoft.com/office/drawing/2010/main" xmlns:m="http://schemas.openxmlformats.org/officeDocument/2006/math" xmlns="" val="1"/>
+                <ma14:wrappingTextBoxFlag xmlns="" xmlns:m="http://schemas.openxmlformats.org/officeDocument/2006/math" xmlns:a14="http://schemas.microsoft.com/office/drawing/2010/main" xmlns:ma14="http://schemas.microsoft.com/office/mac/drawingml/2011/main" val="1"/>
               </a:ext>
             </a:extLst>
           </p:spPr>
@@ -13293,7 +13293,7 @@
             <a:effectLst/>
             <a:extLst>
               <a:ext uri="{C572A759-6A51-4108-AA02-DFA0A04FC94B}">
-                <ma14:wrappingTextBoxFlag xmlns:ma14="http://schemas.microsoft.com/office/mac/drawingml/2011/main" xmlns:a14="http://schemas.microsoft.com/office/drawing/2010/main" xmlns:m="http://schemas.openxmlformats.org/officeDocument/2006/math" xmlns="" val="1"/>
+                <ma14:wrappingTextBoxFlag xmlns="" xmlns:m="http://schemas.openxmlformats.org/officeDocument/2006/math" xmlns:a14="http://schemas.microsoft.com/office/drawing/2010/main" xmlns:ma14="http://schemas.microsoft.com/office/mac/drawingml/2011/main" val="1"/>
               </a:ext>
             </a:extLst>
           </p:spPr>
@@ -13389,7 +13389,7 @@
             <a:effectLst/>
             <a:extLst>
               <a:ext uri="{C572A759-6A51-4108-AA02-DFA0A04FC94B}">
-                <ma14:wrappingTextBoxFlag xmlns:ma14="http://schemas.microsoft.com/office/mac/drawingml/2011/main" xmlns:a14="http://schemas.microsoft.com/office/drawing/2010/main" xmlns:m="http://schemas.openxmlformats.org/officeDocument/2006/math" xmlns="" val="1"/>
+                <ma14:wrappingTextBoxFlag xmlns="" xmlns:m="http://schemas.openxmlformats.org/officeDocument/2006/math" xmlns:a14="http://schemas.microsoft.com/office/drawing/2010/main" xmlns:ma14="http://schemas.microsoft.com/office/mac/drawingml/2011/main" val="1"/>
               </a:ext>
             </a:extLst>
           </p:spPr>
@@ -13489,7 +13489,7 @@
             <a:effectLst/>
             <a:extLst>
               <a:ext uri="{C572A759-6A51-4108-AA02-DFA0A04FC94B}">
-                <ma14:wrappingTextBoxFlag xmlns:ma14="http://schemas.microsoft.com/office/mac/drawingml/2011/main" xmlns:a14="http://schemas.microsoft.com/office/drawing/2010/main" xmlns:m="http://schemas.openxmlformats.org/officeDocument/2006/math" xmlns="" val="1"/>
+                <ma14:wrappingTextBoxFlag xmlns="" xmlns:m="http://schemas.openxmlformats.org/officeDocument/2006/math" xmlns:a14="http://schemas.microsoft.com/office/drawing/2010/main" xmlns:ma14="http://schemas.microsoft.com/office/mac/drawingml/2011/main" val="1"/>
               </a:ext>
             </a:extLst>
           </p:spPr>
@@ -13593,7 +13593,7 @@
             <a:effectLst/>
             <a:extLst>
               <a:ext uri="{C572A759-6A51-4108-AA02-DFA0A04FC94B}">
-                <ma14:wrappingTextBoxFlag xmlns:ma14="http://schemas.microsoft.com/office/mac/drawingml/2011/main" xmlns:a14="http://schemas.microsoft.com/office/drawing/2010/main" xmlns:m="http://schemas.openxmlformats.org/officeDocument/2006/math" xmlns="" val="1"/>
+                <ma14:wrappingTextBoxFlag xmlns="" xmlns:m="http://schemas.openxmlformats.org/officeDocument/2006/math" xmlns:a14="http://schemas.microsoft.com/office/drawing/2010/main" xmlns:ma14="http://schemas.microsoft.com/office/mac/drawingml/2011/main" val="1"/>
               </a:ext>
             </a:extLst>
           </p:spPr>
@@ -13697,7 +13697,7 @@
             <a:effectLst/>
             <a:extLst>
               <a:ext uri="{C572A759-6A51-4108-AA02-DFA0A04FC94B}">
-                <ma14:wrappingTextBoxFlag xmlns:ma14="http://schemas.microsoft.com/office/mac/drawingml/2011/main" xmlns:a14="http://schemas.microsoft.com/office/drawing/2010/main" xmlns:m="http://schemas.openxmlformats.org/officeDocument/2006/math" xmlns="" val="1"/>
+                <ma14:wrappingTextBoxFlag xmlns="" xmlns:m="http://schemas.openxmlformats.org/officeDocument/2006/math" xmlns:a14="http://schemas.microsoft.com/office/drawing/2010/main" xmlns:ma14="http://schemas.microsoft.com/office/mac/drawingml/2011/main" val="1"/>
               </a:ext>
             </a:extLst>
           </p:spPr>
@@ -13732,11 +13732,11 @@
   <p:clrMapOvr>
     <a:masterClrMapping/>
   </p:clrMapOvr>
-  <mc:AlternateContent xmlns:mc="http://schemas.openxmlformats.org/markup-compatibility/2006">
-    <mc:Choice xmlns:p14="http://schemas.microsoft.com/office/powerpoint/2010/main" Requires="p14">
+  <mc:AlternateContent xmlns:mc="http://schemas.openxmlformats.org/markup-compatibility/2006" xmlns:p14="http://schemas.microsoft.com/office/powerpoint/2010/main">
+    <mc:Choice Requires="p14">
       <p:transition spd="slow" p14:dur="2000"/>
     </mc:Choice>
-    <mc:Fallback>
+    <mc:Fallback xmlns="">
       <p:transition spd="slow"/>
     </mc:Fallback>
   </mc:AlternateContent>
@@ -13785,30 +13785,6 @@
           <a:xfrm>
             <a:off x="-245056" y="0"/>
             <a:ext cx="8481303" cy="6858000"/>
-          </a:xfrm>
-          <a:prstGeom prst="rect">
-            <a:avLst/>
-          </a:prstGeom>
-        </p:spPr>
-      </p:pic>
-      <p:pic>
-        <p:nvPicPr>
-          <p:cNvPr id="5" name="그림 4"/>
-          <p:cNvPicPr>
-            <a:picLocks noChangeAspect="1"/>
-          </p:cNvPicPr>
-          <p:nvPr/>
-        </p:nvPicPr>
-        <p:blipFill>
-          <a:blip r:embed="rId3"/>
-          <a:stretch>
-            <a:fillRect/>
-          </a:stretch>
-        </p:blipFill>
-        <p:spPr>
-          <a:xfrm>
-            <a:off x="6775341" y="696503"/>
-            <a:ext cx="5153025" cy="847725"/>
           </a:xfrm>
           <a:prstGeom prst="rect">
             <a:avLst/>
@@ -13941,7 +13917,31 @@
       </p:sp>
       <p:pic>
         <p:nvPicPr>
-          <p:cNvPr id="8" name="그림 7"/>
+          <p:cNvPr id="2" name="그림 1"/>
+          <p:cNvPicPr>
+            <a:picLocks noChangeAspect="1"/>
+          </p:cNvPicPr>
+          <p:nvPr/>
+        </p:nvPicPr>
+        <p:blipFill>
+          <a:blip r:embed="rId3"/>
+          <a:stretch>
+            <a:fillRect/>
+          </a:stretch>
+        </p:blipFill>
+        <p:spPr>
+          <a:xfrm>
+            <a:off x="6811647" y="689603"/>
+            <a:ext cx="5183765" cy="1059129"/>
+          </a:xfrm>
+          <a:prstGeom prst="rect">
+            <a:avLst/>
+          </a:prstGeom>
+        </p:spPr>
+      </p:pic>
+      <p:pic>
+        <p:nvPicPr>
+          <p:cNvPr id="3" name="그림 2"/>
           <p:cNvPicPr>
             <a:picLocks noChangeAspect="1"/>
           </p:cNvPicPr>
@@ -13955,17 +13955,22 @@
         </p:blipFill>
         <p:spPr>
           <a:xfrm>
-            <a:off x="6664852" y="2155928"/>
-            <a:ext cx="5435151" cy="364822"/>
+            <a:off x="6170901" y="1896944"/>
+            <a:ext cx="5824512" cy="1178767"/>
           </a:xfrm>
           <a:prstGeom prst="rect">
             <a:avLst/>
           </a:prstGeom>
+          <a:ln w="57150">
+            <a:solidFill>
+              <a:srgbClr val="FF0000"/>
+            </a:solidFill>
+          </a:ln>
         </p:spPr>
       </p:pic>
       <p:pic>
         <p:nvPicPr>
-          <p:cNvPr id="9" name="그림 8"/>
+          <p:cNvPr id="11" name="그림 10"/>
           <p:cNvPicPr>
             <a:picLocks noChangeAspect="1"/>
           </p:cNvPicPr>
@@ -13979,60 +13984,19 @@
         </p:blipFill>
         <p:spPr>
           <a:xfrm>
-            <a:off x="6678062" y="2622652"/>
-            <a:ext cx="5413898" cy="357377"/>
+            <a:off x="6170901" y="3153111"/>
+            <a:ext cx="5943600" cy="1476375"/>
           </a:xfrm>
           <a:prstGeom prst="rect">
             <a:avLst/>
           </a:prstGeom>
-        </p:spPr>
-      </p:pic>
-      <p:sp>
-        <p:nvSpPr>
-          <p:cNvPr id="10" name="직사각형 9"/>
-          <p:cNvSpPr/>
-          <p:nvPr/>
-        </p:nvSpPr>
-        <p:spPr>
-          <a:xfrm>
-            <a:off x="6692560" y="2071628"/>
-            <a:ext cx="5421941" cy="1004082"/>
-          </a:xfrm>
-          <a:prstGeom prst="rect">
-            <a:avLst/>
-          </a:prstGeom>
-          <a:noFill/>
-          <a:ln w="76200">
+          <a:ln w="57150">
             <a:solidFill>
               <a:srgbClr val="FF0000"/>
             </a:solidFill>
           </a:ln>
         </p:spPr>
-        <p:style>
-          <a:lnRef idx="2">
-            <a:schemeClr val="accent1">
-              <a:shade val="50000"/>
-            </a:schemeClr>
-          </a:lnRef>
-          <a:fillRef idx="1">
-            <a:schemeClr val="accent1"/>
-          </a:fillRef>
-          <a:effectRef idx="0">
-            <a:schemeClr val="accent1"/>
-          </a:effectRef>
-          <a:fontRef idx="minor">
-            <a:schemeClr val="lt1"/>
-          </a:fontRef>
-        </p:style>
-        <p:txBody>
-          <a:bodyPr rtlCol="0" anchor="ctr"/>
-          <a:lstStyle/>
-          <a:p>
-            <a:pPr algn="ctr"/>
-            <a:endParaRPr lang="ko-KR" altLang="en-US"/>
-          </a:p>
-        </p:txBody>
-      </p:sp>
+      </p:pic>
     </p:spTree>
     <p:extLst>
       <p:ext uri="{BB962C8B-B14F-4D97-AF65-F5344CB8AC3E}">
@@ -14043,11 +14007,11 @@
   <p:clrMapOvr>
     <a:masterClrMapping/>
   </p:clrMapOvr>
-  <mc:AlternateContent xmlns:mc="http://schemas.openxmlformats.org/markup-compatibility/2006">
-    <mc:Choice xmlns:p14="http://schemas.microsoft.com/office/powerpoint/2010/main" Requires="p14">
+  <mc:AlternateContent xmlns:mc="http://schemas.openxmlformats.org/markup-compatibility/2006" xmlns:p14="http://schemas.microsoft.com/office/powerpoint/2010/main">
+    <mc:Choice Requires="p14">
       <p:transition spd="slow" p14:dur="2000"/>
     </mc:Choice>
-    <mc:Fallback>
+    <mc:Fallback xmlns="">
       <p:transition spd="slow"/>
     </mc:Fallback>
   </mc:AlternateContent>
@@ -15156,7 +15120,7 @@
           </a:ln>
           <a:extLst>
             <a:ext uri="{C572A759-6A51-4108-AA02-DFA0A04FC94B}">
-              <ma14:wrappingTextBoxFlag xmlns:ma14="http://schemas.microsoft.com/office/mac/drawingml/2011/main" xmlns:a14="http://schemas.microsoft.com/office/drawing/2010/main" xmlns:m="http://schemas.openxmlformats.org/officeDocument/2006/math" xmlns="" val="1"/>
+              <ma14:wrappingTextBoxFlag xmlns="" xmlns:m="http://schemas.openxmlformats.org/officeDocument/2006/math" xmlns:a14="http://schemas.microsoft.com/office/drawing/2010/main" xmlns:ma14="http://schemas.microsoft.com/office/mac/drawingml/2011/main" val="1"/>
             </a:ext>
           </a:extLst>
         </p:spPr>
@@ -15296,7 +15260,7 @@
           </a:ln>
           <a:extLst>
             <a:ext uri="{C572A759-6A51-4108-AA02-DFA0A04FC94B}">
-              <ma14:wrappingTextBoxFlag xmlns:ma14="http://schemas.microsoft.com/office/mac/drawingml/2011/main" xmlns:a14="http://schemas.microsoft.com/office/drawing/2010/main" xmlns:m="http://schemas.openxmlformats.org/officeDocument/2006/math" xmlns="" val="1"/>
+              <ma14:wrappingTextBoxFlag xmlns="" xmlns:m="http://schemas.openxmlformats.org/officeDocument/2006/math" xmlns:a14="http://schemas.microsoft.com/office/drawing/2010/main" xmlns:ma14="http://schemas.microsoft.com/office/mac/drawingml/2011/main" val="1"/>
             </a:ext>
           </a:extLst>
         </p:spPr>
@@ -15391,7 +15355,7 @@
             <a:effectLst/>
             <a:extLst>
               <a:ext uri="{C572A759-6A51-4108-AA02-DFA0A04FC94B}">
-                <ma14:wrappingTextBoxFlag xmlns:ma14="http://schemas.microsoft.com/office/mac/drawingml/2011/main" xmlns:a14="http://schemas.microsoft.com/office/drawing/2010/main" xmlns:m="http://schemas.openxmlformats.org/officeDocument/2006/math" xmlns="" val="1"/>
+                <ma14:wrappingTextBoxFlag xmlns="" xmlns:m="http://schemas.openxmlformats.org/officeDocument/2006/math" xmlns:a14="http://schemas.microsoft.com/office/drawing/2010/main" xmlns:ma14="http://schemas.microsoft.com/office/mac/drawingml/2011/main" val="1"/>
               </a:ext>
             </a:extLst>
           </p:spPr>
@@ -15426,11 +15390,11 @@
   <p:clrMapOvr>
     <a:masterClrMapping/>
   </p:clrMapOvr>
-  <mc:AlternateContent xmlns:mc="http://schemas.openxmlformats.org/markup-compatibility/2006">
-    <mc:Choice xmlns:p14="http://schemas.microsoft.com/office/powerpoint/2010/main" Requires="p14">
+  <mc:AlternateContent xmlns:mc="http://schemas.openxmlformats.org/markup-compatibility/2006" xmlns:p14="http://schemas.microsoft.com/office/powerpoint/2010/main">
+    <mc:Choice Requires="p14">
       <p:transition spd="slow" p14:dur="2000"/>
     </mc:Choice>
-    <mc:Fallback>
+    <mc:Fallback xmlns="">
       <p:transition spd="slow"/>
     </mc:Fallback>
   </mc:AlternateContent>
@@ -15925,11 +15889,11 @@
   <p:clrMapOvr>
     <a:masterClrMapping/>
   </p:clrMapOvr>
-  <mc:AlternateContent xmlns:mc="http://schemas.openxmlformats.org/markup-compatibility/2006">
-    <mc:Choice xmlns:p14="http://schemas.microsoft.com/office/powerpoint/2010/main" Requires="p14">
+  <mc:AlternateContent xmlns:mc="http://schemas.openxmlformats.org/markup-compatibility/2006" xmlns:p14="http://schemas.microsoft.com/office/powerpoint/2010/main">
+    <mc:Choice Requires="p14">
       <p:transition spd="slow" p14:dur="2000"/>
     </mc:Choice>
-    <mc:Fallback>
+    <mc:Fallback xmlns="">
       <p:transition spd="slow"/>
     </mc:Fallback>
   </mc:AlternateContent>
@@ -17005,7 +16969,7 @@
           </a:ln>
           <a:extLst>
             <a:ext uri="{C572A759-6A51-4108-AA02-DFA0A04FC94B}">
-              <ma14:wrappingTextBoxFlag xmlns:ma14="http://schemas.microsoft.com/office/mac/drawingml/2011/main" xmlns:a14="http://schemas.microsoft.com/office/drawing/2010/main" xmlns:m="http://schemas.openxmlformats.org/officeDocument/2006/math" xmlns="" val="1"/>
+              <ma14:wrappingTextBoxFlag xmlns="" xmlns:m="http://schemas.openxmlformats.org/officeDocument/2006/math" xmlns:a14="http://schemas.microsoft.com/office/drawing/2010/main" xmlns:ma14="http://schemas.microsoft.com/office/mac/drawingml/2011/main" val="1"/>
             </a:ext>
           </a:extLst>
         </p:spPr>
@@ -19953,7 +19917,7 @@
             <a:effectLst/>
             <a:extLst>
               <a:ext uri="{C572A759-6A51-4108-AA02-DFA0A04FC94B}">
-                <ma14:wrappingTextBoxFlag xmlns:ma14="http://schemas.microsoft.com/office/mac/drawingml/2011/main" xmlns:a14="http://schemas.microsoft.com/office/drawing/2010/main" xmlns:m="http://schemas.openxmlformats.org/officeDocument/2006/math" xmlns="" val="1"/>
+                <ma14:wrappingTextBoxFlag xmlns="" xmlns:m="http://schemas.openxmlformats.org/officeDocument/2006/math" xmlns:a14="http://schemas.microsoft.com/office/drawing/2010/main" xmlns:ma14="http://schemas.microsoft.com/office/mac/drawingml/2011/main" val="1"/>
               </a:ext>
             </a:extLst>
           </p:spPr>
@@ -19988,11 +19952,11 @@
   <p:clrMapOvr>
     <a:masterClrMapping/>
   </p:clrMapOvr>
-  <mc:AlternateContent xmlns:mc="http://schemas.openxmlformats.org/markup-compatibility/2006">
-    <mc:Choice xmlns:p14="http://schemas.microsoft.com/office/powerpoint/2010/main" Requires="p14">
+  <mc:AlternateContent xmlns:mc="http://schemas.openxmlformats.org/markup-compatibility/2006" xmlns:p14="http://schemas.microsoft.com/office/powerpoint/2010/main">
+    <mc:Choice Requires="p14">
       <p:transition spd="slow" p14:dur="2000"/>
     </mc:Choice>
-    <mc:Fallback>
+    <mc:Fallback xmlns="">
       <p:transition spd="slow"/>
     </mc:Fallback>
   </mc:AlternateContent>
@@ -20826,7 +20790,7 @@
           </a:ln>
           <a:extLst>
             <a:ext uri="{C572A759-6A51-4108-AA02-DFA0A04FC94B}">
-              <ma14:wrappingTextBoxFlag xmlns:ma14="http://schemas.microsoft.com/office/mac/drawingml/2011/main" xmlns:a14="http://schemas.microsoft.com/office/drawing/2010/main" xmlns:m="http://schemas.openxmlformats.org/officeDocument/2006/math" xmlns="" val="1"/>
+              <ma14:wrappingTextBoxFlag xmlns="" xmlns:m="http://schemas.openxmlformats.org/officeDocument/2006/math" xmlns:a14="http://schemas.microsoft.com/office/drawing/2010/main" xmlns:ma14="http://schemas.microsoft.com/office/mac/drawingml/2011/main" val="1"/>
             </a:ext>
           </a:extLst>
         </p:spPr>
@@ -20861,7 +20825,7 @@
           </a:ln>
           <a:extLst>
             <a:ext uri="{C572A759-6A51-4108-AA02-DFA0A04FC94B}">
-              <ma14:wrappingTextBoxFlag xmlns:ma14="http://schemas.microsoft.com/office/mac/drawingml/2011/main" xmlns:a14="http://schemas.microsoft.com/office/drawing/2010/main" xmlns:m="http://schemas.openxmlformats.org/officeDocument/2006/math" xmlns="" val="1"/>
+              <ma14:wrappingTextBoxFlag xmlns="" xmlns:m="http://schemas.openxmlformats.org/officeDocument/2006/math" xmlns:a14="http://schemas.microsoft.com/office/drawing/2010/main" xmlns:ma14="http://schemas.microsoft.com/office/mac/drawingml/2011/main" val="1"/>
             </a:ext>
           </a:extLst>
         </p:spPr>
@@ -20941,7 +20905,7 @@
           </a:ln>
           <a:extLst>
             <a:ext uri="{C572A759-6A51-4108-AA02-DFA0A04FC94B}">
-              <ma14:wrappingTextBoxFlag xmlns:ma14="http://schemas.microsoft.com/office/mac/drawingml/2011/main" xmlns:a14="http://schemas.microsoft.com/office/drawing/2010/main" xmlns:m="http://schemas.openxmlformats.org/officeDocument/2006/math" xmlns="" val="1"/>
+              <ma14:wrappingTextBoxFlag xmlns="" xmlns:m="http://schemas.openxmlformats.org/officeDocument/2006/math" xmlns:a14="http://schemas.microsoft.com/office/drawing/2010/main" xmlns:ma14="http://schemas.microsoft.com/office/mac/drawingml/2011/main" val="1"/>
             </a:ext>
           </a:extLst>
         </p:spPr>
@@ -20976,7 +20940,7 @@
           </a:ln>
           <a:extLst>
             <a:ext uri="{C572A759-6A51-4108-AA02-DFA0A04FC94B}">
-              <ma14:wrappingTextBoxFlag xmlns:ma14="http://schemas.microsoft.com/office/mac/drawingml/2011/main" xmlns:a14="http://schemas.microsoft.com/office/drawing/2010/main" xmlns:m="http://schemas.openxmlformats.org/officeDocument/2006/math" xmlns="" val="1"/>
+              <ma14:wrappingTextBoxFlag xmlns="" xmlns:m="http://schemas.openxmlformats.org/officeDocument/2006/math" xmlns:a14="http://schemas.microsoft.com/office/drawing/2010/main" xmlns:ma14="http://schemas.microsoft.com/office/mac/drawingml/2011/main" val="1"/>
             </a:ext>
           </a:extLst>
         </p:spPr>
@@ -21055,7 +21019,7 @@
           </a:ln>
           <a:extLst>
             <a:ext uri="{C572A759-6A51-4108-AA02-DFA0A04FC94B}">
-              <ma14:wrappingTextBoxFlag xmlns:ma14="http://schemas.microsoft.com/office/mac/drawingml/2011/main" xmlns:a14="http://schemas.microsoft.com/office/drawing/2010/main" xmlns:m="http://schemas.openxmlformats.org/officeDocument/2006/math" xmlns="" val="1"/>
+              <ma14:wrappingTextBoxFlag xmlns="" xmlns:m="http://schemas.openxmlformats.org/officeDocument/2006/math" xmlns:a14="http://schemas.microsoft.com/office/drawing/2010/main" xmlns:ma14="http://schemas.microsoft.com/office/mac/drawingml/2011/main" val="1"/>
             </a:ext>
           </a:extLst>
         </p:spPr>
@@ -21090,7 +21054,7 @@
           </a:ln>
           <a:extLst>
             <a:ext uri="{C572A759-6A51-4108-AA02-DFA0A04FC94B}">
-              <ma14:wrappingTextBoxFlag xmlns:ma14="http://schemas.microsoft.com/office/mac/drawingml/2011/main" xmlns:a14="http://schemas.microsoft.com/office/drawing/2010/main" xmlns:m="http://schemas.openxmlformats.org/officeDocument/2006/math" xmlns="" val="1"/>
+              <ma14:wrappingTextBoxFlag xmlns="" xmlns:m="http://schemas.openxmlformats.org/officeDocument/2006/math" xmlns:a14="http://schemas.microsoft.com/office/drawing/2010/main" xmlns:ma14="http://schemas.microsoft.com/office/mac/drawingml/2011/main" val="1"/>
             </a:ext>
           </a:extLst>
         </p:spPr>
@@ -21169,7 +21133,7 @@
           </a:ln>
           <a:extLst>
             <a:ext uri="{C572A759-6A51-4108-AA02-DFA0A04FC94B}">
-              <ma14:wrappingTextBoxFlag xmlns:ma14="http://schemas.microsoft.com/office/mac/drawingml/2011/main" xmlns:a14="http://schemas.microsoft.com/office/drawing/2010/main" xmlns:m="http://schemas.openxmlformats.org/officeDocument/2006/math" xmlns="" val="1"/>
+              <ma14:wrappingTextBoxFlag xmlns="" xmlns:m="http://schemas.openxmlformats.org/officeDocument/2006/math" xmlns:a14="http://schemas.microsoft.com/office/drawing/2010/main" xmlns:ma14="http://schemas.microsoft.com/office/mac/drawingml/2011/main" val="1"/>
             </a:ext>
           </a:extLst>
         </p:spPr>
@@ -21204,7 +21168,7 @@
           </a:ln>
           <a:extLst>
             <a:ext uri="{C572A759-6A51-4108-AA02-DFA0A04FC94B}">
-              <ma14:wrappingTextBoxFlag xmlns:ma14="http://schemas.microsoft.com/office/mac/drawingml/2011/main" xmlns:a14="http://schemas.microsoft.com/office/drawing/2010/main" xmlns:m="http://schemas.openxmlformats.org/officeDocument/2006/math" xmlns="" val="1"/>
+              <ma14:wrappingTextBoxFlag xmlns="" xmlns:m="http://schemas.openxmlformats.org/officeDocument/2006/math" xmlns:a14="http://schemas.microsoft.com/office/drawing/2010/main" xmlns:ma14="http://schemas.microsoft.com/office/mac/drawingml/2011/main" val="1"/>
             </a:ext>
           </a:extLst>
         </p:spPr>
@@ -21337,7 +21301,7 @@
             <a:effectLst/>
             <a:extLst>
               <a:ext uri="{C572A759-6A51-4108-AA02-DFA0A04FC94B}">
-                <ma14:wrappingTextBoxFlag xmlns:ma14="http://schemas.microsoft.com/office/mac/drawingml/2011/main" xmlns:a14="http://schemas.microsoft.com/office/drawing/2010/main" xmlns:m="http://schemas.openxmlformats.org/officeDocument/2006/math" xmlns="" val="1"/>
+                <ma14:wrappingTextBoxFlag xmlns="" xmlns:m="http://schemas.openxmlformats.org/officeDocument/2006/math" xmlns:a14="http://schemas.microsoft.com/office/drawing/2010/main" xmlns:ma14="http://schemas.microsoft.com/office/mac/drawingml/2011/main" val="1"/>
               </a:ext>
             </a:extLst>
           </p:spPr>
@@ -21433,7 +21397,7 @@
             <a:effectLst/>
             <a:extLst>
               <a:ext uri="{C572A759-6A51-4108-AA02-DFA0A04FC94B}">
-                <ma14:wrappingTextBoxFlag xmlns:ma14="http://schemas.microsoft.com/office/mac/drawingml/2011/main" xmlns:a14="http://schemas.microsoft.com/office/drawing/2010/main" xmlns:m="http://schemas.openxmlformats.org/officeDocument/2006/math" xmlns="" val="1"/>
+                <ma14:wrappingTextBoxFlag xmlns="" xmlns:m="http://schemas.openxmlformats.org/officeDocument/2006/math" xmlns:a14="http://schemas.microsoft.com/office/drawing/2010/main" xmlns:ma14="http://schemas.microsoft.com/office/mac/drawingml/2011/main" val="1"/>
               </a:ext>
             </a:extLst>
           </p:spPr>
@@ -21789,7 +21753,7 @@
             <a:effectLst/>
             <a:extLst>
               <a:ext uri="{C572A759-6A51-4108-AA02-DFA0A04FC94B}">
-                <ma14:wrappingTextBoxFlag xmlns:ma14="http://schemas.microsoft.com/office/mac/drawingml/2011/main" xmlns:a14="http://schemas.microsoft.com/office/drawing/2010/main" xmlns:m="http://schemas.openxmlformats.org/officeDocument/2006/math" xmlns="" val="1"/>
+                <ma14:wrappingTextBoxFlag xmlns="" xmlns:m="http://schemas.openxmlformats.org/officeDocument/2006/math" xmlns:a14="http://schemas.microsoft.com/office/drawing/2010/main" xmlns:ma14="http://schemas.microsoft.com/office/mac/drawingml/2011/main" val="1"/>
               </a:ext>
             </a:extLst>
           </p:spPr>
@@ -21893,7 +21857,7 @@
             <a:effectLst/>
             <a:extLst>
               <a:ext uri="{C572A759-6A51-4108-AA02-DFA0A04FC94B}">
-                <ma14:wrappingTextBoxFlag xmlns:ma14="http://schemas.microsoft.com/office/mac/drawingml/2011/main" xmlns:a14="http://schemas.microsoft.com/office/drawing/2010/main" xmlns:m="http://schemas.openxmlformats.org/officeDocument/2006/math" xmlns="" val="1"/>
+                <ma14:wrappingTextBoxFlag xmlns="" xmlns:m="http://schemas.openxmlformats.org/officeDocument/2006/math" xmlns:a14="http://schemas.microsoft.com/office/drawing/2010/main" xmlns:ma14="http://schemas.microsoft.com/office/mac/drawingml/2011/main" val="1"/>
               </a:ext>
             </a:extLst>
           </p:spPr>
@@ -21997,7 +21961,7 @@
             <a:effectLst/>
             <a:extLst>
               <a:ext uri="{C572A759-6A51-4108-AA02-DFA0A04FC94B}">
-                <ma14:wrappingTextBoxFlag xmlns:ma14="http://schemas.microsoft.com/office/mac/drawingml/2011/main" xmlns:a14="http://schemas.microsoft.com/office/drawing/2010/main" xmlns:m="http://schemas.openxmlformats.org/officeDocument/2006/math" xmlns="" val="1"/>
+                <ma14:wrappingTextBoxFlag xmlns="" xmlns:m="http://schemas.openxmlformats.org/officeDocument/2006/math" xmlns:a14="http://schemas.microsoft.com/office/drawing/2010/main" xmlns:ma14="http://schemas.microsoft.com/office/mac/drawingml/2011/main" val="1"/>
               </a:ext>
             </a:extLst>
           </p:spPr>
@@ -22032,11 +21996,11 @@
   <p:clrMapOvr>
     <a:masterClrMapping/>
   </p:clrMapOvr>
-  <mc:AlternateContent xmlns:mc="http://schemas.openxmlformats.org/markup-compatibility/2006">
-    <mc:Choice xmlns:p14="http://schemas.microsoft.com/office/powerpoint/2010/main" Requires="p14">
+  <mc:AlternateContent xmlns:mc="http://schemas.openxmlformats.org/markup-compatibility/2006" xmlns:p14="http://schemas.microsoft.com/office/powerpoint/2010/main">
+    <mc:Choice Requires="p14">
       <p:transition spd="slow" p14:dur="2000"/>
     </mc:Choice>
-    <mc:Fallback>
+    <mc:Fallback xmlns="">
       <p:transition spd="slow"/>
     </mc:Fallback>
   </mc:AlternateContent>
@@ -22101,11 +22065,11 @@
   <p:clrMapOvr>
     <a:masterClrMapping/>
   </p:clrMapOvr>
-  <mc:AlternateContent xmlns:mc="http://schemas.openxmlformats.org/markup-compatibility/2006">
-    <mc:Choice xmlns:p14="http://schemas.microsoft.com/office/powerpoint/2010/main" Requires="p14">
+  <mc:AlternateContent xmlns:mc="http://schemas.openxmlformats.org/markup-compatibility/2006" xmlns:p14="http://schemas.microsoft.com/office/powerpoint/2010/main">
+    <mc:Choice Requires="p14">
       <p:transition spd="slow" p14:dur="2000"/>
     </mc:Choice>
-    <mc:Fallback>
+    <mc:Fallback xmlns="">
       <p:transition spd="slow"/>
     </mc:Fallback>
   </mc:AlternateContent>
@@ -22296,11 +22260,11 @@
   <p:clrMapOvr>
     <a:masterClrMapping/>
   </p:clrMapOvr>
-  <mc:AlternateContent xmlns:mc="http://schemas.openxmlformats.org/markup-compatibility/2006">
-    <mc:Choice xmlns:p14="http://schemas.microsoft.com/office/powerpoint/2010/main" Requires="p14">
+  <mc:AlternateContent xmlns:mc="http://schemas.openxmlformats.org/markup-compatibility/2006" xmlns:p14="http://schemas.microsoft.com/office/powerpoint/2010/main">
+    <mc:Choice Requires="p14">
       <p:transition spd="slow" p14:dur="2000"/>
     </mc:Choice>
-    <mc:Fallback>
+    <mc:Fallback xmlns="">
       <p:transition spd="slow"/>
     </mc:Fallback>
   </mc:AlternateContent>
@@ -22537,11 +22501,11 @@
   <p:clrMapOvr>
     <a:masterClrMapping/>
   </p:clrMapOvr>
-  <mc:AlternateContent xmlns:mc="http://schemas.openxmlformats.org/markup-compatibility/2006">
-    <mc:Choice xmlns:p14="http://schemas.microsoft.com/office/powerpoint/2010/main" Requires="p14">
+  <mc:AlternateContent xmlns:mc="http://schemas.openxmlformats.org/markup-compatibility/2006" xmlns:p14="http://schemas.microsoft.com/office/powerpoint/2010/main">
+    <mc:Choice Requires="p14">
       <p:transition spd="slow" p14:dur="2000"/>
     </mc:Choice>
-    <mc:Fallback>
+    <mc:Fallback xmlns="">
       <p:transition spd="slow"/>
     </mc:Fallback>
   </mc:AlternateContent>
@@ -23618,7 +23582,7 @@
           </a:ln>
           <a:extLst>
             <a:ext uri="{C572A759-6A51-4108-AA02-DFA0A04FC94B}">
-              <ma14:wrappingTextBoxFlag xmlns:ma14="http://schemas.microsoft.com/office/mac/drawingml/2011/main" xmlns:a14="http://schemas.microsoft.com/office/drawing/2010/main" xmlns:m="http://schemas.openxmlformats.org/officeDocument/2006/math" xmlns="" val="1"/>
+              <ma14:wrappingTextBoxFlag xmlns="" xmlns:m="http://schemas.openxmlformats.org/officeDocument/2006/math" xmlns:a14="http://schemas.microsoft.com/office/drawing/2010/main" xmlns:ma14="http://schemas.microsoft.com/office/mac/drawingml/2011/main" val="1"/>
             </a:ext>
           </a:extLst>
         </p:spPr>
@@ -24774,7 +24738,7 @@
           </a:ln>
           <a:extLst>
             <a:ext uri="{C572A759-6A51-4108-AA02-DFA0A04FC94B}">
-              <ma14:wrappingTextBoxFlag xmlns:ma14="http://schemas.microsoft.com/office/mac/drawingml/2011/main" xmlns:a14="http://schemas.microsoft.com/office/drawing/2010/main" xmlns:m="http://schemas.openxmlformats.org/officeDocument/2006/math" xmlns="" val="1"/>
+              <ma14:wrappingTextBoxFlag xmlns="" xmlns:m="http://schemas.openxmlformats.org/officeDocument/2006/math" xmlns:a14="http://schemas.microsoft.com/office/drawing/2010/main" xmlns:ma14="http://schemas.microsoft.com/office/mac/drawingml/2011/main" val="1"/>
             </a:ext>
           </a:extLst>
         </p:spPr>
@@ -25968,7 +25932,7 @@
             <a:effectLst/>
             <a:extLst>
               <a:ext uri="{C572A759-6A51-4108-AA02-DFA0A04FC94B}">
-                <ma14:wrappingTextBoxFlag xmlns:ma14="http://schemas.microsoft.com/office/mac/drawingml/2011/main" xmlns:a14="http://schemas.microsoft.com/office/drawing/2010/main" xmlns:m="http://schemas.openxmlformats.org/officeDocument/2006/math" xmlns="" val="1"/>
+                <ma14:wrappingTextBoxFlag xmlns="" xmlns:m="http://schemas.openxmlformats.org/officeDocument/2006/math" xmlns:a14="http://schemas.microsoft.com/office/drawing/2010/main" xmlns:ma14="http://schemas.microsoft.com/office/mac/drawingml/2011/main" val="1"/>
               </a:ext>
             </a:extLst>
           </p:spPr>
@@ -26068,7 +26032,7 @@
             <a:effectLst/>
             <a:extLst>
               <a:ext uri="{C572A759-6A51-4108-AA02-DFA0A04FC94B}">
-                <ma14:wrappingTextBoxFlag xmlns:ma14="http://schemas.microsoft.com/office/mac/drawingml/2011/main" xmlns:a14="http://schemas.microsoft.com/office/drawing/2010/main" xmlns:m="http://schemas.openxmlformats.org/officeDocument/2006/math" xmlns="" val="1"/>
+                <ma14:wrappingTextBoxFlag xmlns="" xmlns:m="http://schemas.openxmlformats.org/officeDocument/2006/math" xmlns:a14="http://schemas.microsoft.com/office/drawing/2010/main" xmlns:ma14="http://schemas.microsoft.com/office/mac/drawingml/2011/main" val="1"/>
               </a:ext>
             </a:extLst>
           </p:spPr>
@@ -26103,11 +26067,11 @@
   <p:clrMapOvr>
     <a:masterClrMapping/>
   </p:clrMapOvr>
-  <mc:AlternateContent xmlns:mc="http://schemas.openxmlformats.org/markup-compatibility/2006">
-    <mc:Choice xmlns:p14="http://schemas.microsoft.com/office/powerpoint/2010/main" Requires="p14">
+  <mc:AlternateContent xmlns:mc="http://schemas.openxmlformats.org/markup-compatibility/2006" xmlns:p14="http://schemas.microsoft.com/office/powerpoint/2010/main">
+    <mc:Choice Requires="p14">
       <p:transition spd="slow" p14:dur="2000"/>
     </mc:Choice>
-    <mc:Fallback>
+    <mc:Fallback xmlns="">
       <p:transition spd="slow"/>
     </mc:Fallback>
   </mc:AlternateContent>
@@ -26359,11 +26323,11 @@
   <p:clrMapOvr>
     <a:masterClrMapping/>
   </p:clrMapOvr>
-  <mc:AlternateContent xmlns:mc="http://schemas.openxmlformats.org/markup-compatibility/2006">
-    <mc:Choice xmlns:p14="http://schemas.microsoft.com/office/powerpoint/2010/main" Requires="p14">
+  <mc:AlternateContent xmlns:mc="http://schemas.openxmlformats.org/markup-compatibility/2006" xmlns:p14="http://schemas.microsoft.com/office/powerpoint/2010/main">
+    <mc:Choice Requires="p14">
       <p:transition spd="slow" p14:dur="2000"/>
     </mc:Choice>
-    <mc:Fallback>
+    <mc:Fallback xmlns="">
       <p:transition spd="slow"/>
     </mc:Fallback>
   </mc:AlternateContent>
@@ -27445,7 +27409,7 @@
           </a:ln>
           <a:extLst>
             <a:ext uri="{C572A759-6A51-4108-AA02-DFA0A04FC94B}">
-              <ma14:wrappingTextBoxFlag xmlns:ma14="http://schemas.microsoft.com/office/mac/drawingml/2011/main" xmlns:a14="http://schemas.microsoft.com/office/drawing/2010/main" xmlns:m="http://schemas.openxmlformats.org/officeDocument/2006/math" xmlns="" val="1"/>
+              <ma14:wrappingTextBoxFlag xmlns="" xmlns:m="http://schemas.openxmlformats.org/officeDocument/2006/math" xmlns:a14="http://schemas.microsoft.com/office/drawing/2010/main" xmlns:ma14="http://schemas.microsoft.com/office/mac/drawingml/2011/main" val="1"/>
             </a:ext>
           </a:extLst>
         </p:spPr>
@@ -27485,7 +27449,7 @@
           </a:ln>
           <a:extLst>
             <a:ext uri="{C572A759-6A51-4108-AA02-DFA0A04FC94B}">
-              <ma14:wrappingTextBoxFlag xmlns:ma14="http://schemas.microsoft.com/office/mac/drawingml/2011/main" xmlns:a14="http://schemas.microsoft.com/office/drawing/2010/main" xmlns:m="http://schemas.openxmlformats.org/officeDocument/2006/math" xmlns="" val="1"/>
+              <ma14:wrappingTextBoxFlag xmlns="" xmlns:m="http://schemas.openxmlformats.org/officeDocument/2006/math" xmlns:a14="http://schemas.microsoft.com/office/drawing/2010/main" xmlns:ma14="http://schemas.microsoft.com/office/mac/drawingml/2011/main" val="1"/>
             </a:ext>
           </a:extLst>
         </p:spPr>
@@ -27531,7 +27495,7 @@
           </a:ln>
           <a:extLst>
             <a:ext uri="{C572A759-6A51-4108-AA02-DFA0A04FC94B}">
-              <ma14:wrappingTextBoxFlag xmlns:ma14="http://schemas.microsoft.com/office/mac/drawingml/2011/main" xmlns:a14="http://schemas.microsoft.com/office/drawing/2010/main" xmlns:m="http://schemas.openxmlformats.org/officeDocument/2006/math" xmlns="" val="1"/>
+              <ma14:wrappingTextBoxFlag xmlns="" xmlns:m="http://schemas.openxmlformats.org/officeDocument/2006/math" xmlns:a14="http://schemas.microsoft.com/office/drawing/2010/main" xmlns:ma14="http://schemas.microsoft.com/office/mac/drawingml/2011/main" val="1"/>
             </a:ext>
           </a:extLst>
         </p:spPr>
@@ -27573,7 +27537,7 @@
           </a:ln>
           <a:extLst>
             <a:ext uri="{C572A759-6A51-4108-AA02-DFA0A04FC94B}">
-              <ma14:wrappingTextBoxFlag xmlns:ma14="http://schemas.microsoft.com/office/mac/drawingml/2011/main" xmlns:a14="http://schemas.microsoft.com/office/drawing/2010/main" xmlns:m="http://schemas.openxmlformats.org/officeDocument/2006/math" xmlns="" val="1"/>
+              <ma14:wrappingTextBoxFlag xmlns="" xmlns:m="http://schemas.openxmlformats.org/officeDocument/2006/math" xmlns:a14="http://schemas.microsoft.com/office/drawing/2010/main" xmlns:ma14="http://schemas.microsoft.com/office/mac/drawingml/2011/main" val="1"/>
             </a:ext>
           </a:extLst>
         </p:spPr>
@@ -27624,7 +27588,7 @@
           </a:ln>
           <a:extLst>
             <a:ext uri="{C572A759-6A51-4108-AA02-DFA0A04FC94B}">
-              <ma14:wrappingTextBoxFlag xmlns:ma14="http://schemas.microsoft.com/office/mac/drawingml/2011/main" xmlns:a14="http://schemas.microsoft.com/office/drawing/2010/main" xmlns:m="http://schemas.openxmlformats.org/officeDocument/2006/math" xmlns="" val="1"/>
+              <ma14:wrappingTextBoxFlag xmlns="" xmlns:m="http://schemas.openxmlformats.org/officeDocument/2006/math" xmlns:a14="http://schemas.microsoft.com/office/drawing/2010/main" xmlns:ma14="http://schemas.microsoft.com/office/mac/drawingml/2011/main" val="1"/>
             </a:ext>
           </a:extLst>
         </p:spPr>
@@ -27667,7 +27631,7 @@
           </a:ln>
           <a:extLst>
             <a:ext uri="{C572A759-6A51-4108-AA02-DFA0A04FC94B}">
-              <ma14:wrappingTextBoxFlag xmlns:ma14="http://schemas.microsoft.com/office/mac/drawingml/2011/main" xmlns:a14="http://schemas.microsoft.com/office/drawing/2010/main" xmlns:m="http://schemas.openxmlformats.org/officeDocument/2006/math" xmlns="" val="1"/>
+              <ma14:wrappingTextBoxFlag xmlns="" xmlns:m="http://schemas.openxmlformats.org/officeDocument/2006/math" xmlns:a14="http://schemas.microsoft.com/office/drawing/2010/main" xmlns:ma14="http://schemas.microsoft.com/office/mac/drawingml/2011/main" val="1"/>
             </a:ext>
           </a:extLst>
         </p:spPr>
@@ -27717,7 +27681,7 @@
           </a:ln>
           <a:extLst>
             <a:ext uri="{C572A759-6A51-4108-AA02-DFA0A04FC94B}">
-              <ma14:wrappingTextBoxFlag xmlns:ma14="http://schemas.microsoft.com/office/mac/drawingml/2011/main" xmlns:a14="http://schemas.microsoft.com/office/drawing/2010/main" xmlns:m="http://schemas.openxmlformats.org/officeDocument/2006/math" xmlns="" val="1"/>
+              <ma14:wrappingTextBoxFlag xmlns="" xmlns:m="http://schemas.openxmlformats.org/officeDocument/2006/math" xmlns:a14="http://schemas.microsoft.com/office/drawing/2010/main" xmlns:ma14="http://schemas.microsoft.com/office/mac/drawingml/2011/main" val="1"/>
             </a:ext>
           </a:extLst>
         </p:spPr>
@@ -27763,7 +27727,7 @@
           </a:ln>
           <a:extLst>
             <a:ext uri="{C572A759-6A51-4108-AA02-DFA0A04FC94B}">
-              <ma14:wrappingTextBoxFlag xmlns:ma14="http://schemas.microsoft.com/office/mac/drawingml/2011/main" xmlns:a14="http://schemas.microsoft.com/office/drawing/2010/main" xmlns:m="http://schemas.openxmlformats.org/officeDocument/2006/math" xmlns="" val="1"/>
+              <ma14:wrappingTextBoxFlag xmlns="" xmlns:m="http://schemas.openxmlformats.org/officeDocument/2006/math" xmlns:a14="http://schemas.microsoft.com/office/drawing/2010/main" xmlns:ma14="http://schemas.microsoft.com/office/mac/drawingml/2011/main" val="1"/>
             </a:ext>
           </a:extLst>
         </p:spPr>
@@ -27803,7 +27767,7 @@
           </a:ln>
           <a:extLst>
             <a:ext uri="{C572A759-6A51-4108-AA02-DFA0A04FC94B}">
-              <ma14:wrappingTextBoxFlag xmlns:ma14="http://schemas.microsoft.com/office/mac/drawingml/2011/main" xmlns:a14="http://schemas.microsoft.com/office/drawing/2010/main" xmlns:m="http://schemas.openxmlformats.org/officeDocument/2006/math" xmlns="" val="1"/>
+              <ma14:wrappingTextBoxFlag xmlns="" xmlns:m="http://schemas.openxmlformats.org/officeDocument/2006/math" xmlns:a14="http://schemas.microsoft.com/office/drawing/2010/main" xmlns:ma14="http://schemas.microsoft.com/office/mac/drawingml/2011/main" val="1"/>
             </a:ext>
           </a:extLst>
         </p:spPr>
@@ -27848,7 +27812,7 @@
           </a:ln>
           <a:extLst>
             <a:ext uri="{C572A759-6A51-4108-AA02-DFA0A04FC94B}">
-              <ma14:wrappingTextBoxFlag xmlns:ma14="http://schemas.microsoft.com/office/mac/drawingml/2011/main" xmlns:a14="http://schemas.microsoft.com/office/drawing/2010/main" xmlns:m="http://schemas.openxmlformats.org/officeDocument/2006/math" xmlns="" val="1"/>
+              <ma14:wrappingTextBoxFlag xmlns="" xmlns:m="http://schemas.openxmlformats.org/officeDocument/2006/math" xmlns:a14="http://schemas.microsoft.com/office/drawing/2010/main" xmlns:ma14="http://schemas.microsoft.com/office/mac/drawingml/2011/main" val="1"/>
             </a:ext>
           </a:extLst>
         </p:spPr>
@@ -28161,7 +28125,7 @@
             <a:effectLst/>
             <a:extLst>
               <a:ext uri="{C572A759-6A51-4108-AA02-DFA0A04FC94B}">
-                <ma14:wrappingTextBoxFlag xmlns:ma14="http://schemas.microsoft.com/office/mac/drawingml/2011/main" xmlns:a14="http://schemas.microsoft.com/office/drawing/2010/main" xmlns:m="http://schemas.openxmlformats.org/officeDocument/2006/math" xmlns="" val="1"/>
+                <ma14:wrappingTextBoxFlag xmlns="" xmlns:m="http://schemas.openxmlformats.org/officeDocument/2006/math" xmlns:a14="http://schemas.microsoft.com/office/drawing/2010/main" xmlns:ma14="http://schemas.microsoft.com/office/mac/drawingml/2011/main" val="1"/>
               </a:ext>
             </a:extLst>
           </p:spPr>
@@ -28196,11 +28160,11 @@
   <p:clrMapOvr>
     <a:masterClrMapping/>
   </p:clrMapOvr>
-  <mc:AlternateContent xmlns:mc="http://schemas.openxmlformats.org/markup-compatibility/2006">
-    <mc:Choice xmlns:p14="http://schemas.microsoft.com/office/powerpoint/2010/main" Requires="p14">
+  <mc:AlternateContent xmlns:mc="http://schemas.openxmlformats.org/markup-compatibility/2006" xmlns:p14="http://schemas.microsoft.com/office/powerpoint/2010/main">
+    <mc:Choice Requires="p14">
       <p:transition spd="slow" p14:dur="2000"/>
     </mc:Choice>
-    <mc:Fallback>
+    <mc:Fallback xmlns="">
       <p:transition spd="slow"/>
     </mc:Fallback>
   </mc:AlternateContent>
@@ -28422,11 +28386,11 @@
   <p:clrMapOvr>
     <a:masterClrMapping/>
   </p:clrMapOvr>
-  <mc:AlternateContent xmlns:mc="http://schemas.openxmlformats.org/markup-compatibility/2006">
-    <mc:Choice xmlns:p14="http://schemas.microsoft.com/office/powerpoint/2010/main" Requires="p14">
+  <mc:AlternateContent xmlns:mc="http://schemas.openxmlformats.org/markup-compatibility/2006" xmlns:p14="http://schemas.microsoft.com/office/powerpoint/2010/main">
+    <mc:Choice Requires="p14">
       <p:transition spd="slow" p14:dur="2000"/>
     </mc:Choice>
-    <mc:Fallback>
+    <mc:Fallback xmlns="">
       <p:transition spd="slow"/>
     </mc:Fallback>
   </mc:AlternateContent>
@@ -28978,11 +28942,11 @@
   <p:clrMapOvr>
     <a:masterClrMapping/>
   </p:clrMapOvr>
-  <mc:AlternateContent xmlns:mc="http://schemas.openxmlformats.org/markup-compatibility/2006">
-    <mc:Choice xmlns:p14="http://schemas.microsoft.com/office/powerpoint/2010/main" Requires="p14">
+  <mc:AlternateContent xmlns:mc="http://schemas.openxmlformats.org/markup-compatibility/2006" xmlns:p14="http://schemas.microsoft.com/office/powerpoint/2010/main">
+    <mc:Choice Requires="p14">
       <p:transition spd="slow" p14:dur="2000"/>
     </mc:Choice>
-    <mc:Fallback>
+    <mc:Fallback xmlns="">
       <p:transition spd="slow"/>
     </mc:Fallback>
   </mc:AlternateContent>
@@ -30083,7 +30047,7 @@
           </a:ln>
           <a:extLst>
             <a:ext uri="{C572A759-6A51-4108-AA02-DFA0A04FC94B}">
-              <ma14:wrappingTextBoxFlag xmlns:ma14="http://schemas.microsoft.com/office/mac/drawingml/2011/main" xmlns:a14="http://schemas.microsoft.com/office/drawing/2010/main" xmlns:m="http://schemas.openxmlformats.org/officeDocument/2006/math" xmlns="" val="1"/>
+              <ma14:wrappingTextBoxFlag xmlns="" xmlns:m="http://schemas.openxmlformats.org/officeDocument/2006/math" xmlns:a14="http://schemas.microsoft.com/office/drawing/2010/main" xmlns:ma14="http://schemas.microsoft.com/office/mac/drawingml/2011/main" val="1"/>
             </a:ext>
           </a:extLst>
         </p:spPr>
@@ -30133,7 +30097,7 @@
           </a:ln>
           <a:extLst>
             <a:ext uri="{C572A759-6A51-4108-AA02-DFA0A04FC94B}">
-              <ma14:wrappingTextBoxFlag xmlns:ma14="http://schemas.microsoft.com/office/mac/drawingml/2011/main" xmlns:a14="http://schemas.microsoft.com/office/drawing/2010/main" xmlns:m="http://schemas.openxmlformats.org/officeDocument/2006/math" xmlns="" val="1"/>
+              <ma14:wrappingTextBoxFlag xmlns="" xmlns:m="http://schemas.openxmlformats.org/officeDocument/2006/math" xmlns:a14="http://schemas.microsoft.com/office/drawing/2010/main" xmlns:ma14="http://schemas.microsoft.com/office/mac/drawingml/2011/main" val="1"/>
             </a:ext>
           </a:extLst>
         </p:spPr>
@@ -30173,7 +30137,7 @@
           </a:ln>
           <a:extLst>
             <a:ext uri="{C572A759-6A51-4108-AA02-DFA0A04FC94B}">
-              <ma14:wrappingTextBoxFlag xmlns:ma14="http://schemas.microsoft.com/office/mac/drawingml/2011/main" xmlns:a14="http://schemas.microsoft.com/office/drawing/2010/main" xmlns:m="http://schemas.openxmlformats.org/officeDocument/2006/math" xmlns="" val="1"/>
+              <ma14:wrappingTextBoxFlag xmlns="" xmlns:m="http://schemas.openxmlformats.org/officeDocument/2006/math" xmlns:a14="http://schemas.microsoft.com/office/drawing/2010/main" xmlns:ma14="http://schemas.microsoft.com/office/mac/drawingml/2011/main" val="1"/>
             </a:ext>
           </a:extLst>
         </p:spPr>
@@ -30219,7 +30183,7 @@
           </a:ln>
           <a:extLst>
             <a:ext uri="{C572A759-6A51-4108-AA02-DFA0A04FC94B}">
-              <ma14:wrappingTextBoxFlag xmlns:ma14="http://schemas.microsoft.com/office/mac/drawingml/2011/main" xmlns:a14="http://schemas.microsoft.com/office/drawing/2010/main" xmlns:m="http://schemas.openxmlformats.org/officeDocument/2006/math" xmlns="" val="1"/>
+              <ma14:wrappingTextBoxFlag xmlns="" xmlns:m="http://schemas.openxmlformats.org/officeDocument/2006/math" xmlns:a14="http://schemas.microsoft.com/office/drawing/2010/main" xmlns:ma14="http://schemas.microsoft.com/office/mac/drawingml/2011/main" val="1"/>
             </a:ext>
           </a:extLst>
         </p:spPr>
@@ -30269,7 +30233,7 @@
           </a:ln>
           <a:extLst>
             <a:ext uri="{C572A759-6A51-4108-AA02-DFA0A04FC94B}">
-              <ma14:wrappingTextBoxFlag xmlns:ma14="http://schemas.microsoft.com/office/mac/drawingml/2011/main" xmlns:a14="http://schemas.microsoft.com/office/drawing/2010/main" xmlns:m="http://schemas.openxmlformats.org/officeDocument/2006/math" xmlns="" val="1"/>
+              <ma14:wrappingTextBoxFlag xmlns="" xmlns:m="http://schemas.openxmlformats.org/officeDocument/2006/math" xmlns:a14="http://schemas.microsoft.com/office/drawing/2010/main" xmlns:ma14="http://schemas.microsoft.com/office/mac/drawingml/2011/main" val="1"/>
             </a:ext>
           </a:extLst>
         </p:spPr>
@@ -30346,7 +30310,7 @@
           </a:ln>
           <a:extLst>
             <a:ext uri="{C572A759-6A51-4108-AA02-DFA0A04FC94B}">
-              <ma14:wrappingTextBoxFlag xmlns:ma14="http://schemas.microsoft.com/office/mac/drawingml/2011/main" xmlns:a14="http://schemas.microsoft.com/office/drawing/2010/main" xmlns:m="http://schemas.openxmlformats.org/officeDocument/2006/math" xmlns="" val="1"/>
+              <ma14:wrappingTextBoxFlag xmlns="" xmlns:m="http://schemas.openxmlformats.org/officeDocument/2006/math" xmlns:a14="http://schemas.microsoft.com/office/drawing/2010/main" xmlns:ma14="http://schemas.microsoft.com/office/mac/drawingml/2011/main" val="1"/>
             </a:ext>
           </a:extLst>
         </p:spPr>
@@ -30391,7 +30355,7 @@
           </a:ln>
           <a:extLst>
             <a:ext uri="{C572A759-6A51-4108-AA02-DFA0A04FC94B}">
-              <ma14:wrappingTextBoxFlag xmlns:ma14="http://schemas.microsoft.com/office/mac/drawingml/2011/main" xmlns:a14="http://schemas.microsoft.com/office/drawing/2010/main" xmlns:m="http://schemas.openxmlformats.org/officeDocument/2006/math" xmlns="" val="1"/>
+              <ma14:wrappingTextBoxFlag xmlns="" xmlns:m="http://schemas.openxmlformats.org/officeDocument/2006/math" xmlns:a14="http://schemas.microsoft.com/office/drawing/2010/main" xmlns:ma14="http://schemas.microsoft.com/office/mac/drawingml/2011/main" val="1"/>
             </a:ext>
           </a:extLst>
         </p:spPr>
@@ -30436,7 +30400,7 @@
           </a:ln>
           <a:extLst>
             <a:ext uri="{C572A759-6A51-4108-AA02-DFA0A04FC94B}">
-              <ma14:wrappingTextBoxFlag xmlns:ma14="http://schemas.microsoft.com/office/mac/drawingml/2011/main" xmlns:a14="http://schemas.microsoft.com/office/drawing/2010/main" xmlns:m="http://schemas.openxmlformats.org/officeDocument/2006/math" xmlns="" val="1"/>
+              <ma14:wrappingTextBoxFlag xmlns="" xmlns:m="http://schemas.openxmlformats.org/officeDocument/2006/math" xmlns:a14="http://schemas.microsoft.com/office/drawing/2010/main" xmlns:ma14="http://schemas.microsoft.com/office/mac/drawingml/2011/main" val="1"/>
             </a:ext>
           </a:extLst>
         </p:spPr>
@@ -30490,11 +30454,11 @@
   <p:clrMapOvr>
     <a:masterClrMapping/>
   </p:clrMapOvr>
-  <mc:AlternateContent xmlns:mc="http://schemas.openxmlformats.org/markup-compatibility/2006">
-    <mc:Choice xmlns:p14="http://schemas.microsoft.com/office/powerpoint/2010/main" Requires="p14">
+  <mc:AlternateContent xmlns:mc="http://schemas.openxmlformats.org/markup-compatibility/2006" xmlns:p14="http://schemas.microsoft.com/office/powerpoint/2010/main">
+    <mc:Choice Requires="p14">
       <p:transition spd="slow" p14:dur="2000"/>
     </mc:Choice>
-    <mc:Fallback>
+    <mc:Fallback xmlns="">
       <p:transition spd="slow"/>
     </mc:Fallback>
   </mc:AlternateContent>
@@ -30756,11 +30720,11 @@
   <p:clrMapOvr>
     <a:masterClrMapping/>
   </p:clrMapOvr>
-  <mc:AlternateContent xmlns:mc="http://schemas.openxmlformats.org/markup-compatibility/2006">
-    <mc:Choice xmlns:p14="http://schemas.microsoft.com/office/powerpoint/2010/main" Requires="p14">
+  <mc:AlternateContent xmlns:mc="http://schemas.openxmlformats.org/markup-compatibility/2006" xmlns:p14="http://schemas.microsoft.com/office/powerpoint/2010/main">
+    <mc:Choice Requires="p14">
       <p:transition spd="slow" p14:dur="2000"/>
     </mc:Choice>
-    <mc:Fallback>
+    <mc:Fallback xmlns="">
       <p:transition spd="slow"/>
     </mc:Fallback>
   </mc:AlternateContent>
@@ -31022,11 +30986,11 @@
   <p:clrMapOvr>
     <a:masterClrMapping/>
   </p:clrMapOvr>
-  <mc:AlternateContent xmlns:mc="http://schemas.openxmlformats.org/markup-compatibility/2006">
-    <mc:Choice xmlns:p14="http://schemas.microsoft.com/office/powerpoint/2010/main" Requires="p14">
+  <mc:AlternateContent xmlns:mc="http://schemas.openxmlformats.org/markup-compatibility/2006" xmlns:p14="http://schemas.microsoft.com/office/powerpoint/2010/main">
+    <mc:Choice Requires="p14">
       <p:transition spd="slow" p14:dur="2000"/>
     </mc:Choice>
-    <mc:Fallback>
+    <mc:Fallback xmlns="">
       <p:transition spd="slow"/>
     </mc:Fallback>
   </mc:AlternateContent>
@@ -31295,11 +31259,11 @@
   <p:clrMapOvr>
     <a:masterClrMapping/>
   </p:clrMapOvr>
-  <mc:AlternateContent xmlns:mc="http://schemas.openxmlformats.org/markup-compatibility/2006">
-    <mc:Choice xmlns:p14="http://schemas.microsoft.com/office/powerpoint/2010/main" Requires="p14">
+  <mc:AlternateContent xmlns:mc="http://schemas.openxmlformats.org/markup-compatibility/2006" xmlns:p14="http://schemas.microsoft.com/office/powerpoint/2010/main">
+    <mc:Choice Requires="p14">
       <p:transition spd="slow" p14:dur="2000"/>
     </mc:Choice>
-    <mc:Fallback>
+    <mc:Fallback xmlns="">
       <p:transition spd="slow"/>
     </mc:Fallback>
   </mc:AlternateContent>
@@ -32392,7 +32356,7 @@
           </a:ln>
           <a:extLst>
             <a:ext uri="{C572A759-6A51-4108-AA02-DFA0A04FC94B}">
-              <ma14:wrappingTextBoxFlag xmlns:ma14="http://schemas.microsoft.com/office/mac/drawingml/2011/main" xmlns:a14="http://schemas.microsoft.com/office/drawing/2010/main" xmlns:m="http://schemas.openxmlformats.org/officeDocument/2006/math" xmlns="" val="1"/>
+              <ma14:wrappingTextBoxFlag xmlns="" xmlns:m="http://schemas.openxmlformats.org/officeDocument/2006/math" xmlns:a14="http://schemas.microsoft.com/office/drawing/2010/main" xmlns:ma14="http://schemas.microsoft.com/office/mac/drawingml/2011/main" val="1"/>
             </a:ext>
           </a:extLst>
         </p:spPr>
@@ -32487,7 +32451,7 @@
             <a:effectLst/>
             <a:extLst>
               <a:ext uri="{C572A759-6A51-4108-AA02-DFA0A04FC94B}">
-                <ma14:wrappingTextBoxFlag xmlns:ma14="http://schemas.microsoft.com/office/mac/drawingml/2011/main" xmlns:a14="http://schemas.microsoft.com/office/drawing/2010/main" xmlns:m="http://schemas.openxmlformats.org/officeDocument/2006/math" xmlns="" val="1"/>
+                <ma14:wrappingTextBoxFlag xmlns="" xmlns:m="http://schemas.openxmlformats.org/officeDocument/2006/math" xmlns:a14="http://schemas.microsoft.com/office/drawing/2010/main" xmlns:ma14="http://schemas.microsoft.com/office/mac/drawingml/2011/main" val="1"/>
               </a:ext>
             </a:extLst>
           </p:spPr>
@@ -32583,7 +32547,7 @@
             <a:effectLst/>
             <a:extLst>
               <a:ext uri="{C572A759-6A51-4108-AA02-DFA0A04FC94B}">
-                <ma14:wrappingTextBoxFlag xmlns:ma14="http://schemas.microsoft.com/office/mac/drawingml/2011/main" xmlns:a14="http://schemas.microsoft.com/office/drawing/2010/main" xmlns:m="http://schemas.openxmlformats.org/officeDocument/2006/math" xmlns="" val="1"/>
+                <ma14:wrappingTextBoxFlag xmlns="" xmlns:m="http://schemas.openxmlformats.org/officeDocument/2006/math" xmlns:a14="http://schemas.microsoft.com/office/drawing/2010/main" xmlns:ma14="http://schemas.microsoft.com/office/mac/drawingml/2011/main" val="1"/>
               </a:ext>
             </a:extLst>
           </p:spPr>
@@ -32679,7 +32643,7 @@
             <a:effectLst/>
             <a:extLst>
               <a:ext uri="{C572A759-6A51-4108-AA02-DFA0A04FC94B}">
-                <ma14:wrappingTextBoxFlag xmlns:ma14="http://schemas.microsoft.com/office/mac/drawingml/2011/main" xmlns:a14="http://schemas.microsoft.com/office/drawing/2010/main" xmlns:m="http://schemas.openxmlformats.org/officeDocument/2006/math" xmlns="" val="1"/>
+                <ma14:wrappingTextBoxFlag xmlns="" xmlns:m="http://schemas.openxmlformats.org/officeDocument/2006/math" xmlns:a14="http://schemas.microsoft.com/office/drawing/2010/main" xmlns:ma14="http://schemas.microsoft.com/office/mac/drawingml/2011/main" val="1"/>
               </a:ext>
             </a:extLst>
           </p:spPr>
@@ -32775,7 +32739,7 @@
             <a:effectLst/>
             <a:extLst>
               <a:ext uri="{C572A759-6A51-4108-AA02-DFA0A04FC94B}">
-                <ma14:wrappingTextBoxFlag xmlns:ma14="http://schemas.microsoft.com/office/mac/drawingml/2011/main" xmlns:a14="http://schemas.microsoft.com/office/drawing/2010/main" xmlns:m="http://schemas.openxmlformats.org/officeDocument/2006/math" xmlns="" val="1"/>
+                <ma14:wrappingTextBoxFlag xmlns="" xmlns:m="http://schemas.openxmlformats.org/officeDocument/2006/math" xmlns:a14="http://schemas.microsoft.com/office/drawing/2010/main" xmlns:ma14="http://schemas.microsoft.com/office/mac/drawingml/2011/main" val="1"/>
               </a:ext>
             </a:extLst>
           </p:spPr>
@@ -32871,7 +32835,7 @@
             <a:effectLst/>
             <a:extLst>
               <a:ext uri="{C572A759-6A51-4108-AA02-DFA0A04FC94B}">
-                <ma14:wrappingTextBoxFlag xmlns:ma14="http://schemas.microsoft.com/office/mac/drawingml/2011/main" xmlns:a14="http://schemas.microsoft.com/office/drawing/2010/main" xmlns:m="http://schemas.openxmlformats.org/officeDocument/2006/math" xmlns="" val="1"/>
+                <ma14:wrappingTextBoxFlag xmlns="" xmlns:m="http://schemas.openxmlformats.org/officeDocument/2006/math" xmlns:a14="http://schemas.microsoft.com/office/drawing/2010/main" xmlns:ma14="http://schemas.microsoft.com/office/mac/drawingml/2011/main" val="1"/>
               </a:ext>
             </a:extLst>
           </p:spPr>
@@ -32967,7 +32931,7 @@
             <a:effectLst/>
             <a:extLst>
               <a:ext uri="{C572A759-6A51-4108-AA02-DFA0A04FC94B}">
-                <ma14:wrappingTextBoxFlag xmlns:ma14="http://schemas.microsoft.com/office/mac/drawingml/2011/main" xmlns:a14="http://schemas.microsoft.com/office/drawing/2010/main" xmlns:m="http://schemas.openxmlformats.org/officeDocument/2006/math" xmlns="" val="1"/>
+                <ma14:wrappingTextBoxFlag xmlns="" xmlns:m="http://schemas.openxmlformats.org/officeDocument/2006/math" xmlns:a14="http://schemas.microsoft.com/office/drawing/2010/main" xmlns:ma14="http://schemas.microsoft.com/office/mac/drawingml/2011/main" val="1"/>
               </a:ext>
             </a:extLst>
           </p:spPr>
@@ -33258,7 +33222,7 @@
             <a:effectLst/>
             <a:extLst>
               <a:ext uri="{C572A759-6A51-4108-AA02-DFA0A04FC94B}">
-                <ma14:wrappingTextBoxFlag xmlns:ma14="http://schemas.microsoft.com/office/mac/drawingml/2011/main" xmlns:a14="http://schemas.microsoft.com/office/drawing/2010/main" xmlns:m="http://schemas.openxmlformats.org/officeDocument/2006/math" xmlns="" val="1"/>
+                <ma14:wrappingTextBoxFlag xmlns="" xmlns:m="http://schemas.openxmlformats.org/officeDocument/2006/math" xmlns:a14="http://schemas.microsoft.com/office/drawing/2010/main" xmlns:ma14="http://schemas.microsoft.com/office/mac/drawingml/2011/main" val="1"/>
               </a:ext>
             </a:extLst>
           </p:spPr>
@@ -33354,7 +33318,7 @@
             <a:effectLst/>
             <a:extLst>
               <a:ext uri="{C572A759-6A51-4108-AA02-DFA0A04FC94B}">
-                <ma14:wrappingTextBoxFlag xmlns:ma14="http://schemas.microsoft.com/office/mac/drawingml/2011/main" xmlns:a14="http://schemas.microsoft.com/office/drawing/2010/main" xmlns:m="http://schemas.openxmlformats.org/officeDocument/2006/math" xmlns="" val="1"/>
+                <ma14:wrappingTextBoxFlag xmlns="" xmlns:m="http://schemas.openxmlformats.org/officeDocument/2006/math" xmlns:a14="http://schemas.microsoft.com/office/drawing/2010/main" xmlns:ma14="http://schemas.microsoft.com/office/mac/drawingml/2011/main" val="1"/>
               </a:ext>
             </a:extLst>
           </p:spPr>
@@ -33489,7 +33453,7 @@
             <a:effectLst/>
             <a:extLst>
               <a:ext uri="{C572A759-6A51-4108-AA02-DFA0A04FC94B}">
-                <ma14:wrappingTextBoxFlag xmlns:ma14="http://schemas.microsoft.com/office/mac/drawingml/2011/main" xmlns:a14="http://schemas.microsoft.com/office/drawing/2010/main" xmlns:m="http://schemas.openxmlformats.org/officeDocument/2006/math" xmlns="" val="1"/>
+                <ma14:wrappingTextBoxFlag xmlns="" xmlns:m="http://schemas.openxmlformats.org/officeDocument/2006/math" xmlns:a14="http://schemas.microsoft.com/office/drawing/2010/main" xmlns:ma14="http://schemas.microsoft.com/office/mac/drawingml/2011/main" val="1"/>
               </a:ext>
             </a:extLst>
           </p:spPr>
@@ -33585,7 +33549,7 @@
             <a:effectLst/>
             <a:extLst>
               <a:ext uri="{C572A759-6A51-4108-AA02-DFA0A04FC94B}">
-                <ma14:wrappingTextBoxFlag xmlns:ma14="http://schemas.microsoft.com/office/mac/drawingml/2011/main" xmlns:a14="http://schemas.microsoft.com/office/drawing/2010/main" xmlns:m="http://schemas.openxmlformats.org/officeDocument/2006/math" xmlns="" val="1"/>
+                <ma14:wrappingTextBoxFlag xmlns="" xmlns:m="http://schemas.openxmlformats.org/officeDocument/2006/math" xmlns:a14="http://schemas.microsoft.com/office/drawing/2010/main" xmlns:ma14="http://schemas.microsoft.com/office/mac/drawingml/2011/main" val="1"/>
               </a:ext>
             </a:extLst>
           </p:spPr>
@@ -33681,7 +33645,7 @@
             <a:effectLst/>
             <a:extLst>
               <a:ext uri="{C572A759-6A51-4108-AA02-DFA0A04FC94B}">
-                <ma14:wrappingTextBoxFlag xmlns:ma14="http://schemas.microsoft.com/office/mac/drawingml/2011/main" xmlns:a14="http://schemas.microsoft.com/office/drawing/2010/main" xmlns:m="http://schemas.openxmlformats.org/officeDocument/2006/math" xmlns="" val="1"/>
+                <ma14:wrappingTextBoxFlag xmlns="" xmlns:m="http://schemas.openxmlformats.org/officeDocument/2006/math" xmlns:a14="http://schemas.microsoft.com/office/drawing/2010/main" xmlns:ma14="http://schemas.microsoft.com/office/mac/drawingml/2011/main" val="1"/>
               </a:ext>
             </a:extLst>
           </p:spPr>
@@ -33777,7 +33741,7 @@
             <a:effectLst/>
             <a:extLst>
               <a:ext uri="{C572A759-6A51-4108-AA02-DFA0A04FC94B}">
-                <ma14:wrappingTextBoxFlag xmlns:ma14="http://schemas.microsoft.com/office/mac/drawingml/2011/main" xmlns:a14="http://schemas.microsoft.com/office/drawing/2010/main" xmlns:m="http://schemas.openxmlformats.org/officeDocument/2006/math" xmlns="" val="1"/>
+                <ma14:wrappingTextBoxFlag xmlns="" xmlns:m="http://schemas.openxmlformats.org/officeDocument/2006/math" xmlns:a14="http://schemas.microsoft.com/office/drawing/2010/main" xmlns:ma14="http://schemas.microsoft.com/office/mac/drawingml/2011/main" val="1"/>
               </a:ext>
             </a:extLst>
           </p:spPr>
@@ -33912,7 +33876,7 @@
             <a:effectLst/>
             <a:extLst>
               <a:ext uri="{C572A759-6A51-4108-AA02-DFA0A04FC94B}">
-                <ma14:wrappingTextBoxFlag xmlns:ma14="http://schemas.microsoft.com/office/mac/drawingml/2011/main" xmlns:a14="http://schemas.microsoft.com/office/drawing/2010/main" xmlns:m="http://schemas.openxmlformats.org/officeDocument/2006/math" xmlns="" val="1"/>
+                <ma14:wrappingTextBoxFlag xmlns="" xmlns:m="http://schemas.openxmlformats.org/officeDocument/2006/math" xmlns:a14="http://schemas.microsoft.com/office/drawing/2010/main" xmlns:ma14="http://schemas.microsoft.com/office/mac/drawingml/2011/main" val="1"/>
               </a:ext>
             </a:extLst>
           </p:spPr>
@@ -34047,7 +34011,7 @@
             <a:effectLst/>
             <a:extLst>
               <a:ext uri="{C572A759-6A51-4108-AA02-DFA0A04FC94B}">
-                <ma14:wrappingTextBoxFlag xmlns:ma14="http://schemas.microsoft.com/office/mac/drawingml/2011/main" xmlns:a14="http://schemas.microsoft.com/office/drawing/2010/main" xmlns:m="http://schemas.openxmlformats.org/officeDocument/2006/math" xmlns="" val="1"/>
+                <ma14:wrappingTextBoxFlag xmlns="" xmlns:m="http://schemas.openxmlformats.org/officeDocument/2006/math" xmlns:a14="http://schemas.microsoft.com/office/drawing/2010/main" xmlns:ma14="http://schemas.microsoft.com/office/mac/drawingml/2011/main" val="1"/>
               </a:ext>
             </a:extLst>
           </p:spPr>
@@ -34221,7 +34185,7 @@
             <a:effectLst/>
             <a:extLst>
               <a:ext uri="{C572A759-6A51-4108-AA02-DFA0A04FC94B}">
-                <ma14:wrappingTextBoxFlag xmlns:ma14="http://schemas.microsoft.com/office/mac/drawingml/2011/main" xmlns:a14="http://schemas.microsoft.com/office/drawing/2010/main" xmlns:m="http://schemas.openxmlformats.org/officeDocument/2006/math" xmlns="" val="1"/>
+                <ma14:wrappingTextBoxFlag xmlns="" xmlns:m="http://schemas.openxmlformats.org/officeDocument/2006/math" xmlns:a14="http://schemas.microsoft.com/office/drawing/2010/main" xmlns:ma14="http://schemas.microsoft.com/office/mac/drawingml/2011/main" val="1"/>
               </a:ext>
             </a:extLst>
           </p:spPr>
@@ -34356,7 +34320,7 @@
             <a:effectLst/>
             <a:extLst>
               <a:ext uri="{C572A759-6A51-4108-AA02-DFA0A04FC94B}">
-                <ma14:wrappingTextBoxFlag xmlns:ma14="http://schemas.microsoft.com/office/mac/drawingml/2011/main" xmlns:a14="http://schemas.microsoft.com/office/drawing/2010/main" xmlns:m="http://schemas.openxmlformats.org/officeDocument/2006/math" xmlns="" val="1"/>
+                <ma14:wrappingTextBoxFlag xmlns="" xmlns:m="http://schemas.openxmlformats.org/officeDocument/2006/math" xmlns:a14="http://schemas.microsoft.com/office/drawing/2010/main" xmlns:ma14="http://schemas.microsoft.com/office/mac/drawingml/2011/main" val="1"/>
               </a:ext>
             </a:extLst>
           </p:spPr>
@@ -34452,7 +34416,7 @@
             <a:effectLst/>
             <a:extLst>
               <a:ext uri="{C572A759-6A51-4108-AA02-DFA0A04FC94B}">
-                <ma14:wrappingTextBoxFlag xmlns:ma14="http://schemas.microsoft.com/office/mac/drawingml/2011/main" xmlns:a14="http://schemas.microsoft.com/office/drawing/2010/main" xmlns:m="http://schemas.openxmlformats.org/officeDocument/2006/math" xmlns="" val="1"/>
+                <ma14:wrappingTextBoxFlag xmlns="" xmlns:m="http://schemas.openxmlformats.org/officeDocument/2006/math" xmlns:a14="http://schemas.microsoft.com/office/drawing/2010/main" xmlns:ma14="http://schemas.microsoft.com/office/mac/drawingml/2011/main" val="1"/>
               </a:ext>
             </a:extLst>
           </p:spPr>
@@ -34494,7 +34458,7 @@
           </a:ln>
           <a:extLst>
             <a:ext uri="{C572A759-6A51-4108-AA02-DFA0A04FC94B}">
-              <ma14:wrappingTextBoxFlag xmlns:ma14="http://schemas.microsoft.com/office/mac/drawingml/2011/main" xmlns:a14="http://schemas.microsoft.com/office/drawing/2010/main" xmlns:m="http://schemas.openxmlformats.org/officeDocument/2006/math" xmlns="" val="1"/>
+              <ma14:wrappingTextBoxFlag xmlns="" xmlns:m="http://schemas.openxmlformats.org/officeDocument/2006/math" xmlns:a14="http://schemas.microsoft.com/office/drawing/2010/main" xmlns:ma14="http://schemas.microsoft.com/office/mac/drawingml/2011/main" val="1"/>
             </a:ext>
           </a:extLst>
         </p:spPr>
@@ -34589,7 +34553,7 @@
             <a:effectLst/>
             <a:extLst>
               <a:ext uri="{C572A759-6A51-4108-AA02-DFA0A04FC94B}">
-                <ma14:wrappingTextBoxFlag xmlns:ma14="http://schemas.microsoft.com/office/mac/drawingml/2011/main" xmlns:a14="http://schemas.microsoft.com/office/drawing/2010/main" xmlns:m="http://schemas.openxmlformats.org/officeDocument/2006/math" xmlns="" val="1"/>
+                <ma14:wrappingTextBoxFlag xmlns="" xmlns:m="http://schemas.openxmlformats.org/officeDocument/2006/math" xmlns:a14="http://schemas.microsoft.com/office/drawing/2010/main" xmlns:ma14="http://schemas.microsoft.com/office/mac/drawingml/2011/main" val="1"/>
               </a:ext>
             </a:extLst>
           </p:spPr>
@@ -34724,7 +34688,7 @@
             <a:effectLst/>
             <a:extLst>
               <a:ext uri="{C572A759-6A51-4108-AA02-DFA0A04FC94B}">
-                <ma14:wrappingTextBoxFlag xmlns:ma14="http://schemas.microsoft.com/office/mac/drawingml/2011/main" xmlns:a14="http://schemas.microsoft.com/office/drawing/2010/main" xmlns:m="http://schemas.openxmlformats.org/officeDocument/2006/math" xmlns="" val="1"/>
+                <ma14:wrappingTextBoxFlag xmlns="" xmlns:m="http://schemas.openxmlformats.org/officeDocument/2006/math" xmlns:a14="http://schemas.microsoft.com/office/drawing/2010/main" xmlns:ma14="http://schemas.microsoft.com/office/mac/drawingml/2011/main" val="1"/>
               </a:ext>
             </a:extLst>
           </p:spPr>
@@ -34820,7 +34784,7 @@
             <a:effectLst/>
             <a:extLst>
               <a:ext uri="{C572A759-6A51-4108-AA02-DFA0A04FC94B}">
-                <ma14:wrappingTextBoxFlag xmlns:ma14="http://schemas.microsoft.com/office/mac/drawingml/2011/main" xmlns:a14="http://schemas.microsoft.com/office/drawing/2010/main" xmlns:m="http://schemas.openxmlformats.org/officeDocument/2006/math" xmlns="" val="1"/>
+                <ma14:wrappingTextBoxFlag xmlns="" xmlns:m="http://schemas.openxmlformats.org/officeDocument/2006/math" xmlns:a14="http://schemas.microsoft.com/office/drawing/2010/main" xmlns:ma14="http://schemas.microsoft.com/office/mac/drawingml/2011/main" val="1"/>
               </a:ext>
             </a:extLst>
           </p:spPr>
@@ -34955,7 +34919,7 @@
             <a:effectLst/>
             <a:extLst>
               <a:ext uri="{C572A759-6A51-4108-AA02-DFA0A04FC94B}">
-                <ma14:wrappingTextBoxFlag xmlns:ma14="http://schemas.microsoft.com/office/mac/drawingml/2011/main" xmlns:a14="http://schemas.microsoft.com/office/drawing/2010/main" xmlns:m="http://schemas.openxmlformats.org/officeDocument/2006/math" xmlns="" val="1"/>
+                <ma14:wrappingTextBoxFlag xmlns="" xmlns:m="http://schemas.openxmlformats.org/officeDocument/2006/math" xmlns:a14="http://schemas.microsoft.com/office/drawing/2010/main" xmlns:ma14="http://schemas.microsoft.com/office/mac/drawingml/2011/main" val="1"/>
               </a:ext>
             </a:extLst>
           </p:spPr>
@@ -35051,7 +35015,7 @@
             <a:effectLst/>
             <a:extLst>
               <a:ext uri="{C572A759-6A51-4108-AA02-DFA0A04FC94B}">
-                <ma14:wrappingTextBoxFlag xmlns:ma14="http://schemas.microsoft.com/office/mac/drawingml/2011/main" xmlns:a14="http://schemas.microsoft.com/office/drawing/2010/main" xmlns:m="http://schemas.openxmlformats.org/officeDocument/2006/math" xmlns="" val="1"/>
+                <ma14:wrappingTextBoxFlag xmlns="" xmlns:m="http://schemas.openxmlformats.org/officeDocument/2006/math" xmlns:a14="http://schemas.microsoft.com/office/drawing/2010/main" xmlns:ma14="http://schemas.microsoft.com/office/mac/drawingml/2011/main" val="1"/>
               </a:ext>
             </a:extLst>
           </p:spPr>
@@ -35121,11 +35085,11 @@
   <p:clrMapOvr>
     <a:masterClrMapping/>
   </p:clrMapOvr>
-  <mc:AlternateContent xmlns:mc="http://schemas.openxmlformats.org/markup-compatibility/2006">
-    <mc:Choice xmlns:p14="http://schemas.microsoft.com/office/powerpoint/2010/main" Requires="p14">
+  <mc:AlternateContent xmlns:mc="http://schemas.openxmlformats.org/markup-compatibility/2006" xmlns:p14="http://schemas.microsoft.com/office/powerpoint/2010/main">
+    <mc:Choice Requires="p14">
       <p:transition spd="slow" p14:dur="2000"/>
     </mc:Choice>
-    <mc:Fallback>
+    <mc:Fallback xmlns="">
       <p:transition spd="slow"/>
     </mc:Fallback>
   </mc:AlternateContent>
@@ -35612,11 +35576,11 @@
   <p:clrMapOvr>
     <a:masterClrMapping/>
   </p:clrMapOvr>
-  <mc:AlternateContent xmlns:mc="http://schemas.openxmlformats.org/markup-compatibility/2006">
-    <mc:Choice xmlns:p14="http://schemas.microsoft.com/office/powerpoint/2010/main" Requires="p14">
+  <mc:AlternateContent xmlns:mc="http://schemas.openxmlformats.org/markup-compatibility/2006" xmlns:p14="http://schemas.microsoft.com/office/powerpoint/2010/main">
+    <mc:Choice Requires="p14">
       <p:transition spd="slow" p14:dur="2000"/>
     </mc:Choice>
-    <mc:Fallback>
+    <mc:Fallback xmlns="">
       <p:transition spd="slow"/>
     </mc:Fallback>
   </mc:AlternateContent>
@@ -36673,7 +36637,7 @@
           </a:ln>
           <a:extLst>
             <a:ext uri="{C572A759-6A51-4108-AA02-DFA0A04FC94B}">
-              <ma14:wrappingTextBoxFlag xmlns:ma14="http://schemas.microsoft.com/office/mac/drawingml/2011/main" xmlns:a14="http://schemas.microsoft.com/office/drawing/2010/main" xmlns:m="http://schemas.openxmlformats.org/officeDocument/2006/math" xmlns="" val="1"/>
+              <ma14:wrappingTextBoxFlag xmlns="" xmlns:m="http://schemas.openxmlformats.org/officeDocument/2006/math" xmlns:a14="http://schemas.microsoft.com/office/drawing/2010/main" xmlns:ma14="http://schemas.microsoft.com/office/mac/drawingml/2011/main" val="1"/>
             </a:ext>
           </a:extLst>
         </p:spPr>
@@ -36764,7 +36728,7 @@
             <a:effectLst/>
             <a:extLst>
               <a:ext uri="{C572A759-6A51-4108-AA02-DFA0A04FC94B}">
-                <ma14:wrappingTextBoxFlag xmlns:ma14="http://schemas.microsoft.com/office/mac/drawingml/2011/main" xmlns:a14="http://schemas.microsoft.com/office/drawing/2010/main" xmlns:m="http://schemas.openxmlformats.org/officeDocument/2006/math" xmlns="" val="1"/>
+                <ma14:wrappingTextBoxFlag xmlns="" xmlns:m="http://schemas.openxmlformats.org/officeDocument/2006/math" xmlns:a14="http://schemas.microsoft.com/office/drawing/2010/main" xmlns:ma14="http://schemas.microsoft.com/office/mac/drawingml/2011/main" val="1"/>
               </a:ext>
             </a:extLst>
           </p:spPr>
@@ -36860,7 +36824,7 @@
             <a:effectLst/>
             <a:extLst>
               <a:ext uri="{C572A759-6A51-4108-AA02-DFA0A04FC94B}">
-                <ma14:wrappingTextBoxFlag xmlns:ma14="http://schemas.microsoft.com/office/mac/drawingml/2011/main" xmlns:a14="http://schemas.microsoft.com/office/drawing/2010/main" xmlns:m="http://schemas.openxmlformats.org/officeDocument/2006/math" xmlns="" val="1"/>
+                <ma14:wrappingTextBoxFlag xmlns="" xmlns:m="http://schemas.openxmlformats.org/officeDocument/2006/math" xmlns:a14="http://schemas.microsoft.com/office/drawing/2010/main" xmlns:ma14="http://schemas.microsoft.com/office/mac/drawingml/2011/main" val="1"/>
               </a:ext>
             </a:extLst>
           </p:spPr>
@@ -37026,7 +36990,7 @@
             <a:effectLst/>
             <a:extLst>
               <a:ext uri="{C572A759-6A51-4108-AA02-DFA0A04FC94B}">
-                <ma14:wrappingTextBoxFlag xmlns:ma14="http://schemas.microsoft.com/office/mac/drawingml/2011/main" xmlns:a14="http://schemas.microsoft.com/office/drawing/2010/main" xmlns:m="http://schemas.openxmlformats.org/officeDocument/2006/math" xmlns="" val="1"/>
+                <ma14:wrappingTextBoxFlag xmlns="" xmlns:m="http://schemas.openxmlformats.org/officeDocument/2006/math" xmlns:a14="http://schemas.microsoft.com/office/drawing/2010/main" xmlns:ma14="http://schemas.microsoft.com/office/mac/drawingml/2011/main" val="1"/>
               </a:ext>
             </a:extLst>
           </p:spPr>
@@ -37122,7 +37086,7 @@
             <a:effectLst/>
             <a:extLst>
               <a:ext uri="{C572A759-6A51-4108-AA02-DFA0A04FC94B}">
-                <ma14:wrappingTextBoxFlag xmlns:ma14="http://schemas.microsoft.com/office/mac/drawingml/2011/main" xmlns:a14="http://schemas.microsoft.com/office/drawing/2010/main" xmlns:m="http://schemas.openxmlformats.org/officeDocument/2006/math" xmlns="" val="1"/>
+                <ma14:wrappingTextBoxFlag xmlns="" xmlns:m="http://schemas.openxmlformats.org/officeDocument/2006/math" xmlns:a14="http://schemas.microsoft.com/office/drawing/2010/main" xmlns:ma14="http://schemas.microsoft.com/office/mac/drawingml/2011/main" val="1"/>
               </a:ext>
             </a:extLst>
           </p:spPr>
@@ -37281,7 +37245,7 @@
             <a:effectLst/>
             <a:extLst>
               <a:ext uri="{C572A759-6A51-4108-AA02-DFA0A04FC94B}">
-                <ma14:wrappingTextBoxFlag xmlns:ma14="http://schemas.microsoft.com/office/mac/drawingml/2011/main" xmlns:a14="http://schemas.microsoft.com/office/drawing/2010/main" xmlns:m="http://schemas.openxmlformats.org/officeDocument/2006/math" xmlns="" val="1"/>
+                <ma14:wrappingTextBoxFlag xmlns="" xmlns:m="http://schemas.openxmlformats.org/officeDocument/2006/math" xmlns:a14="http://schemas.microsoft.com/office/drawing/2010/main" xmlns:ma14="http://schemas.microsoft.com/office/mac/drawingml/2011/main" val="1"/>
               </a:ext>
             </a:extLst>
           </p:spPr>
@@ -37377,7 +37341,7 @@
             <a:effectLst/>
             <a:extLst>
               <a:ext uri="{C572A759-6A51-4108-AA02-DFA0A04FC94B}">
-                <ma14:wrappingTextBoxFlag xmlns:ma14="http://schemas.microsoft.com/office/mac/drawingml/2011/main" xmlns:a14="http://schemas.microsoft.com/office/drawing/2010/main" xmlns:m="http://schemas.openxmlformats.org/officeDocument/2006/math" xmlns="" val="1"/>
+                <ma14:wrappingTextBoxFlag xmlns="" xmlns:m="http://schemas.openxmlformats.org/officeDocument/2006/math" xmlns:a14="http://schemas.microsoft.com/office/drawing/2010/main" xmlns:ma14="http://schemas.microsoft.com/office/mac/drawingml/2011/main" val="1"/>
               </a:ext>
             </a:extLst>
           </p:spPr>
@@ -37564,7 +37528,7 @@
             <a:effectLst/>
             <a:extLst>
               <a:ext uri="{C572A759-6A51-4108-AA02-DFA0A04FC94B}">
-                <ma14:wrappingTextBoxFlag xmlns:ma14="http://schemas.microsoft.com/office/mac/drawingml/2011/main" xmlns:a14="http://schemas.microsoft.com/office/drawing/2010/main" xmlns:m="http://schemas.openxmlformats.org/officeDocument/2006/math" xmlns="" val="1"/>
+                <ma14:wrappingTextBoxFlag xmlns="" xmlns:m="http://schemas.openxmlformats.org/officeDocument/2006/math" xmlns:a14="http://schemas.microsoft.com/office/drawing/2010/main" xmlns:ma14="http://schemas.microsoft.com/office/mac/drawingml/2011/main" val="1"/>
               </a:ext>
             </a:extLst>
           </p:spPr>
@@ -37697,7 +37661,7 @@
             <a:effectLst/>
             <a:extLst>
               <a:ext uri="{C572A759-6A51-4108-AA02-DFA0A04FC94B}">
-                <ma14:wrappingTextBoxFlag xmlns:ma14="http://schemas.microsoft.com/office/mac/drawingml/2011/main" xmlns:a14="http://schemas.microsoft.com/office/drawing/2010/main" xmlns:m="http://schemas.openxmlformats.org/officeDocument/2006/math" xmlns="" val="1"/>
+                <ma14:wrappingTextBoxFlag xmlns="" xmlns:m="http://schemas.openxmlformats.org/officeDocument/2006/math" xmlns:a14="http://schemas.microsoft.com/office/drawing/2010/main" xmlns:ma14="http://schemas.microsoft.com/office/mac/drawingml/2011/main" val="1"/>
               </a:ext>
             </a:extLst>
           </p:spPr>
@@ -37732,11 +37696,11 @@
   <p:clrMapOvr>
     <a:masterClrMapping/>
   </p:clrMapOvr>
-  <mc:AlternateContent xmlns:mc="http://schemas.openxmlformats.org/markup-compatibility/2006">
-    <mc:Choice xmlns:p14="http://schemas.microsoft.com/office/powerpoint/2010/main" Requires="p14">
+  <mc:AlternateContent xmlns:mc="http://schemas.openxmlformats.org/markup-compatibility/2006" xmlns:p14="http://schemas.microsoft.com/office/powerpoint/2010/main">
+    <mc:Choice Requires="p14">
       <p:transition spd="slow" p14:dur="2000"/>
     </mc:Choice>
-    <mc:Fallback>
+    <mc:Fallback xmlns="">
       <p:transition spd="slow"/>
     </mc:Fallback>
   </mc:AlternateContent>
@@ -38123,11 +38087,11 @@
   <p:clrMapOvr>
     <a:masterClrMapping/>
   </p:clrMapOvr>
-  <mc:AlternateContent xmlns:mc="http://schemas.openxmlformats.org/markup-compatibility/2006">
-    <mc:Choice xmlns:p14="http://schemas.microsoft.com/office/powerpoint/2010/main" Requires="p14">
+  <mc:AlternateContent xmlns:mc="http://schemas.openxmlformats.org/markup-compatibility/2006" xmlns:p14="http://schemas.microsoft.com/office/powerpoint/2010/main">
+    <mc:Choice Requires="p14">
       <p:transition spd="slow" p14:dur="2000"/>
     </mc:Choice>
-    <mc:Fallback>
+    <mc:Fallback xmlns="">
       <p:transition spd="slow"/>
     </mc:Fallback>
   </mc:AlternateContent>
@@ -39179,7 +39143,7 @@
           </a:ln>
           <a:extLst>
             <a:ext uri="{C572A759-6A51-4108-AA02-DFA0A04FC94B}">
-              <ma14:wrappingTextBoxFlag xmlns:ma14="http://schemas.microsoft.com/office/mac/drawingml/2011/main" xmlns:a14="http://schemas.microsoft.com/office/drawing/2010/main" xmlns:m="http://schemas.openxmlformats.org/officeDocument/2006/math" xmlns="" val="1"/>
+              <ma14:wrappingTextBoxFlag xmlns="" xmlns:m="http://schemas.openxmlformats.org/officeDocument/2006/math" xmlns:a14="http://schemas.microsoft.com/office/drawing/2010/main" xmlns:ma14="http://schemas.microsoft.com/office/mac/drawingml/2011/main" val="1"/>
             </a:ext>
           </a:extLst>
         </p:spPr>
@@ -39270,7 +39234,7 @@
             <a:effectLst/>
             <a:extLst>
               <a:ext uri="{C572A759-6A51-4108-AA02-DFA0A04FC94B}">
-                <ma14:wrappingTextBoxFlag xmlns:ma14="http://schemas.microsoft.com/office/mac/drawingml/2011/main" xmlns:a14="http://schemas.microsoft.com/office/drawing/2010/main" xmlns:m="http://schemas.openxmlformats.org/officeDocument/2006/math" xmlns="" val="1"/>
+                <ma14:wrappingTextBoxFlag xmlns="" xmlns:m="http://schemas.openxmlformats.org/officeDocument/2006/math" xmlns:a14="http://schemas.microsoft.com/office/drawing/2010/main" xmlns:ma14="http://schemas.microsoft.com/office/mac/drawingml/2011/main" val="1"/>
               </a:ext>
             </a:extLst>
           </p:spPr>
@@ -39366,7 +39330,7 @@
             <a:effectLst/>
             <a:extLst>
               <a:ext uri="{C572A759-6A51-4108-AA02-DFA0A04FC94B}">
-                <ma14:wrappingTextBoxFlag xmlns:ma14="http://schemas.microsoft.com/office/mac/drawingml/2011/main" xmlns:a14="http://schemas.microsoft.com/office/drawing/2010/main" xmlns:m="http://schemas.openxmlformats.org/officeDocument/2006/math" xmlns="" val="1"/>
+                <ma14:wrappingTextBoxFlag xmlns="" xmlns:m="http://schemas.openxmlformats.org/officeDocument/2006/math" xmlns:a14="http://schemas.microsoft.com/office/drawing/2010/main" xmlns:ma14="http://schemas.microsoft.com/office/mac/drawingml/2011/main" val="1"/>
               </a:ext>
             </a:extLst>
           </p:spPr>
@@ -39532,7 +39496,7 @@
             <a:effectLst/>
             <a:extLst>
               <a:ext uri="{C572A759-6A51-4108-AA02-DFA0A04FC94B}">
-                <ma14:wrappingTextBoxFlag xmlns:ma14="http://schemas.microsoft.com/office/mac/drawingml/2011/main" xmlns:a14="http://schemas.microsoft.com/office/drawing/2010/main" xmlns:m="http://schemas.openxmlformats.org/officeDocument/2006/math" xmlns="" val="1"/>
+                <ma14:wrappingTextBoxFlag xmlns="" xmlns:m="http://schemas.openxmlformats.org/officeDocument/2006/math" xmlns:a14="http://schemas.microsoft.com/office/drawing/2010/main" xmlns:ma14="http://schemas.microsoft.com/office/mac/drawingml/2011/main" val="1"/>
               </a:ext>
             </a:extLst>
           </p:spPr>
@@ -39628,7 +39592,7 @@
             <a:effectLst/>
             <a:extLst>
               <a:ext uri="{C572A759-6A51-4108-AA02-DFA0A04FC94B}">
-                <ma14:wrappingTextBoxFlag xmlns:ma14="http://schemas.microsoft.com/office/mac/drawingml/2011/main" xmlns:a14="http://schemas.microsoft.com/office/drawing/2010/main" xmlns:m="http://schemas.openxmlformats.org/officeDocument/2006/math" xmlns="" val="1"/>
+                <ma14:wrappingTextBoxFlag xmlns="" xmlns:m="http://schemas.openxmlformats.org/officeDocument/2006/math" xmlns:a14="http://schemas.microsoft.com/office/drawing/2010/main" xmlns:ma14="http://schemas.microsoft.com/office/mac/drawingml/2011/main" val="1"/>
               </a:ext>
             </a:extLst>
           </p:spPr>
@@ -39758,7 +39722,7 @@
             <a:effectLst/>
             <a:extLst>
               <a:ext uri="{C572A759-6A51-4108-AA02-DFA0A04FC94B}">
-                <ma14:wrappingTextBoxFlag xmlns:ma14="http://schemas.microsoft.com/office/mac/drawingml/2011/main" xmlns:a14="http://schemas.microsoft.com/office/drawing/2010/main" xmlns:m="http://schemas.openxmlformats.org/officeDocument/2006/math" xmlns="" val="1"/>
+                <ma14:wrappingTextBoxFlag xmlns="" xmlns:m="http://schemas.openxmlformats.org/officeDocument/2006/math" xmlns:a14="http://schemas.microsoft.com/office/drawing/2010/main" xmlns:ma14="http://schemas.microsoft.com/office/mac/drawingml/2011/main" val="1"/>
               </a:ext>
             </a:extLst>
           </p:spPr>
@@ -39854,7 +39818,7 @@
             <a:effectLst/>
             <a:extLst>
               <a:ext uri="{C572A759-6A51-4108-AA02-DFA0A04FC94B}">
-                <ma14:wrappingTextBoxFlag xmlns:ma14="http://schemas.microsoft.com/office/mac/drawingml/2011/main" xmlns:a14="http://schemas.microsoft.com/office/drawing/2010/main" xmlns:m="http://schemas.openxmlformats.org/officeDocument/2006/math" xmlns="" val="1"/>
+                <ma14:wrappingTextBoxFlag xmlns="" xmlns:m="http://schemas.openxmlformats.org/officeDocument/2006/math" xmlns:a14="http://schemas.microsoft.com/office/drawing/2010/main" xmlns:ma14="http://schemas.microsoft.com/office/mac/drawingml/2011/main" val="1"/>
               </a:ext>
             </a:extLst>
           </p:spPr>
@@ -39914,11 +39878,11 @@
   <p:clrMapOvr>
     <a:masterClrMapping/>
   </p:clrMapOvr>
-  <mc:AlternateContent xmlns:mc="http://schemas.openxmlformats.org/markup-compatibility/2006">
-    <mc:Choice xmlns:p14="http://schemas.microsoft.com/office/powerpoint/2010/main" Requires="p14">
+  <mc:AlternateContent xmlns:mc="http://schemas.openxmlformats.org/markup-compatibility/2006" xmlns:p14="http://schemas.microsoft.com/office/powerpoint/2010/main">
+    <mc:Choice Requires="p14">
       <p:transition spd="slow" p14:dur="2000"/>
     </mc:Choice>
-    <mc:Fallback>
+    <mc:Fallback xmlns="">
       <p:transition spd="slow"/>
     </mc:Fallback>
   </mc:AlternateContent>
@@ -40187,11 +40151,11 @@
   <p:clrMapOvr>
     <a:masterClrMapping/>
   </p:clrMapOvr>
-  <mc:AlternateContent xmlns:mc="http://schemas.openxmlformats.org/markup-compatibility/2006">
-    <mc:Choice xmlns:p14="http://schemas.microsoft.com/office/powerpoint/2010/main" Requires="p14">
+  <mc:AlternateContent xmlns:mc="http://schemas.openxmlformats.org/markup-compatibility/2006" xmlns:p14="http://schemas.microsoft.com/office/powerpoint/2010/main">
+    <mc:Choice Requires="p14">
       <p:transition spd="slow" p14:dur="2000"/>
     </mc:Choice>
-    <mc:Fallback>
+    <mc:Fallback xmlns="">
       <p:transition spd="slow"/>
     </mc:Fallback>
   </mc:AlternateContent>

--- a/project03 화면설계서/0228 발표용 project03 - 화면 설계서 - 용승.pptx
+++ b/project03 화면설계서/0228 발표용 project03 - 화면 설계서 - 용승.pptx
@@ -138,7 +138,7 @@
   </p:defaultTextStyle>
   <p:extLst>
     <p:ext uri="{EFAFB233-063F-42B5-8137-9DF3F51BA10A}">
-      <p15:sldGuideLst xmlns:p15="http://schemas.microsoft.com/office/powerpoint/2012/main">
+      <p15:sldGuideLst xmlns:p15="http://schemas.microsoft.com/office/powerpoint/2012/main" xmlns="">
         <p15:guide id="1" orient="horz" pos="2160">
           <p15:clr>
             <a:srgbClr val="A4A3A4"/>
@@ -237,7 +237,7 @@
           <a:p>
             <a:fld id="{EFE7F2A0-C7D9-4DBD-AE3B-C1A712DCE501}" type="datetimeFigureOut">
               <a:rPr lang="ko-KR" altLang="en-US" smtClean="0"/>
-              <a:t>2020-02-27</a:t>
+              <a:t>2020-02-28</a:t>
             </a:fld>
             <a:endParaRPr lang="ko-KR" altLang="en-US"/>
           </a:p>
@@ -636,7 +636,7 @@
           <a:p>
             <a:fld id="{272C3D53-FEDF-49EC-8F65-FFFC138B637E}" type="datetimeFigureOut">
               <a:rPr lang="ko-KR" altLang="en-US" smtClean="0"/>
-              <a:t>2020-02-27</a:t>
+              <a:t>2020-02-28</a:t>
             </a:fld>
             <a:endParaRPr lang="ko-KR" altLang="en-US"/>
           </a:p>
@@ -806,7 +806,7 @@
           <a:p>
             <a:fld id="{272C3D53-FEDF-49EC-8F65-FFFC138B637E}" type="datetimeFigureOut">
               <a:rPr lang="ko-KR" altLang="en-US" smtClean="0"/>
-              <a:t>2020-02-27</a:t>
+              <a:t>2020-02-28</a:t>
             </a:fld>
             <a:endParaRPr lang="ko-KR" altLang="en-US"/>
           </a:p>
@@ -986,7 +986,7 @@
           <a:p>
             <a:fld id="{272C3D53-FEDF-49EC-8F65-FFFC138B637E}" type="datetimeFigureOut">
               <a:rPr lang="ko-KR" altLang="en-US" smtClean="0"/>
-              <a:t>2020-02-27</a:t>
+              <a:t>2020-02-28</a:t>
             </a:fld>
             <a:endParaRPr lang="ko-KR" altLang="en-US"/>
           </a:p>
@@ -1156,7 +1156,7 @@
           <a:p>
             <a:fld id="{272C3D53-FEDF-49EC-8F65-FFFC138B637E}" type="datetimeFigureOut">
               <a:rPr lang="ko-KR" altLang="en-US" smtClean="0"/>
-              <a:t>2020-02-27</a:t>
+              <a:t>2020-02-28</a:t>
             </a:fld>
             <a:endParaRPr lang="ko-KR" altLang="en-US"/>
           </a:p>
@@ -1402,7 +1402,7 @@
           <a:p>
             <a:fld id="{272C3D53-FEDF-49EC-8F65-FFFC138B637E}" type="datetimeFigureOut">
               <a:rPr lang="ko-KR" altLang="en-US" smtClean="0"/>
-              <a:t>2020-02-27</a:t>
+              <a:t>2020-02-28</a:t>
             </a:fld>
             <a:endParaRPr lang="ko-KR" altLang="en-US"/>
           </a:p>
@@ -1634,7 +1634,7 @@
           <a:p>
             <a:fld id="{272C3D53-FEDF-49EC-8F65-FFFC138B637E}" type="datetimeFigureOut">
               <a:rPr lang="ko-KR" altLang="en-US" smtClean="0"/>
-              <a:t>2020-02-27</a:t>
+              <a:t>2020-02-28</a:t>
             </a:fld>
             <a:endParaRPr lang="ko-KR" altLang="en-US"/>
           </a:p>
@@ -2001,7 +2001,7 @@
           <a:p>
             <a:fld id="{272C3D53-FEDF-49EC-8F65-FFFC138B637E}" type="datetimeFigureOut">
               <a:rPr lang="ko-KR" altLang="en-US" smtClean="0"/>
-              <a:t>2020-02-27</a:t>
+              <a:t>2020-02-28</a:t>
             </a:fld>
             <a:endParaRPr lang="ko-KR" altLang="en-US"/>
           </a:p>
@@ -2119,7 +2119,7 @@
           <a:p>
             <a:fld id="{272C3D53-FEDF-49EC-8F65-FFFC138B637E}" type="datetimeFigureOut">
               <a:rPr lang="ko-KR" altLang="en-US" smtClean="0"/>
-              <a:t>2020-02-27</a:t>
+              <a:t>2020-02-28</a:t>
             </a:fld>
             <a:endParaRPr lang="ko-KR" altLang="en-US"/>
           </a:p>
@@ -2214,7 +2214,7 @@
           <a:p>
             <a:fld id="{272C3D53-FEDF-49EC-8F65-FFFC138B637E}" type="datetimeFigureOut">
               <a:rPr lang="ko-KR" altLang="en-US" smtClean="0"/>
-              <a:t>2020-02-27</a:t>
+              <a:t>2020-02-28</a:t>
             </a:fld>
             <a:endParaRPr lang="ko-KR" altLang="en-US"/>
           </a:p>
@@ -2491,7 +2491,7 @@
           <a:p>
             <a:fld id="{272C3D53-FEDF-49EC-8F65-FFFC138B637E}" type="datetimeFigureOut">
               <a:rPr lang="ko-KR" altLang="en-US" smtClean="0"/>
-              <a:t>2020-02-27</a:t>
+              <a:t>2020-02-28</a:t>
             </a:fld>
             <a:endParaRPr lang="ko-KR" altLang="en-US"/>
           </a:p>
@@ -2744,7 +2744,7 @@
           <a:p>
             <a:fld id="{272C3D53-FEDF-49EC-8F65-FFFC138B637E}" type="datetimeFigureOut">
               <a:rPr lang="ko-KR" altLang="en-US" smtClean="0"/>
-              <a:t>2020-02-27</a:t>
+              <a:t>2020-02-28</a:t>
             </a:fld>
             <a:endParaRPr lang="ko-KR" altLang="en-US"/>
           </a:p>
@@ -2957,7 +2957,7 @@
           <a:p>
             <a:fld id="{272C3D53-FEDF-49EC-8F65-FFFC138B637E}" type="datetimeFigureOut">
               <a:rPr lang="ko-KR" altLang="en-US" smtClean="0"/>
-              <a:t>2020-02-27</a:t>
+              <a:t>2020-02-28</a:t>
             </a:fld>
             <a:endParaRPr lang="ko-KR" altLang="en-US"/>
           </a:p>
@@ -4507,7 +4507,7 @@
           </a:ln>
           <a:extLst>
             <a:ext uri="{C572A759-6A51-4108-AA02-DFA0A04FC94B}">
-              <ma14:wrappingTextBoxFlag xmlns="" xmlns:m="http://schemas.openxmlformats.org/officeDocument/2006/math" xmlns:a14="http://schemas.microsoft.com/office/drawing/2010/main" xmlns:ma14="http://schemas.microsoft.com/office/mac/drawingml/2011/main" val="1"/>
+              <ma14:wrappingTextBoxFlag xmlns:ma14="http://schemas.microsoft.com/office/mac/drawingml/2011/main" xmlns:a14="http://schemas.microsoft.com/office/drawing/2010/main" xmlns:m="http://schemas.openxmlformats.org/officeDocument/2006/math" xmlns="" val="1"/>
             </a:ext>
           </a:extLst>
         </p:spPr>
@@ -4598,7 +4598,7 @@
             <a:effectLst/>
             <a:extLst>
               <a:ext uri="{C572A759-6A51-4108-AA02-DFA0A04FC94B}">
-                <ma14:wrappingTextBoxFlag xmlns="" xmlns:m="http://schemas.openxmlformats.org/officeDocument/2006/math" xmlns:a14="http://schemas.microsoft.com/office/drawing/2010/main" xmlns:ma14="http://schemas.microsoft.com/office/mac/drawingml/2011/main" val="1"/>
+                <ma14:wrappingTextBoxFlag xmlns:ma14="http://schemas.microsoft.com/office/mac/drawingml/2011/main" xmlns:a14="http://schemas.microsoft.com/office/drawing/2010/main" xmlns:m="http://schemas.openxmlformats.org/officeDocument/2006/math" xmlns="" val="1"/>
               </a:ext>
             </a:extLst>
           </p:spPr>
@@ -4694,7 +4694,7 @@
             <a:effectLst/>
             <a:extLst>
               <a:ext uri="{C572A759-6A51-4108-AA02-DFA0A04FC94B}">
-                <ma14:wrappingTextBoxFlag xmlns="" xmlns:m="http://schemas.openxmlformats.org/officeDocument/2006/math" xmlns:a14="http://schemas.microsoft.com/office/drawing/2010/main" xmlns:ma14="http://schemas.microsoft.com/office/mac/drawingml/2011/main" val="1"/>
+                <ma14:wrappingTextBoxFlag xmlns:ma14="http://schemas.microsoft.com/office/mac/drawingml/2011/main" xmlns:a14="http://schemas.microsoft.com/office/drawing/2010/main" xmlns:m="http://schemas.openxmlformats.org/officeDocument/2006/math" xmlns="" val="1"/>
               </a:ext>
             </a:extLst>
           </p:spPr>
@@ -4860,7 +4860,7 @@
             <a:effectLst/>
             <a:extLst>
               <a:ext uri="{C572A759-6A51-4108-AA02-DFA0A04FC94B}">
-                <ma14:wrappingTextBoxFlag xmlns="" xmlns:m="http://schemas.openxmlformats.org/officeDocument/2006/math" xmlns:a14="http://schemas.microsoft.com/office/drawing/2010/main" xmlns:ma14="http://schemas.microsoft.com/office/mac/drawingml/2011/main" val="1"/>
+                <ma14:wrappingTextBoxFlag xmlns:ma14="http://schemas.microsoft.com/office/mac/drawingml/2011/main" xmlns:a14="http://schemas.microsoft.com/office/drawing/2010/main" xmlns:m="http://schemas.openxmlformats.org/officeDocument/2006/math" xmlns="" val="1"/>
               </a:ext>
             </a:extLst>
           </p:spPr>
@@ -4956,7 +4956,7 @@
             <a:effectLst/>
             <a:extLst>
               <a:ext uri="{C572A759-6A51-4108-AA02-DFA0A04FC94B}">
-                <ma14:wrappingTextBoxFlag xmlns="" xmlns:m="http://schemas.openxmlformats.org/officeDocument/2006/math" xmlns:a14="http://schemas.microsoft.com/office/drawing/2010/main" xmlns:ma14="http://schemas.microsoft.com/office/mac/drawingml/2011/main" val="1"/>
+                <ma14:wrappingTextBoxFlag xmlns:ma14="http://schemas.microsoft.com/office/mac/drawingml/2011/main" xmlns:a14="http://schemas.microsoft.com/office/drawing/2010/main" xmlns:m="http://schemas.openxmlformats.org/officeDocument/2006/math" xmlns="" val="1"/>
               </a:ext>
             </a:extLst>
           </p:spPr>
@@ -5115,7 +5115,7 @@
             <a:effectLst/>
             <a:extLst>
               <a:ext uri="{C572A759-6A51-4108-AA02-DFA0A04FC94B}">
-                <ma14:wrappingTextBoxFlag xmlns="" xmlns:m="http://schemas.openxmlformats.org/officeDocument/2006/math" xmlns:a14="http://schemas.microsoft.com/office/drawing/2010/main" xmlns:ma14="http://schemas.microsoft.com/office/mac/drawingml/2011/main" val="1"/>
+                <ma14:wrappingTextBoxFlag xmlns:ma14="http://schemas.microsoft.com/office/mac/drawingml/2011/main" xmlns:a14="http://schemas.microsoft.com/office/drawing/2010/main" xmlns:m="http://schemas.openxmlformats.org/officeDocument/2006/math" xmlns="" val="1"/>
               </a:ext>
             </a:extLst>
           </p:spPr>
@@ -5211,7 +5211,7 @@
             <a:effectLst/>
             <a:extLst>
               <a:ext uri="{C572A759-6A51-4108-AA02-DFA0A04FC94B}">
-                <ma14:wrappingTextBoxFlag xmlns="" xmlns:m="http://schemas.openxmlformats.org/officeDocument/2006/math" xmlns:a14="http://schemas.microsoft.com/office/drawing/2010/main" xmlns:ma14="http://schemas.microsoft.com/office/mac/drawingml/2011/main" val="1"/>
+                <ma14:wrappingTextBoxFlag xmlns:ma14="http://schemas.microsoft.com/office/mac/drawingml/2011/main" xmlns:a14="http://schemas.microsoft.com/office/drawing/2010/main" xmlns:m="http://schemas.openxmlformats.org/officeDocument/2006/math" xmlns="" val="1"/>
               </a:ext>
             </a:extLst>
           </p:spPr>
@@ -5398,7 +5398,7 @@
             <a:effectLst/>
             <a:extLst>
               <a:ext uri="{C572A759-6A51-4108-AA02-DFA0A04FC94B}">
-                <ma14:wrappingTextBoxFlag xmlns="" xmlns:m="http://schemas.openxmlformats.org/officeDocument/2006/math" xmlns:a14="http://schemas.microsoft.com/office/drawing/2010/main" xmlns:ma14="http://schemas.microsoft.com/office/mac/drawingml/2011/main" val="1"/>
+                <ma14:wrappingTextBoxFlag xmlns:ma14="http://schemas.microsoft.com/office/mac/drawingml/2011/main" xmlns:a14="http://schemas.microsoft.com/office/drawing/2010/main" xmlns:m="http://schemas.openxmlformats.org/officeDocument/2006/math" xmlns="" val="1"/>
               </a:ext>
             </a:extLst>
           </p:spPr>
@@ -5498,7 +5498,7 @@
             <a:effectLst/>
             <a:extLst>
               <a:ext uri="{C572A759-6A51-4108-AA02-DFA0A04FC94B}">
-                <ma14:wrappingTextBoxFlag xmlns="" xmlns:m="http://schemas.openxmlformats.org/officeDocument/2006/math" xmlns:a14="http://schemas.microsoft.com/office/drawing/2010/main" xmlns:ma14="http://schemas.microsoft.com/office/mac/drawingml/2011/main" val="1"/>
+                <ma14:wrappingTextBoxFlag xmlns:ma14="http://schemas.microsoft.com/office/mac/drawingml/2011/main" xmlns:a14="http://schemas.microsoft.com/office/drawing/2010/main" xmlns:m="http://schemas.openxmlformats.org/officeDocument/2006/math" xmlns="" val="1"/>
               </a:ext>
             </a:extLst>
           </p:spPr>
@@ -5594,7 +5594,7 @@
             <a:effectLst/>
             <a:extLst>
               <a:ext uri="{C572A759-6A51-4108-AA02-DFA0A04FC94B}">
-                <ma14:wrappingTextBoxFlag xmlns="" xmlns:m="http://schemas.openxmlformats.org/officeDocument/2006/math" xmlns:a14="http://schemas.microsoft.com/office/drawing/2010/main" xmlns:ma14="http://schemas.microsoft.com/office/mac/drawingml/2011/main" val="1"/>
+                <ma14:wrappingTextBoxFlag xmlns:ma14="http://schemas.microsoft.com/office/mac/drawingml/2011/main" xmlns:a14="http://schemas.microsoft.com/office/drawing/2010/main" xmlns:m="http://schemas.openxmlformats.org/officeDocument/2006/math" xmlns="" val="1"/>
               </a:ext>
             </a:extLst>
           </p:spPr>
@@ -7143,7 +7143,7 @@
           </a:ln>
           <a:extLst>
             <a:ext uri="{C572A759-6A51-4108-AA02-DFA0A04FC94B}">
-              <ma14:wrappingTextBoxFlag xmlns="" xmlns:m="http://schemas.openxmlformats.org/officeDocument/2006/math" xmlns:a14="http://schemas.microsoft.com/office/drawing/2010/main" xmlns:ma14="http://schemas.microsoft.com/office/mac/drawingml/2011/main" val="1"/>
+              <ma14:wrappingTextBoxFlag xmlns:ma14="http://schemas.microsoft.com/office/mac/drawingml/2011/main" xmlns:a14="http://schemas.microsoft.com/office/drawing/2010/main" xmlns:m="http://schemas.openxmlformats.org/officeDocument/2006/math" xmlns="" val="1"/>
             </a:ext>
           </a:extLst>
         </p:spPr>
@@ -7234,7 +7234,7 @@
             <a:effectLst/>
             <a:extLst>
               <a:ext uri="{C572A759-6A51-4108-AA02-DFA0A04FC94B}">
-                <ma14:wrappingTextBoxFlag xmlns="" xmlns:m="http://schemas.openxmlformats.org/officeDocument/2006/math" xmlns:a14="http://schemas.microsoft.com/office/drawing/2010/main" xmlns:ma14="http://schemas.microsoft.com/office/mac/drawingml/2011/main" val="1"/>
+                <ma14:wrappingTextBoxFlag xmlns:ma14="http://schemas.microsoft.com/office/mac/drawingml/2011/main" xmlns:a14="http://schemas.microsoft.com/office/drawing/2010/main" xmlns:m="http://schemas.openxmlformats.org/officeDocument/2006/math" xmlns="" val="1"/>
               </a:ext>
             </a:extLst>
           </p:spPr>
@@ -7330,7 +7330,7 @@
             <a:effectLst/>
             <a:extLst>
               <a:ext uri="{C572A759-6A51-4108-AA02-DFA0A04FC94B}">
-                <ma14:wrappingTextBoxFlag xmlns="" xmlns:m="http://schemas.openxmlformats.org/officeDocument/2006/math" xmlns:a14="http://schemas.microsoft.com/office/drawing/2010/main" xmlns:ma14="http://schemas.microsoft.com/office/mac/drawingml/2011/main" val="1"/>
+                <ma14:wrappingTextBoxFlag xmlns:ma14="http://schemas.microsoft.com/office/mac/drawingml/2011/main" xmlns:a14="http://schemas.microsoft.com/office/drawing/2010/main" xmlns:m="http://schemas.openxmlformats.org/officeDocument/2006/math" xmlns="" val="1"/>
               </a:ext>
             </a:extLst>
           </p:spPr>
@@ -7496,7 +7496,7 @@
             <a:effectLst/>
             <a:extLst>
               <a:ext uri="{C572A759-6A51-4108-AA02-DFA0A04FC94B}">
-                <ma14:wrappingTextBoxFlag xmlns="" xmlns:m="http://schemas.openxmlformats.org/officeDocument/2006/math" xmlns:a14="http://schemas.microsoft.com/office/drawing/2010/main" xmlns:ma14="http://schemas.microsoft.com/office/mac/drawingml/2011/main" val="1"/>
+                <ma14:wrappingTextBoxFlag xmlns:ma14="http://schemas.microsoft.com/office/mac/drawingml/2011/main" xmlns:a14="http://schemas.microsoft.com/office/drawing/2010/main" xmlns:m="http://schemas.openxmlformats.org/officeDocument/2006/math" xmlns="" val="1"/>
               </a:ext>
             </a:extLst>
           </p:spPr>
@@ -7592,7 +7592,7 @@
             <a:effectLst/>
             <a:extLst>
               <a:ext uri="{C572A759-6A51-4108-AA02-DFA0A04FC94B}">
-                <ma14:wrappingTextBoxFlag xmlns="" xmlns:m="http://schemas.openxmlformats.org/officeDocument/2006/math" xmlns:a14="http://schemas.microsoft.com/office/drawing/2010/main" xmlns:ma14="http://schemas.microsoft.com/office/mac/drawingml/2011/main" val="1"/>
+                <ma14:wrappingTextBoxFlag xmlns:ma14="http://schemas.microsoft.com/office/mac/drawingml/2011/main" xmlns:a14="http://schemas.microsoft.com/office/drawing/2010/main" xmlns:m="http://schemas.openxmlformats.org/officeDocument/2006/math" xmlns="" val="1"/>
               </a:ext>
             </a:extLst>
           </p:spPr>
@@ -7751,7 +7751,7 @@
             <a:effectLst/>
             <a:extLst>
               <a:ext uri="{C572A759-6A51-4108-AA02-DFA0A04FC94B}">
-                <ma14:wrappingTextBoxFlag xmlns="" xmlns:m="http://schemas.openxmlformats.org/officeDocument/2006/math" xmlns:a14="http://schemas.microsoft.com/office/drawing/2010/main" xmlns:ma14="http://schemas.microsoft.com/office/mac/drawingml/2011/main" val="1"/>
+                <ma14:wrappingTextBoxFlag xmlns:ma14="http://schemas.microsoft.com/office/mac/drawingml/2011/main" xmlns:a14="http://schemas.microsoft.com/office/drawing/2010/main" xmlns:m="http://schemas.openxmlformats.org/officeDocument/2006/math" xmlns="" val="1"/>
               </a:ext>
             </a:extLst>
           </p:spPr>
@@ -7847,7 +7847,7 @@
             <a:effectLst/>
             <a:extLst>
               <a:ext uri="{C572A759-6A51-4108-AA02-DFA0A04FC94B}">
-                <ma14:wrappingTextBoxFlag xmlns="" xmlns:m="http://schemas.openxmlformats.org/officeDocument/2006/math" xmlns:a14="http://schemas.microsoft.com/office/drawing/2010/main" xmlns:ma14="http://schemas.microsoft.com/office/mac/drawingml/2011/main" val="1"/>
+                <ma14:wrappingTextBoxFlag xmlns:ma14="http://schemas.microsoft.com/office/mac/drawingml/2011/main" xmlns:a14="http://schemas.microsoft.com/office/drawing/2010/main" xmlns:m="http://schemas.openxmlformats.org/officeDocument/2006/math" xmlns="" val="1"/>
               </a:ext>
             </a:extLst>
           </p:spPr>
@@ -8030,7 +8030,7 @@
             <a:effectLst/>
             <a:extLst>
               <a:ext uri="{C572A759-6A51-4108-AA02-DFA0A04FC94B}">
-                <ma14:wrappingTextBoxFlag xmlns="" xmlns:m="http://schemas.openxmlformats.org/officeDocument/2006/math" xmlns:a14="http://schemas.microsoft.com/office/drawing/2010/main" xmlns:ma14="http://schemas.microsoft.com/office/mac/drawingml/2011/main" val="1"/>
+                <ma14:wrappingTextBoxFlag xmlns:ma14="http://schemas.microsoft.com/office/mac/drawingml/2011/main" xmlns:a14="http://schemas.microsoft.com/office/drawing/2010/main" xmlns:m="http://schemas.openxmlformats.org/officeDocument/2006/math" xmlns="" val="1"/>
               </a:ext>
             </a:extLst>
           </p:spPr>
@@ -8126,7 +8126,7 @@
             <a:effectLst/>
             <a:extLst>
               <a:ext uri="{C572A759-6A51-4108-AA02-DFA0A04FC94B}">
-                <ma14:wrappingTextBoxFlag xmlns="" xmlns:m="http://schemas.openxmlformats.org/officeDocument/2006/math" xmlns:a14="http://schemas.microsoft.com/office/drawing/2010/main" xmlns:ma14="http://schemas.microsoft.com/office/mac/drawingml/2011/main" val="1"/>
+                <ma14:wrappingTextBoxFlag xmlns:ma14="http://schemas.microsoft.com/office/mac/drawingml/2011/main" xmlns:a14="http://schemas.microsoft.com/office/drawing/2010/main" xmlns:m="http://schemas.openxmlformats.org/officeDocument/2006/math" xmlns="" val="1"/>
               </a:ext>
             </a:extLst>
           </p:spPr>
@@ -8303,7 +8303,7 @@
             <a:effectLst/>
             <a:extLst>
               <a:ext uri="{C572A759-6A51-4108-AA02-DFA0A04FC94B}">
-                <ma14:wrappingTextBoxFlag xmlns="" xmlns:m="http://schemas.openxmlformats.org/officeDocument/2006/math" xmlns:a14="http://schemas.microsoft.com/office/drawing/2010/main" xmlns:ma14="http://schemas.microsoft.com/office/mac/drawingml/2011/main" val="1"/>
+                <ma14:wrappingTextBoxFlag xmlns:ma14="http://schemas.microsoft.com/office/mac/drawingml/2011/main" xmlns:a14="http://schemas.microsoft.com/office/drawing/2010/main" xmlns:m="http://schemas.openxmlformats.org/officeDocument/2006/math" xmlns="" val="1"/>
               </a:ext>
             </a:extLst>
           </p:spPr>
@@ -9727,7 +9727,7 @@
           </a:ln>
           <a:extLst>
             <a:ext uri="{C572A759-6A51-4108-AA02-DFA0A04FC94B}">
-              <ma14:wrappingTextBoxFlag xmlns="" xmlns:m="http://schemas.openxmlformats.org/officeDocument/2006/math" xmlns:a14="http://schemas.microsoft.com/office/drawing/2010/main" xmlns:ma14="http://schemas.microsoft.com/office/mac/drawingml/2011/main" val="1"/>
+              <ma14:wrappingTextBoxFlag xmlns:ma14="http://schemas.microsoft.com/office/mac/drawingml/2011/main" xmlns:a14="http://schemas.microsoft.com/office/drawing/2010/main" xmlns:m="http://schemas.openxmlformats.org/officeDocument/2006/math" xmlns="" val="1"/>
             </a:ext>
           </a:extLst>
         </p:spPr>
@@ -9826,7 +9826,7 @@
             <a:effectLst/>
             <a:extLst>
               <a:ext uri="{C572A759-6A51-4108-AA02-DFA0A04FC94B}">
-                <ma14:wrappingTextBoxFlag xmlns="" xmlns:m="http://schemas.openxmlformats.org/officeDocument/2006/math" xmlns:a14="http://schemas.microsoft.com/office/drawing/2010/main" xmlns:ma14="http://schemas.microsoft.com/office/mac/drawingml/2011/main" val="1"/>
+                <ma14:wrappingTextBoxFlag xmlns:ma14="http://schemas.microsoft.com/office/mac/drawingml/2011/main" xmlns:a14="http://schemas.microsoft.com/office/drawing/2010/main" xmlns:m="http://schemas.openxmlformats.org/officeDocument/2006/math" xmlns="" val="1"/>
               </a:ext>
             </a:extLst>
           </p:spPr>
@@ -9909,7 +9909,7 @@
           </a:ln>
           <a:extLst>
             <a:ext uri="{C572A759-6A51-4108-AA02-DFA0A04FC94B}">
-              <ma14:wrappingTextBoxFlag xmlns="" xmlns:m="http://schemas.openxmlformats.org/officeDocument/2006/math" xmlns:a14="http://schemas.microsoft.com/office/drawing/2010/main" xmlns:ma14="http://schemas.microsoft.com/office/mac/drawingml/2011/main" val="1"/>
+              <ma14:wrappingTextBoxFlag xmlns:ma14="http://schemas.microsoft.com/office/mac/drawingml/2011/main" xmlns:a14="http://schemas.microsoft.com/office/drawing/2010/main" xmlns:m="http://schemas.openxmlformats.org/officeDocument/2006/math" xmlns="" val="1"/>
             </a:ext>
           </a:extLst>
         </p:spPr>
@@ -10023,7 +10023,7 @@
             <a:effectLst/>
             <a:extLst>
               <a:ext uri="{C572A759-6A51-4108-AA02-DFA0A04FC94B}">
-                <ma14:wrappingTextBoxFlag xmlns="" xmlns:m="http://schemas.openxmlformats.org/officeDocument/2006/math" xmlns:a14="http://schemas.microsoft.com/office/drawing/2010/main" xmlns:ma14="http://schemas.microsoft.com/office/mac/drawingml/2011/main" val="1"/>
+                <ma14:wrappingTextBoxFlag xmlns:ma14="http://schemas.microsoft.com/office/mac/drawingml/2011/main" xmlns:a14="http://schemas.microsoft.com/office/drawing/2010/main" xmlns:m="http://schemas.openxmlformats.org/officeDocument/2006/math" xmlns="" val="1"/>
               </a:ext>
             </a:extLst>
           </p:spPr>
@@ -10127,7 +10127,7 @@
             <a:effectLst/>
             <a:extLst>
               <a:ext uri="{C572A759-6A51-4108-AA02-DFA0A04FC94B}">
-                <ma14:wrappingTextBoxFlag xmlns="" xmlns:m="http://schemas.openxmlformats.org/officeDocument/2006/math" xmlns:a14="http://schemas.microsoft.com/office/drawing/2010/main" xmlns:ma14="http://schemas.microsoft.com/office/mac/drawingml/2011/main" val="1"/>
+                <ma14:wrappingTextBoxFlag xmlns:ma14="http://schemas.microsoft.com/office/mac/drawingml/2011/main" xmlns:a14="http://schemas.microsoft.com/office/drawing/2010/main" xmlns:m="http://schemas.openxmlformats.org/officeDocument/2006/math" xmlns="" val="1"/>
               </a:ext>
             </a:extLst>
           </p:spPr>
@@ -10231,7 +10231,7 @@
             <a:effectLst/>
             <a:extLst>
               <a:ext uri="{C572A759-6A51-4108-AA02-DFA0A04FC94B}">
-                <ma14:wrappingTextBoxFlag xmlns="" xmlns:m="http://schemas.openxmlformats.org/officeDocument/2006/math" xmlns:a14="http://schemas.microsoft.com/office/drawing/2010/main" xmlns:ma14="http://schemas.microsoft.com/office/mac/drawingml/2011/main" val="1"/>
+                <ma14:wrappingTextBoxFlag xmlns:ma14="http://schemas.microsoft.com/office/mac/drawingml/2011/main" xmlns:a14="http://schemas.microsoft.com/office/drawing/2010/main" xmlns:m="http://schemas.openxmlformats.org/officeDocument/2006/math" xmlns="" val="1"/>
               </a:ext>
             </a:extLst>
           </p:spPr>
@@ -11359,7 +11359,7 @@
           </a:ln>
           <a:extLst>
             <a:ext uri="{C572A759-6A51-4108-AA02-DFA0A04FC94B}">
-              <ma14:wrappingTextBoxFlag xmlns="" xmlns:m="http://schemas.openxmlformats.org/officeDocument/2006/math" xmlns:a14="http://schemas.microsoft.com/office/drawing/2010/main" xmlns:ma14="http://schemas.microsoft.com/office/mac/drawingml/2011/main" val="1"/>
+              <ma14:wrappingTextBoxFlag xmlns:ma14="http://schemas.microsoft.com/office/mac/drawingml/2011/main" xmlns:a14="http://schemas.microsoft.com/office/drawing/2010/main" xmlns:m="http://schemas.openxmlformats.org/officeDocument/2006/math" xmlns="" val="1"/>
             </a:ext>
           </a:extLst>
         </p:spPr>
@@ -11444,7 +11444,7 @@
           </a:ln>
           <a:extLst>
             <a:ext uri="{C572A759-6A51-4108-AA02-DFA0A04FC94B}">
-              <ma14:wrappingTextBoxFlag xmlns="" xmlns:m="http://schemas.openxmlformats.org/officeDocument/2006/math" xmlns:a14="http://schemas.microsoft.com/office/drawing/2010/main" xmlns:ma14="http://schemas.microsoft.com/office/mac/drawingml/2011/main" val="1"/>
+              <ma14:wrappingTextBoxFlag xmlns:ma14="http://schemas.microsoft.com/office/mac/drawingml/2011/main" xmlns:a14="http://schemas.microsoft.com/office/drawing/2010/main" xmlns:m="http://schemas.openxmlformats.org/officeDocument/2006/math" xmlns="" val="1"/>
             </a:ext>
           </a:extLst>
         </p:spPr>
@@ -11539,7 +11539,7 @@
             <a:effectLst/>
             <a:extLst>
               <a:ext uri="{C572A759-6A51-4108-AA02-DFA0A04FC94B}">
-                <ma14:wrappingTextBoxFlag xmlns="" xmlns:m="http://schemas.openxmlformats.org/officeDocument/2006/math" xmlns:a14="http://schemas.microsoft.com/office/drawing/2010/main" xmlns:ma14="http://schemas.microsoft.com/office/mac/drawingml/2011/main" val="1"/>
+                <ma14:wrappingTextBoxFlag xmlns:ma14="http://schemas.microsoft.com/office/mac/drawingml/2011/main" xmlns:a14="http://schemas.microsoft.com/office/drawing/2010/main" xmlns:m="http://schemas.openxmlformats.org/officeDocument/2006/math" xmlns="" val="1"/>
               </a:ext>
             </a:extLst>
           </p:spPr>
@@ -11674,7 +11674,7 @@
             <a:effectLst/>
             <a:extLst>
               <a:ext uri="{C572A759-6A51-4108-AA02-DFA0A04FC94B}">
-                <ma14:wrappingTextBoxFlag xmlns="" xmlns:m="http://schemas.openxmlformats.org/officeDocument/2006/math" xmlns:a14="http://schemas.microsoft.com/office/drawing/2010/main" xmlns:ma14="http://schemas.microsoft.com/office/mac/drawingml/2011/main" val="1"/>
+                <ma14:wrappingTextBoxFlag xmlns:ma14="http://schemas.microsoft.com/office/mac/drawingml/2011/main" xmlns:a14="http://schemas.microsoft.com/office/drawing/2010/main" xmlns:m="http://schemas.openxmlformats.org/officeDocument/2006/math" xmlns="" val="1"/>
               </a:ext>
             </a:extLst>
           </p:spPr>
@@ -11809,7 +11809,7 @@
             <a:effectLst/>
             <a:extLst>
               <a:ext uri="{C572A759-6A51-4108-AA02-DFA0A04FC94B}">
-                <ma14:wrappingTextBoxFlag xmlns="" xmlns:m="http://schemas.openxmlformats.org/officeDocument/2006/math" xmlns:a14="http://schemas.microsoft.com/office/drawing/2010/main" xmlns:ma14="http://schemas.microsoft.com/office/mac/drawingml/2011/main" val="1"/>
+                <ma14:wrappingTextBoxFlag xmlns:ma14="http://schemas.microsoft.com/office/mac/drawingml/2011/main" xmlns:a14="http://schemas.microsoft.com/office/drawing/2010/main" xmlns:m="http://schemas.openxmlformats.org/officeDocument/2006/math" xmlns="" val="1"/>
               </a:ext>
             </a:extLst>
           </p:spPr>
@@ -11905,7 +11905,7 @@
             <a:effectLst/>
             <a:extLst>
               <a:ext uri="{C572A759-6A51-4108-AA02-DFA0A04FC94B}">
-                <ma14:wrappingTextBoxFlag xmlns="" xmlns:m="http://schemas.openxmlformats.org/officeDocument/2006/math" xmlns:a14="http://schemas.microsoft.com/office/drawing/2010/main" xmlns:ma14="http://schemas.microsoft.com/office/mac/drawingml/2011/main" val="1"/>
+                <ma14:wrappingTextBoxFlag xmlns:ma14="http://schemas.microsoft.com/office/mac/drawingml/2011/main" xmlns:a14="http://schemas.microsoft.com/office/drawing/2010/main" xmlns:m="http://schemas.openxmlformats.org/officeDocument/2006/math" xmlns="" val="1"/>
               </a:ext>
             </a:extLst>
           </p:spPr>
@@ -12040,7 +12040,7 @@
             <a:effectLst/>
             <a:extLst>
               <a:ext uri="{C572A759-6A51-4108-AA02-DFA0A04FC94B}">
-                <ma14:wrappingTextBoxFlag xmlns="" xmlns:m="http://schemas.openxmlformats.org/officeDocument/2006/math" xmlns:a14="http://schemas.microsoft.com/office/drawing/2010/main" xmlns:ma14="http://schemas.microsoft.com/office/mac/drawingml/2011/main" val="1"/>
+                <ma14:wrappingTextBoxFlag xmlns:ma14="http://schemas.microsoft.com/office/mac/drawingml/2011/main" xmlns:a14="http://schemas.microsoft.com/office/drawing/2010/main" xmlns:m="http://schemas.openxmlformats.org/officeDocument/2006/math" xmlns="" val="1"/>
               </a:ext>
             </a:extLst>
           </p:spPr>
@@ -12175,7 +12175,7 @@
             <a:effectLst/>
             <a:extLst>
               <a:ext uri="{C572A759-6A51-4108-AA02-DFA0A04FC94B}">
-                <ma14:wrappingTextBoxFlag xmlns="" xmlns:m="http://schemas.openxmlformats.org/officeDocument/2006/math" xmlns:a14="http://schemas.microsoft.com/office/drawing/2010/main" xmlns:ma14="http://schemas.microsoft.com/office/mac/drawingml/2011/main" val="1"/>
+                <ma14:wrappingTextBoxFlag xmlns:ma14="http://schemas.microsoft.com/office/mac/drawingml/2011/main" xmlns:a14="http://schemas.microsoft.com/office/drawing/2010/main" xmlns:m="http://schemas.openxmlformats.org/officeDocument/2006/math" xmlns="" val="1"/>
               </a:ext>
             </a:extLst>
           </p:spPr>
@@ -12310,7 +12310,7 @@
             <a:effectLst/>
             <a:extLst>
               <a:ext uri="{C572A759-6A51-4108-AA02-DFA0A04FC94B}">
-                <ma14:wrappingTextBoxFlag xmlns="" xmlns:m="http://schemas.openxmlformats.org/officeDocument/2006/math" xmlns:a14="http://schemas.microsoft.com/office/drawing/2010/main" xmlns:ma14="http://schemas.microsoft.com/office/mac/drawingml/2011/main" val="1"/>
+                <ma14:wrappingTextBoxFlag xmlns:ma14="http://schemas.microsoft.com/office/mac/drawingml/2011/main" xmlns:a14="http://schemas.microsoft.com/office/drawing/2010/main" xmlns:m="http://schemas.openxmlformats.org/officeDocument/2006/math" xmlns="" val="1"/>
               </a:ext>
             </a:extLst>
           </p:spPr>
@@ -12406,7 +12406,7 @@
             <a:effectLst/>
             <a:extLst>
               <a:ext uri="{C572A759-6A51-4108-AA02-DFA0A04FC94B}">
-                <ma14:wrappingTextBoxFlag xmlns="" xmlns:m="http://schemas.openxmlformats.org/officeDocument/2006/math" xmlns:a14="http://schemas.microsoft.com/office/drawing/2010/main" xmlns:ma14="http://schemas.microsoft.com/office/mac/drawingml/2011/main" val="1"/>
+                <ma14:wrappingTextBoxFlag xmlns:ma14="http://schemas.microsoft.com/office/mac/drawingml/2011/main" xmlns:a14="http://schemas.microsoft.com/office/drawing/2010/main" xmlns:m="http://schemas.openxmlformats.org/officeDocument/2006/math" xmlns="" val="1"/>
               </a:ext>
             </a:extLst>
           </p:spPr>
@@ -12448,7 +12448,7 @@
           </a:ln>
           <a:extLst>
             <a:ext uri="{C572A759-6A51-4108-AA02-DFA0A04FC94B}">
-              <ma14:wrappingTextBoxFlag xmlns="" xmlns:m="http://schemas.openxmlformats.org/officeDocument/2006/math" xmlns:a14="http://schemas.microsoft.com/office/drawing/2010/main" xmlns:ma14="http://schemas.microsoft.com/office/mac/drawingml/2011/main" val="1"/>
+              <ma14:wrappingTextBoxFlag xmlns:ma14="http://schemas.microsoft.com/office/mac/drawingml/2011/main" xmlns:a14="http://schemas.microsoft.com/office/drawing/2010/main" xmlns:m="http://schemas.openxmlformats.org/officeDocument/2006/math" xmlns="" val="1"/>
             </a:ext>
           </a:extLst>
         </p:spPr>
@@ -12543,7 +12543,7 @@
             <a:effectLst/>
             <a:extLst>
               <a:ext uri="{C572A759-6A51-4108-AA02-DFA0A04FC94B}">
-                <ma14:wrappingTextBoxFlag xmlns="" xmlns:m="http://schemas.openxmlformats.org/officeDocument/2006/math" xmlns:a14="http://schemas.microsoft.com/office/drawing/2010/main" xmlns:ma14="http://schemas.microsoft.com/office/mac/drawingml/2011/main" val="1"/>
+                <ma14:wrappingTextBoxFlag xmlns:ma14="http://schemas.microsoft.com/office/mac/drawingml/2011/main" xmlns:a14="http://schemas.microsoft.com/office/drawing/2010/main" xmlns:m="http://schemas.openxmlformats.org/officeDocument/2006/math" xmlns="" val="1"/>
               </a:ext>
             </a:extLst>
           </p:spPr>
@@ -12639,7 +12639,7 @@
             <a:effectLst/>
             <a:extLst>
               <a:ext uri="{C572A759-6A51-4108-AA02-DFA0A04FC94B}">
-                <ma14:wrappingTextBoxFlag xmlns="" xmlns:m="http://schemas.openxmlformats.org/officeDocument/2006/math" xmlns:a14="http://schemas.microsoft.com/office/drawing/2010/main" xmlns:ma14="http://schemas.microsoft.com/office/mac/drawingml/2011/main" val="1"/>
+                <ma14:wrappingTextBoxFlag xmlns:ma14="http://schemas.microsoft.com/office/mac/drawingml/2011/main" xmlns:a14="http://schemas.microsoft.com/office/drawing/2010/main" xmlns:m="http://schemas.openxmlformats.org/officeDocument/2006/math" xmlns="" val="1"/>
               </a:ext>
             </a:extLst>
           </p:spPr>
@@ -12735,7 +12735,7 @@
             <a:effectLst/>
             <a:extLst>
               <a:ext uri="{C572A759-6A51-4108-AA02-DFA0A04FC94B}">
-                <ma14:wrappingTextBoxFlag xmlns="" xmlns:m="http://schemas.openxmlformats.org/officeDocument/2006/math" xmlns:a14="http://schemas.microsoft.com/office/drawing/2010/main" xmlns:ma14="http://schemas.microsoft.com/office/mac/drawingml/2011/main" val="1"/>
+                <ma14:wrappingTextBoxFlag xmlns:ma14="http://schemas.microsoft.com/office/mac/drawingml/2011/main" xmlns:a14="http://schemas.microsoft.com/office/drawing/2010/main" xmlns:m="http://schemas.openxmlformats.org/officeDocument/2006/math" xmlns="" val="1"/>
               </a:ext>
             </a:extLst>
           </p:spPr>
@@ -12831,7 +12831,7 @@
             <a:effectLst/>
             <a:extLst>
               <a:ext uri="{C572A759-6A51-4108-AA02-DFA0A04FC94B}">
-                <ma14:wrappingTextBoxFlag xmlns="" xmlns:m="http://schemas.openxmlformats.org/officeDocument/2006/math" xmlns:a14="http://schemas.microsoft.com/office/drawing/2010/main" xmlns:ma14="http://schemas.microsoft.com/office/mac/drawingml/2011/main" val="1"/>
+                <ma14:wrappingTextBoxFlag xmlns:ma14="http://schemas.microsoft.com/office/mac/drawingml/2011/main" xmlns:a14="http://schemas.microsoft.com/office/drawing/2010/main" xmlns:m="http://schemas.openxmlformats.org/officeDocument/2006/math" xmlns="" val="1"/>
               </a:ext>
             </a:extLst>
           </p:spPr>
@@ -12927,7 +12927,7 @@
             <a:effectLst/>
             <a:extLst>
               <a:ext uri="{C572A759-6A51-4108-AA02-DFA0A04FC94B}">
-                <ma14:wrappingTextBoxFlag xmlns="" xmlns:m="http://schemas.openxmlformats.org/officeDocument/2006/math" xmlns:a14="http://schemas.microsoft.com/office/drawing/2010/main" xmlns:ma14="http://schemas.microsoft.com/office/mac/drawingml/2011/main" val="1"/>
+                <ma14:wrappingTextBoxFlag xmlns:ma14="http://schemas.microsoft.com/office/mac/drawingml/2011/main" xmlns:a14="http://schemas.microsoft.com/office/drawing/2010/main" xmlns:m="http://schemas.openxmlformats.org/officeDocument/2006/math" xmlns="" val="1"/>
               </a:ext>
             </a:extLst>
           </p:spPr>
@@ -13062,7 +13062,7 @@
             <a:effectLst/>
             <a:extLst>
               <a:ext uri="{C572A759-6A51-4108-AA02-DFA0A04FC94B}">
-                <ma14:wrappingTextBoxFlag xmlns="" xmlns:m="http://schemas.openxmlformats.org/officeDocument/2006/math" xmlns:a14="http://schemas.microsoft.com/office/drawing/2010/main" xmlns:ma14="http://schemas.microsoft.com/office/mac/drawingml/2011/main" val="1"/>
+                <ma14:wrappingTextBoxFlag xmlns:ma14="http://schemas.microsoft.com/office/mac/drawingml/2011/main" xmlns:a14="http://schemas.microsoft.com/office/drawing/2010/main" xmlns:m="http://schemas.openxmlformats.org/officeDocument/2006/math" xmlns="" val="1"/>
               </a:ext>
             </a:extLst>
           </p:spPr>
@@ -13158,7 +13158,7 @@
             <a:effectLst/>
             <a:extLst>
               <a:ext uri="{C572A759-6A51-4108-AA02-DFA0A04FC94B}">
-                <ma14:wrappingTextBoxFlag xmlns="" xmlns:m="http://schemas.openxmlformats.org/officeDocument/2006/math" xmlns:a14="http://schemas.microsoft.com/office/drawing/2010/main" xmlns:ma14="http://schemas.microsoft.com/office/mac/drawingml/2011/main" val="1"/>
+                <ma14:wrappingTextBoxFlag xmlns:ma14="http://schemas.microsoft.com/office/mac/drawingml/2011/main" xmlns:a14="http://schemas.microsoft.com/office/drawing/2010/main" xmlns:m="http://schemas.openxmlformats.org/officeDocument/2006/math" xmlns="" val="1"/>
               </a:ext>
             </a:extLst>
           </p:spPr>
@@ -13293,7 +13293,7 @@
             <a:effectLst/>
             <a:extLst>
               <a:ext uri="{C572A759-6A51-4108-AA02-DFA0A04FC94B}">
-                <ma14:wrappingTextBoxFlag xmlns="" xmlns:m="http://schemas.openxmlformats.org/officeDocument/2006/math" xmlns:a14="http://schemas.microsoft.com/office/drawing/2010/main" xmlns:ma14="http://schemas.microsoft.com/office/mac/drawingml/2011/main" val="1"/>
+                <ma14:wrappingTextBoxFlag xmlns:ma14="http://schemas.microsoft.com/office/mac/drawingml/2011/main" xmlns:a14="http://schemas.microsoft.com/office/drawing/2010/main" xmlns:m="http://schemas.openxmlformats.org/officeDocument/2006/math" xmlns="" val="1"/>
               </a:ext>
             </a:extLst>
           </p:spPr>
@@ -13389,7 +13389,7 @@
             <a:effectLst/>
             <a:extLst>
               <a:ext uri="{C572A759-6A51-4108-AA02-DFA0A04FC94B}">
-                <ma14:wrappingTextBoxFlag xmlns="" xmlns:m="http://schemas.openxmlformats.org/officeDocument/2006/math" xmlns:a14="http://schemas.microsoft.com/office/drawing/2010/main" xmlns:ma14="http://schemas.microsoft.com/office/mac/drawingml/2011/main" val="1"/>
+                <ma14:wrappingTextBoxFlag xmlns:ma14="http://schemas.microsoft.com/office/mac/drawingml/2011/main" xmlns:a14="http://schemas.microsoft.com/office/drawing/2010/main" xmlns:m="http://schemas.openxmlformats.org/officeDocument/2006/math" xmlns="" val="1"/>
               </a:ext>
             </a:extLst>
           </p:spPr>
@@ -13489,7 +13489,7 @@
             <a:effectLst/>
             <a:extLst>
               <a:ext uri="{C572A759-6A51-4108-AA02-DFA0A04FC94B}">
-                <ma14:wrappingTextBoxFlag xmlns="" xmlns:m="http://schemas.openxmlformats.org/officeDocument/2006/math" xmlns:a14="http://schemas.microsoft.com/office/drawing/2010/main" xmlns:ma14="http://schemas.microsoft.com/office/mac/drawingml/2011/main" val="1"/>
+                <ma14:wrappingTextBoxFlag xmlns:ma14="http://schemas.microsoft.com/office/mac/drawingml/2011/main" xmlns:a14="http://schemas.microsoft.com/office/drawing/2010/main" xmlns:m="http://schemas.openxmlformats.org/officeDocument/2006/math" xmlns="" val="1"/>
               </a:ext>
             </a:extLst>
           </p:spPr>
@@ -13593,7 +13593,7 @@
             <a:effectLst/>
             <a:extLst>
               <a:ext uri="{C572A759-6A51-4108-AA02-DFA0A04FC94B}">
-                <ma14:wrappingTextBoxFlag xmlns="" xmlns:m="http://schemas.openxmlformats.org/officeDocument/2006/math" xmlns:a14="http://schemas.microsoft.com/office/drawing/2010/main" xmlns:ma14="http://schemas.microsoft.com/office/mac/drawingml/2011/main" val="1"/>
+                <ma14:wrappingTextBoxFlag xmlns:ma14="http://schemas.microsoft.com/office/mac/drawingml/2011/main" xmlns:a14="http://schemas.microsoft.com/office/drawing/2010/main" xmlns:m="http://schemas.openxmlformats.org/officeDocument/2006/math" xmlns="" val="1"/>
               </a:ext>
             </a:extLst>
           </p:spPr>
@@ -13697,7 +13697,7 @@
             <a:effectLst/>
             <a:extLst>
               <a:ext uri="{C572A759-6A51-4108-AA02-DFA0A04FC94B}">
-                <ma14:wrappingTextBoxFlag xmlns="" xmlns:m="http://schemas.openxmlformats.org/officeDocument/2006/math" xmlns:a14="http://schemas.microsoft.com/office/drawing/2010/main" xmlns:ma14="http://schemas.microsoft.com/office/mac/drawingml/2011/main" val="1"/>
+                <ma14:wrappingTextBoxFlag xmlns:ma14="http://schemas.microsoft.com/office/mac/drawingml/2011/main" xmlns:a14="http://schemas.microsoft.com/office/drawing/2010/main" xmlns:m="http://schemas.openxmlformats.org/officeDocument/2006/math" xmlns="" val="1"/>
               </a:ext>
             </a:extLst>
           </p:spPr>
@@ -15120,7 +15120,7 @@
           </a:ln>
           <a:extLst>
             <a:ext uri="{C572A759-6A51-4108-AA02-DFA0A04FC94B}">
-              <ma14:wrappingTextBoxFlag xmlns="" xmlns:m="http://schemas.openxmlformats.org/officeDocument/2006/math" xmlns:a14="http://schemas.microsoft.com/office/drawing/2010/main" xmlns:ma14="http://schemas.microsoft.com/office/mac/drawingml/2011/main" val="1"/>
+              <ma14:wrappingTextBoxFlag xmlns:ma14="http://schemas.microsoft.com/office/mac/drawingml/2011/main" xmlns:a14="http://schemas.microsoft.com/office/drawing/2010/main" xmlns:m="http://schemas.openxmlformats.org/officeDocument/2006/math" xmlns="" val="1"/>
             </a:ext>
           </a:extLst>
         </p:spPr>
@@ -15260,7 +15260,7 @@
           </a:ln>
           <a:extLst>
             <a:ext uri="{C572A759-6A51-4108-AA02-DFA0A04FC94B}">
-              <ma14:wrappingTextBoxFlag xmlns="" xmlns:m="http://schemas.openxmlformats.org/officeDocument/2006/math" xmlns:a14="http://schemas.microsoft.com/office/drawing/2010/main" xmlns:ma14="http://schemas.microsoft.com/office/mac/drawingml/2011/main" val="1"/>
+              <ma14:wrappingTextBoxFlag xmlns:ma14="http://schemas.microsoft.com/office/mac/drawingml/2011/main" xmlns:a14="http://schemas.microsoft.com/office/drawing/2010/main" xmlns:m="http://schemas.openxmlformats.org/officeDocument/2006/math" xmlns="" val="1"/>
             </a:ext>
           </a:extLst>
         </p:spPr>
@@ -15355,7 +15355,7 @@
             <a:effectLst/>
             <a:extLst>
               <a:ext uri="{C572A759-6A51-4108-AA02-DFA0A04FC94B}">
-                <ma14:wrappingTextBoxFlag xmlns="" xmlns:m="http://schemas.openxmlformats.org/officeDocument/2006/math" xmlns:a14="http://schemas.microsoft.com/office/drawing/2010/main" xmlns:ma14="http://schemas.microsoft.com/office/mac/drawingml/2011/main" val="1"/>
+                <ma14:wrappingTextBoxFlag xmlns:ma14="http://schemas.microsoft.com/office/mac/drawingml/2011/main" xmlns:a14="http://schemas.microsoft.com/office/drawing/2010/main" xmlns:m="http://schemas.openxmlformats.org/officeDocument/2006/math" xmlns="" val="1"/>
               </a:ext>
             </a:extLst>
           </p:spPr>
@@ -16969,7 +16969,7 @@
           </a:ln>
           <a:extLst>
             <a:ext uri="{C572A759-6A51-4108-AA02-DFA0A04FC94B}">
-              <ma14:wrappingTextBoxFlag xmlns="" xmlns:m="http://schemas.openxmlformats.org/officeDocument/2006/math" xmlns:a14="http://schemas.microsoft.com/office/drawing/2010/main" xmlns:ma14="http://schemas.microsoft.com/office/mac/drawingml/2011/main" val="1"/>
+              <ma14:wrappingTextBoxFlag xmlns:ma14="http://schemas.microsoft.com/office/mac/drawingml/2011/main" xmlns:a14="http://schemas.microsoft.com/office/drawing/2010/main" xmlns:m="http://schemas.openxmlformats.org/officeDocument/2006/math" xmlns="" val="1"/>
             </a:ext>
           </a:extLst>
         </p:spPr>
@@ -19917,7 +19917,7 @@
             <a:effectLst/>
             <a:extLst>
               <a:ext uri="{C572A759-6A51-4108-AA02-DFA0A04FC94B}">
-                <ma14:wrappingTextBoxFlag xmlns="" xmlns:m="http://schemas.openxmlformats.org/officeDocument/2006/math" xmlns:a14="http://schemas.microsoft.com/office/drawing/2010/main" xmlns:ma14="http://schemas.microsoft.com/office/mac/drawingml/2011/main" val="1"/>
+                <ma14:wrappingTextBoxFlag xmlns:ma14="http://schemas.microsoft.com/office/mac/drawingml/2011/main" xmlns:a14="http://schemas.microsoft.com/office/drawing/2010/main" xmlns:m="http://schemas.openxmlformats.org/officeDocument/2006/math" xmlns="" val="1"/>
               </a:ext>
             </a:extLst>
           </p:spPr>
@@ -20790,7 +20790,7 @@
           </a:ln>
           <a:extLst>
             <a:ext uri="{C572A759-6A51-4108-AA02-DFA0A04FC94B}">
-              <ma14:wrappingTextBoxFlag xmlns="" xmlns:m="http://schemas.openxmlformats.org/officeDocument/2006/math" xmlns:a14="http://schemas.microsoft.com/office/drawing/2010/main" xmlns:ma14="http://schemas.microsoft.com/office/mac/drawingml/2011/main" val="1"/>
+              <ma14:wrappingTextBoxFlag xmlns:ma14="http://schemas.microsoft.com/office/mac/drawingml/2011/main" xmlns:a14="http://schemas.microsoft.com/office/drawing/2010/main" xmlns:m="http://schemas.openxmlformats.org/officeDocument/2006/math" xmlns="" val="1"/>
             </a:ext>
           </a:extLst>
         </p:spPr>
@@ -20825,7 +20825,7 @@
           </a:ln>
           <a:extLst>
             <a:ext uri="{C572A759-6A51-4108-AA02-DFA0A04FC94B}">
-              <ma14:wrappingTextBoxFlag xmlns="" xmlns:m="http://schemas.openxmlformats.org/officeDocument/2006/math" xmlns:a14="http://schemas.microsoft.com/office/drawing/2010/main" xmlns:ma14="http://schemas.microsoft.com/office/mac/drawingml/2011/main" val="1"/>
+              <ma14:wrappingTextBoxFlag xmlns:ma14="http://schemas.microsoft.com/office/mac/drawingml/2011/main" xmlns:a14="http://schemas.microsoft.com/office/drawing/2010/main" xmlns:m="http://schemas.openxmlformats.org/officeDocument/2006/math" xmlns="" val="1"/>
             </a:ext>
           </a:extLst>
         </p:spPr>
@@ -20905,7 +20905,7 @@
           </a:ln>
           <a:extLst>
             <a:ext uri="{C572A759-6A51-4108-AA02-DFA0A04FC94B}">
-              <ma14:wrappingTextBoxFlag xmlns="" xmlns:m="http://schemas.openxmlformats.org/officeDocument/2006/math" xmlns:a14="http://schemas.microsoft.com/office/drawing/2010/main" xmlns:ma14="http://schemas.microsoft.com/office/mac/drawingml/2011/main" val="1"/>
+              <ma14:wrappingTextBoxFlag xmlns:ma14="http://schemas.microsoft.com/office/mac/drawingml/2011/main" xmlns:a14="http://schemas.microsoft.com/office/drawing/2010/main" xmlns:m="http://schemas.openxmlformats.org/officeDocument/2006/math" xmlns="" val="1"/>
             </a:ext>
           </a:extLst>
         </p:spPr>
@@ -20940,7 +20940,7 @@
           </a:ln>
           <a:extLst>
             <a:ext uri="{C572A759-6A51-4108-AA02-DFA0A04FC94B}">
-              <ma14:wrappingTextBoxFlag xmlns="" xmlns:m="http://schemas.openxmlformats.org/officeDocument/2006/math" xmlns:a14="http://schemas.microsoft.com/office/drawing/2010/main" xmlns:ma14="http://schemas.microsoft.com/office/mac/drawingml/2011/main" val="1"/>
+              <ma14:wrappingTextBoxFlag xmlns:ma14="http://schemas.microsoft.com/office/mac/drawingml/2011/main" xmlns:a14="http://schemas.microsoft.com/office/drawing/2010/main" xmlns:m="http://schemas.openxmlformats.org/officeDocument/2006/math" xmlns="" val="1"/>
             </a:ext>
           </a:extLst>
         </p:spPr>
@@ -21019,7 +21019,7 @@
           </a:ln>
           <a:extLst>
             <a:ext uri="{C572A759-6A51-4108-AA02-DFA0A04FC94B}">
-              <ma14:wrappingTextBoxFlag xmlns="" xmlns:m="http://schemas.openxmlformats.org/officeDocument/2006/math" xmlns:a14="http://schemas.microsoft.com/office/drawing/2010/main" xmlns:ma14="http://schemas.microsoft.com/office/mac/drawingml/2011/main" val="1"/>
+              <ma14:wrappingTextBoxFlag xmlns:ma14="http://schemas.microsoft.com/office/mac/drawingml/2011/main" xmlns:a14="http://schemas.microsoft.com/office/drawing/2010/main" xmlns:m="http://schemas.openxmlformats.org/officeDocument/2006/math" xmlns="" val="1"/>
             </a:ext>
           </a:extLst>
         </p:spPr>
@@ -21054,7 +21054,7 @@
           </a:ln>
           <a:extLst>
             <a:ext uri="{C572A759-6A51-4108-AA02-DFA0A04FC94B}">
-              <ma14:wrappingTextBoxFlag xmlns="" xmlns:m="http://schemas.openxmlformats.org/officeDocument/2006/math" xmlns:a14="http://schemas.microsoft.com/office/drawing/2010/main" xmlns:ma14="http://schemas.microsoft.com/office/mac/drawingml/2011/main" val="1"/>
+              <ma14:wrappingTextBoxFlag xmlns:ma14="http://schemas.microsoft.com/office/mac/drawingml/2011/main" xmlns:a14="http://schemas.microsoft.com/office/drawing/2010/main" xmlns:m="http://schemas.openxmlformats.org/officeDocument/2006/math" xmlns="" val="1"/>
             </a:ext>
           </a:extLst>
         </p:spPr>
@@ -21133,7 +21133,7 @@
           </a:ln>
           <a:extLst>
             <a:ext uri="{C572A759-6A51-4108-AA02-DFA0A04FC94B}">
-              <ma14:wrappingTextBoxFlag xmlns="" xmlns:m="http://schemas.openxmlformats.org/officeDocument/2006/math" xmlns:a14="http://schemas.microsoft.com/office/drawing/2010/main" xmlns:ma14="http://schemas.microsoft.com/office/mac/drawingml/2011/main" val="1"/>
+              <ma14:wrappingTextBoxFlag xmlns:ma14="http://schemas.microsoft.com/office/mac/drawingml/2011/main" xmlns:a14="http://schemas.microsoft.com/office/drawing/2010/main" xmlns:m="http://schemas.openxmlformats.org/officeDocument/2006/math" xmlns="" val="1"/>
             </a:ext>
           </a:extLst>
         </p:spPr>
@@ -21168,7 +21168,7 @@
           </a:ln>
           <a:extLst>
             <a:ext uri="{C572A759-6A51-4108-AA02-DFA0A04FC94B}">
-              <ma14:wrappingTextBoxFlag xmlns="" xmlns:m="http://schemas.openxmlformats.org/officeDocument/2006/math" xmlns:a14="http://schemas.microsoft.com/office/drawing/2010/main" xmlns:ma14="http://schemas.microsoft.com/office/mac/drawingml/2011/main" val="1"/>
+              <ma14:wrappingTextBoxFlag xmlns:ma14="http://schemas.microsoft.com/office/mac/drawingml/2011/main" xmlns:a14="http://schemas.microsoft.com/office/drawing/2010/main" xmlns:m="http://schemas.openxmlformats.org/officeDocument/2006/math" xmlns="" val="1"/>
             </a:ext>
           </a:extLst>
         </p:spPr>
@@ -21301,7 +21301,7 @@
             <a:effectLst/>
             <a:extLst>
               <a:ext uri="{C572A759-6A51-4108-AA02-DFA0A04FC94B}">
-                <ma14:wrappingTextBoxFlag xmlns="" xmlns:m="http://schemas.openxmlformats.org/officeDocument/2006/math" xmlns:a14="http://schemas.microsoft.com/office/drawing/2010/main" xmlns:ma14="http://schemas.microsoft.com/office/mac/drawingml/2011/main" val="1"/>
+                <ma14:wrappingTextBoxFlag xmlns:ma14="http://schemas.microsoft.com/office/mac/drawingml/2011/main" xmlns:a14="http://schemas.microsoft.com/office/drawing/2010/main" xmlns:m="http://schemas.openxmlformats.org/officeDocument/2006/math" xmlns="" val="1"/>
               </a:ext>
             </a:extLst>
           </p:spPr>
@@ -21397,7 +21397,7 @@
             <a:effectLst/>
             <a:extLst>
               <a:ext uri="{C572A759-6A51-4108-AA02-DFA0A04FC94B}">
-                <ma14:wrappingTextBoxFlag xmlns="" xmlns:m="http://schemas.openxmlformats.org/officeDocument/2006/math" xmlns:a14="http://schemas.microsoft.com/office/drawing/2010/main" xmlns:ma14="http://schemas.microsoft.com/office/mac/drawingml/2011/main" val="1"/>
+                <ma14:wrappingTextBoxFlag xmlns:ma14="http://schemas.microsoft.com/office/mac/drawingml/2011/main" xmlns:a14="http://schemas.microsoft.com/office/drawing/2010/main" xmlns:m="http://schemas.openxmlformats.org/officeDocument/2006/math" xmlns="" val="1"/>
               </a:ext>
             </a:extLst>
           </p:spPr>
@@ -21753,7 +21753,7 @@
             <a:effectLst/>
             <a:extLst>
               <a:ext uri="{C572A759-6A51-4108-AA02-DFA0A04FC94B}">
-                <ma14:wrappingTextBoxFlag xmlns="" xmlns:m="http://schemas.openxmlformats.org/officeDocument/2006/math" xmlns:a14="http://schemas.microsoft.com/office/drawing/2010/main" xmlns:ma14="http://schemas.microsoft.com/office/mac/drawingml/2011/main" val="1"/>
+                <ma14:wrappingTextBoxFlag xmlns:ma14="http://schemas.microsoft.com/office/mac/drawingml/2011/main" xmlns:a14="http://schemas.microsoft.com/office/drawing/2010/main" xmlns:m="http://schemas.openxmlformats.org/officeDocument/2006/math" xmlns="" val="1"/>
               </a:ext>
             </a:extLst>
           </p:spPr>
@@ -21857,7 +21857,7 @@
             <a:effectLst/>
             <a:extLst>
               <a:ext uri="{C572A759-6A51-4108-AA02-DFA0A04FC94B}">
-                <ma14:wrappingTextBoxFlag xmlns="" xmlns:m="http://schemas.openxmlformats.org/officeDocument/2006/math" xmlns:a14="http://schemas.microsoft.com/office/drawing/2010/main" xmlns:ma14="http://schemas.microsoft.com/office/mac/drawingml/2011/main" val="1"/>
+                <ma14:wrappingTextBoxFlag xmlns:ma14="http://schemas.microsoft.com/office/mac/drawingml/2011/main" xmlns:a14="http://schemas.microsoft.com/office/drawing/2010/main" xmlns:m="http://schemas.openxmlformats.org/officeDocument/2006/math" xmlns="" val="1"/>
               </a:ext>
             </a:extLst>
           </p:spPr>
@@ -21961,7 +21961,7 @@
             <a:effectLst/>
             <a:extLst>
               <a:ext uri="{C572A759-6A51-4108-AA02-DFA0A04FC94B}">
-                <ma14:wrappingTextBoxFlag xmlns="" xmlns:m="http://schemas.openxmlformats.org/officeDocument/2006/math" xmlns:a14="http://schemas.microsoft.com/office/drawing/2010/main" xmlns:ma14="http://schemas.microsoft.com/office/mac/drawingml/2011/main" val="1"/>
+                <ma14:wrappingTextBoxFlag xmlns:ma14="http://schemas.microsoft.com/office/mac/drawingml/2011/main" xmlns:a14="http://schemas.microsoft.com/office/drawing/2010/main" xmlns:m="http://schemas.openxmlformats.org/officeDocument/2006/math" xmlns="" val="1"/>
               </a:ext>
             </a:extLst>
           </p:spPr>
@@ -23582,7 +23582,7 @@
           </a:ln>
           <a:extLst>
             <a:ext uri="{C572A759-6A51-4108-AA02-DFA0A04FC94B}">
-              <ma14:wrappingTextBoxFlag xmlns="" xmlns:m="http://schemas.openxmlformats.org/officeDocument/2006/math" xmlns:a14="http://schemas.microsoft.com/office/drawing/2010/main" xmlns:ma14="http://schemas.microsoft.com/office/mac/drawingml/2011/main" val="1"/>
+              <ma14:wrappingTextBoxFlag xmlns:ma14="http://schemas.microsoft.com/office/mac/drawingml/2011/main" xmlns:a14="http://schemas.microsoft.com/office/drawing/2010/main" xmlns:m="http://schemas.openxmlformats.org/officeDocument/2006/math" xmlns="" val="1"/>
             </a:ext>
           </a:extLst>
         </p:spPr>
@@ -24738,7 +24738,7 @@
           </a:ln>
           <a:extLst>
             <a:ext uri="{C572A759-6A51-4108-AA02-DFA0A04FC94B}">
-              <ma14:wrappingTextBoxFlag xmlns="" xmlns:m="http://schemas.openxmlformats.org/officeDocument/2006/math" xmlns:a14="http://schemas.microsoft.com/office/drawing/2010/main" xmlns:ma14="http://schemas.microsoft.com/office/mac/drawingml/2011/main" val="1"/>
+              <ma14:wrappingTextBoxFlag xmlns:ma14="http://schemas.microsoft.com/office/mac/drawingml/2011/main" xmlns:a14="http://schemas.microsoft.com/office/drawing/2010/main" xmlns:m="http://schemas.openxmlformats.org/officeDocument/2006/math" xmlns="" val="1"/>
             </a:ext>
           </a:extLst>
         </p:spPr>
@@ -25932,7 +25932,7 @@
             <a:effectLst/>
             <a:extLst>
               <a:ext uri="{C572A759-6A51-4108-AA02-DFA0A04FC94B}">
-                <ma14:wrappingTextBoxFlag xmlns="" xmlns:m="http://schemas.openxmlformats.org/officeDocument/2006/math" xmlns:a14="http://schemas.microsoft.com/office/drawing/2010/main" xmlns:ma14="http://schemas.microsoft.com/office/mac/drawingml/2011/main" val="1"/>
+                <ma14:wrappingTextBoxFlag xmlns:ma14="http://schemas.microsoft.com/office/mac/drawingml/2011/main" xmlns:a14="http://schemas.microsoft.com/office/drawing/2010/main" xmlns:m="http://schemas.openxmlformats.org/officeDocument/2006/math" xmlns="" val="1"/>
               </a:ext>
             </a:extLst>
           </p:spPr>
@@ -26032,7 +26032,7 @@
             <a:effectLst/>
             <a:extLst>
               <a:ext uri="{C572A759-6A51-4108-AA02-DFA0A04FC94B}">
-                <ma14:wrappingTextBoxFlag xmlns="" xmlns:m="http://schemas.openxmlformats.org/officeDocument/2006/math" xmlns:a14="http://schemas.microsoft.com/office/drawing/2010/main" xmlns:ma14="http://schemas.microsoft.com/office/mac/drawingml/2011/main" val="1"/>
+                <ma14:wrappingTextBoxFlag xmlns:ma14="http://schemas.microsoft.com/office/mac/drawingml/2011/main" xmlns:a14="http://schemas.microsoft.com/office/drawing/2010/main" xmlns:m="http://schemas.openxmlformats.org/officeDocument/2006/math" xmlns="" val="1"/>
               </a:ext>
             </a:extLst>
           </p:spPr>
@@ -27409,7 +27409,7 @@
           </a:ln>
           <a:extLst>
             <a:ext uri="{C572A759-6A51-4108-AA02-DFA0A04FC94B}">
-              <ma14:wrappingTextBoxFlag xmlns="" xmlns:m="http://schemas.openxmlformats.org/officeDocument/2006/math" xmlns:a14="http://schemas.microsoft.com/office/drawing/2010/main" xmlns:ma14="http://schemas.microsoft.com/office/mac/drawingml/2011/main" val="1"/>
+              <ma14:wrappingTextBoxFlag xmlns:ma14="http://schemas.microsoft.com/office/mac/drawingml/2011/main" xmlns:a14="http://schemas.microsoft.com/office/drawing/2010/main" xmlns:m="http://schemas.openxmlformats.org/officeDocument/2006/math" xmlns="" val="1"/>
             </a:ext>
           </a:extLst>
         </p:spPr>
@@ -27449,7 +27449,7 @@
           </a:ln>
           <a:extLst>
             <a:ext uri="{C572A759-6A51-4108-AA02-DFA0A04FC94B}">
-              <ma14:wrappingTextBoxFlag xmlns="" xmlns:m="http://schemas.openxmlformats.org/officeDocument/2006/math" xmlns:a14="http://schemas.microsoft.com/office/drawing/2010/main" xmlns:ma14="http://schemas.microsoft.com/office/mac/drawingml/2011/main" val="1"/>
+              <ma14:wrappingTextBoxFlag xmlns:ma14="http://schemas.microsoft.com/office/mac/drawingml/2011/main" xmlns:a14="http://schemas.microsoft.com/office/drawing/2010/main" xmlns:m="http://schemas.openxmlformats.org/officeDocument/2006/math" xmlns="" val="1"/>
             </a:ext>
           </a:extLst>
         </p:spPr>
@@ -27495,7 +27495,7 @@
           </a:ln>
           <a:extLst>
             <a:ext uri="{C572A759-6A51-4108-AA02-DFA0A04FC94B}">
-              <ma14:wrappingTextBoxFlag xmlns="" xmlns:m="http://schemas.openxmlformats.org/officeDocument/2006/math" xmlns:a14="http://schemas.microsoft.com/office/drawing/2010/main" xmlns:ma14="http://schemas.microsoft.com/office/mac/drawingml/2011/main" val="1"/>
+              <ma14:wrappingTextBoxFlag xmlns:ma14="http://schemas.microsoft.com/office/mac/drawingml/2011/main" xmlns:a14="http://schemas.microsoft.com/office/drawing/2010/main" xmlns:m="http://schemas.openxmlformats.org/officeDocument/2006/math" xmlns="" val="1"/>
             </a:ext>
           </a:extLst>
         </p:spPr>
@@ -27537,7 +27537,7 @@
           </a:ln>
           <a:extLst>
             <a:ext uri="{C572A759-6A51-4108-AA02-DFA0A04FC94B}">
-              <ma14:wrappingTextBoxFlag xmlns="" xmlns:m="http://schemas.openxmlformats.org/officeDocument/2006/math" xmlns:a14="http://schemas.microsoft.com/office/drawing/2010/main" xmlns:ma14="http://schemas.microsoft.com/office/mac/drawingml/2011/main" val="1"/>
+              <ma14:wrappingTextBoxFlag xmlns:ma14="http://schemas.microsoft.com/office/mac/drawingml/2011/main" xmlns:a14="http://schemas.microsoft.com/office/drawing/2010/main" xmlns:m="http://schemas.openxmlformats.org/officeDocument/2006/math" xmlns="" val="1"/>
             </a:ext>
           </a:extLst>
         </p:spPr>
@@ -27588,7 +27588,7 @@
           </a:ln>
           <a:extLst>
             <a:ext uri="{C572A759-6A51-4108-AA02-DFA0A04FC94B}">
-              <ma14:wrappingTextBoxFlag xmlns="" xmlns:m="http://schemas.openxmlformats.org/officeDocument/2006/math" xmlns:a14="http://schemas.microsoft.com/office/drawing/2010/main" xmlns:ma14="http://schemas.microsoft.com/office/mac/drawingml/2011/main" val="1"/>
+              <ma14:wrappingTextBoxFlag xmlns:ma14="http://schemas.microsoft.com/office/mac/drawingml/2011/main" xmlns:a14="http://schemas.microsoft.com/office/drawing/2010/main" xmlns:m="http://schemas.openxmlformats.org/officeDocument/2006/math" xmlns="" val="1"/>
             </a:ext>
           </a:extLst>
         </p:spPr>
@@ -27631,7 +27631,7 @@
           </a:ln>
           <a:extLst>
             <a:ext uri="{C572A759-6A51-4108-AA02-DFA0A04FC94B}">
-              <ma14:wrappingTextBoxFlag xmlns="" xmlns:m="http://schemas.openxmlformats.org/officeDocument/2006/math" xmlns:a14="http://schemas.microsoft.com/office/drawing/2010/main" xmlns:ma14="http://schemas.microsoft.com/office/mac/drawingml/2011/main" val="1"/>
+              <ma14:wrappingTextBoxFlag xmlns:ma14="http://schemas.microsoft.com/office/mac/drawingml/2011/main" xmlns:a14="http://schemas.microsoft.com/office/drawing/2010/main" xmlns:m="http://schemas.openxmlformats.org/officeDocument/2006/math" xmlns="" val="1"/>
             </a:ext>
           </a:extLst>
         </p:spPr>
@@ -27681,7 +27681,7 @@
           </a:ln>
           <a:extLst>
             <a:ext uri="{C572A759-6A51-4108-AA02-DFA0A04FC94B}">
-              <ma14:wrappingTextBoxFlag xmlns="" xmlns:m="http://schemas.openxmlformats.org/officeDocument/2006/math" xmlns:a14="http://schemas.microsoft.com/office/drawing/2010/main" xmlns:ma14="http://schemas.microsoft.com/office/mac/drawingml/2011/main" val="1"/>
+              <ma14:wrappingTextBoxFlag xmlns:ma14="http://schemas.microsoft.com/office/mac/drawingml/2011/main" xmlns:a14="http://schemas.microsoft.com/office/drawing/2010/main" xmlns:m="http://schemas.openxmlformats.org/officeDocument/2006/math" xmlns="" val="1"/>
             </a:ext>
           </a:extLst>
         </p:spPr>
@@ -27727,7 +27727,7 @@
           </a:ln>
           <a:extLst>
             <a:ext uri="{C572A759-6A51-4108-AA02-DFA0A04FC94B}">
-              <ma14:wrappingTextBoxFlag xmlns="" xmlns:m="http://schemas.openxmlformats.org/officeDocument/2006/math" xmlns:a14="http://schemas.microsoft.com/office/drawing/2010/main" xmlns:ma14="http://schemas.microsoft.com/office/mac/drawingml/2011/main" val="1"/>
+              <ma14:wrappingTextBoxFlag xmlns:ma14="http://schemas.microsoft.com/office/mac/drawingml/2011/main" xmlns:a14="http://schemas.microsoft.com/office/drawing/2010/main" xmlns:m="http://schemas.openxmlformats.org/officeDocument/2006/math" xmlns="" val="1"/>
             </a:ext>
           </a:extLst>
         </p:spPr>
@@ -27767,7 +27767,7 @@
           </a:ln>
           <a:extLst>
             <a:ext uri="{C572A759-6A51-4108-AA02-DFA0A04FC94B}">
-              <ma14:wrappingTextBoxFlag xmlns="" xmlns:m="http://schemas.openxmlformats.org/officeDocument/2006/math" xmlns:a14="http://schemas.microsoft.com/office/drawing/2010/main" xmlns:ma14="http://schemas.microsoft.com/office/mac/drawingml/2011/main" val="1"/>
+              <ma14:wrappingTextBoxFlag xmlns:ma14="http://schemas.microsoft.com/office/mac/drawingml/2011/main" xmlns:a14="http://schemas.microsoft.com/office/drawing/2010/main" xmlns:m="http://schemas.openxmlformats.org/officeDocument/2006/math" xmlns="" val="1"/>
             </a:ext>
           </a:extLst>
         </p:spPr>
@@ -27812,7 +27812,7 @@
           </a:ln>
           <a:extLst>
             <a:ext uri="{C572A759-6A51-4108-AA02-DFA0A04FC94B}">
-              <ma14:wrappingTextBoxFlag xmlns="" xmlns:m="http://schemas.openxmlformats.org/officeDocument/2006/math" xmlns:a14="http://schemas.microsoft.com/office/drawing/2010/main" xmlns:ma14="http://schemas.microsoft.com/office/mac/drawingml/2011/main" val="1"/>
+              <ma14:wrappingTextBoxFlag xmlns:ma14="http://schemas.microsoft.com/office/mac/drawingml/2011/main" xmlns:a14="http://schemas.microsoft.com/office/drawing/2010/main" xmlns:m="http://schemas.openxmlformats.org/officeDocument/2006/math" xmlns="" val="1"/>
             </a:ext>
           </a:extLst>
         </p:spPr>
@@ -28125,7 +28125,7 @@
             <a:effectLst/>
             <a:extLst>
               <a:ext uri="{C572A759-6A51-4108-AA02-DFA0A04FC94B}">
-                <ma14:wrappingTextBoxFlag xmlns="" xmlns:m="http://schemas.openxmlformats.org/officeDocument/2006/math" xmlns:a14="http://schemas.microsoft.com/office/drawing/2010/main" xmlns:ma14="http://schemas.microsoft.com/office/mac/drawingml/2011/main" val="1"/>
+                <ma14:wrappingTextBoxFlag xmlns:ma14="http://schemas.microsoft.com/office/mac/drawingml/2011/main" xmlns:a14="http://schemas.microsoft.com/office/drawing/2010/main" xmlns:m="http://schemas.openxmlformats.org/officeDocument/2006/math" xmlns="" val="1"/>
               </a:ext>
             </a:extLst>
           </p:spPr>
@@ -30047,7 +30047,7 @@
           </a:ln>
           <a:extLst>
             <a:ext uri="{C572A759-6A51-4108-AA02-DFA0A04FC94B}">
-              <ma14:wrappingTextBoxFlag xmlns="" xmlns:m="http://schemas.openxmlformats.org/officeDocument/2006/math" xmlns:a14="http://schemas.microsoft.com/office/drawing/2010/main" xmlns:ma14="http://schemas.microsoft.com/office/mac/drawingml/2011/main" val="1"/>
+              <ma14:wrappingTextBoxFlag xmlns:ma14="http://schemas.microsoft.com/office/mac/drawingml/2011/main" xmlns:a14="http://schemas.microsoft.com/office/drawing/2010/main" xmlns:m="http://schemas.openxmlformats.org/officeDocument/2006/math" xmlns="" val="1"/>
             </a:ext>
           </a:extLst>
         </p:spPr>
@@ -30097,7 +30097,7 @@
           </a:ln>
           <a:extLst>
             <a:ext uri="{C572A759-6A51-4108-AA02-DFA0A04FC94B}">
-              <ma14:wrappingTextBoxFlag xmlns="" xmlns:m="http://schemas.openxmlformats.org/officeDocument/2006/math" xmlns:a14="http://schemas.microsoft.com/office/drawing/2010/main" xmlns:ma14="http://schemas.microsoft.com/office/mac/drawingml/2011/main" val="1"/>
+              <ma14:wrappingTextBoxFlag xmlns:ma14="http://schemas.microsoft.com/office/mac/drawingml/2011/main" xmlns:a14="http://schemas.microsoft.com/office/drawing/2010/main" xmlns:m="http://schemas.openxmlformats.org/officeDocument/2006/math" xmlns="" val="1"/>
             </a:ext>
           </a:extLst>
         </p:spPr>
@@ -30137,7 +30137,7 @@
           </a:ln>
           <a:extLst>
             <a:ext uri="{C572A759-6A51-4108-AA02-DFA0A04FC94B}">
-              <ma14:wrappingTextBoxFlag xmlns="" xmlns:m="http://schemas.openxmlformats.org/officeDocument/2006/math" xmlns:a14="http://schemas.microsoft.com/office/drawing/2010/main" xmlns:ma14="http://schemas.microsoft.com/office/mac/drawingml/2011/main" val="1"/>
+              <ma14:wrappingTextBoxFlag xmlns:ma14="http://schemas.microsoft.com/office/mac/drawingml/2011/main" xmlns:a14="http://schemas.microsoft.com/office/drawing/2010/main" xmlns:m="http://schemas.openxmlformats.org/officeDocument/2006/math" xmlns="" val="1"/>
             </a:ext>
           </a:extLst>
         </p:spPr>
@@ -30183,7 +30183,7 @@
           </a:ln>
           <a:extLst>
             <a:ext uri="{C572A759-6A51-4108-AA02-DFA0A04FC94B}">
-              <ma14:wrappingTextBoxFlag xmlns="" xmlns:m="http://schemas.openxmlformats.org/officeDocument/2006/math" xmlns:a14="http://schemas.microsoft.com/office/drawing/2010/main" xmlns:ma14="http://schemas.microsoft.com/office/mac/drawingml/2011/main" val="1"/>
+              <ma14:wrappingTextBoxFlag xmlns:ma14="http://schemas.microsoft.com/office/mac/drawingml/2011/main" xmlns:a14="http://schemas.microsoft.com/office/drawing/2010/main" xmlns:m="http://schemas.openxmlformats.org/officeDocument/2006/math" xmlns="" val="1"/>
             </a:ext>
           </a:extLst>
         </p:spPr>
@@ -30233,7 +30233,7 @@
           </a:ln>
           <a:extLst>
             <a:ext uri="{C572A759-6A51-4108-AA02-DFA0A04FC94B}">
-              <ma14:wrappingTextBoxFlag xmlns="" xmlns:m="http://schemas.openxmlformats.org/officeDocument/2006/math" xmlns:a14="http://schemas.microsoft.com/office/drawing/2010/main" xmlns:ma14="http://schemas.microsoft.com/office/mac/drawingml/2011/main" val="1"/>
+              <ma14:wrappingTextBoxFlag xmlns:ma14="http://schemas.microsoft.com/office/mac/drawingml/2011/main" xmlns:a14="http://schemas.microsoft.com/office/drawing/2010/main" xmlns:m="http://schemas.openxmlformats.org/officeDocument/2006/math" xmlns="" val="1"/>
             </a:ext>
           </a:extLst>
         </p:spPr>
@@ -30310,7 +30310,7 @@
           </a:ln>
           <a:extLst>
             <a:ext uri="{C572A759-6A51-4108-AA02-DFA0A04FC94B}">
-              <ma14:wrappingTextBoxFlag xmlns="" xmlns:m="http://schemas.openxmlformats.org/officeDocument/2006/math" xmlns:a14="http://schemas.microsoft.com/office/drawing/2010/main" xmlns:ma14="http://schemas.microsoft.com/office/mac/drawingml/2011/main" val="1"/>
+              <ma14:wrappingTextBoxFlag xmlns:ma14="http://schemas.microsoft.com/office/mac/drawingml/2011/main" xmlns:a14="http://schemas.microsoft.com/office/drawing/2010/main" xmlns:m="http://schemas.openxmlformats.org/officeDocument/2006/math" xmlns="" val="1"/>
             </a:ext>
           </a:extLst>
         </p:spPr>
@@ -30355,7 +30355,7 @@
           </a:ln>
           <a:extLst>
             <a:ext uri="{C572A759-6A51-4108-AA02-DFA0A04FC94B}">
-              <ma14:wrappingTextBoxFlag xmlns="" xmlns:m="http://schemas.openxmlformats.org/officeDocument/2006/math" xmlns:a14="http://schemas.microsoft.com/office/drawing/2010/main" xmlns:ma14="http://schemas.microsoft.com/office/mac/drawingml/2011/main" val="1"/>
+              <ma14:wrappingTextBoxFlag xmlns:ma14="http://schemas.microsoft.com/office/mac/drawingml/2011/main" xmlns:a14="http://schemas.microsoft.com/office/drawing/2010/main" xmlns:m="http://schemas.openxmlformats.org/officeDocument/2006/math" xmlns="" val="1"/>
             </a:ext>
           </a:extLst>
         </p:spPr>
@@ -30400,7 +30400,7 @@
           </a:ln>
           <a:extLst>
             <a:ext uri="{C572A759-6A51-4108-AA02-DFA0A04FC94B}">
-              <ma14:wrappingTextBoxFlag xmlns="" xmlns:m="http://schemas.openxmlformats.org/officeDocument/2006/math" xmlns:a14="http://schemas.microsoft.com/office/drawing/2010/main" xmlns:ma14="http://schemas.microsoft.com/office/mac/drawingml/2011/main" val="1"/>
+              <ma14:wrappingTextBoxFlag xmlns:ma14="http://schemas.microsoft.com/office/mac/drawingml/2011/main" xmlns:a14="http://schemas.microsoft.com/office/drawing/2010/main" xmlns:m="http://schemas.openxmlformats.org/officeDocument/2006/math" xmlns="" val="1"/>
             </a:ext>
           </a:extLst>
         </p:spPr>
@@ -32356,7 +32356,7 @@
           </a:ln>
           <a:extLst>
             <a:ext uri="{C572A759-6A51-4108-AA02-DFA0A04FC94B}">
-              <ma14:wrappingTextBoxFlag xmlns="" xmlns:m="http://schemas.openxmlformats.org/officeDocument/2006/math" xmlns:a14="http://schemas.microsoft.com/office/drawing/2010/main" xmlns:ma14="http://schemas.microsoft.com/office/mac/drawingml/2011/main" val="1"/>
+              <ma14:wrappingTextBoxFlag xmlns:ma14="http://schemas.microsoft.com/office/mac/drawingml/2011/main" xmlns:a14="http://schemas.microsoft.com/office/drawing/2010/main" xmlns:m="http://schemas.openxmlformats.org/officeDocument/2006/math" xmlns="" val="1"/>
             </a:ext>
           </a:extLst>
         </p:spPr>
@@ -32451,7 +32451,7 @@
             <a:effectLst/>
             <a:extLst>
               <a:ext uri="{C572A759-6A51-4108-AA02-DFA0A04FC94B}">
-                <ma14:wrappingTextBoxFlag xmlns="" xmlns:m="http://schemas.openxmlformats.org/officeDocument/2006/math" xmlns:a14="http://schemas.microsoft.com/office/drawing/2010/main" xmlns:ma14="http://schemas.microsoft.com/office/mac/drawingml/2011/main" val="1"/>
+                <ma14:wrappingTextBoxFlag xmlns:ma14="http://schemas.microsoft.com/office/mac/drawingml/2011/main" xmlns:a14="http://schemas.microsoft.com/office/drawing/2010/main" xmlns:m="http://schemas.openxmlformats.org/officeDocument/2006/math" xmlns="" val="1"/>
               </a:ext>
             </a:extLst>
           </p:spPr>
@@ -32547,7 +32547,7 @@
             <a:effectLst/>
             <a:extLst>
               <a:ext uri="{C572A759-6A51-4108-AA02-DFA0A04FC94B}">
-                <ma14:wrappingTextBoxFlag xmlns="" xmlns:m="http://schemas.openxmlformats.org/officeDocument/2006/math" xmlns:a14="http://schemas.microsoft.com/office/drawing/2010/main" xmlns:ma14="http://schemas.microsoft.com/office/mac/drawingml/2011/main" val="1"/>
+                <ma14:wrappingTextBoxFlag xmlns:ma14="http://schemas.microsoft.com/office/mac/drawingml/2011/main" xmlns:a14="http://schemas.microsoft.com/office/drawing/2010/main" xmlns:m="http://schemas.openxmlformats.org/officeDocument/2006/math" xmlns="" val="1"/>
               </a:ext>
             </a:extLst>
           </p:spPr>
@@ -32643,7 +32643,7 @@
             <a:effectLst/>
             <a:extLst>
               <a:ext uri="{C572A759-6A51-4108-AA02-DFA0A04FC94B}">
-                <ma14:wrappingTextBoxFlag xmlns="" xmlns:m="http://schemas.openxmlformats.org/officeDocument/2006/math" xmlns:a14="http://schemas.microsoft.com/office/drawing/2010/main" xmlns:ma14="http://schemas.microsoft.com/office/mac/drawingml/2011/main" val="1"/>
+                <ma14:wrappingTextBoxFlag xmlns:ma14="http://schemas.microsoft.com/office/mac/drawingml/2011/main" xmlns:a14="http://schemas.microsoft.com/office/drawing/2010/main" xmlns:m="http://schemas.openxmlformats.org/officeDocument/2006/math" xmlns="" val="1"/>
               </a:ext>
             </a:extLst>
           </p:spPr>
@@ -32739,7 +32739,7 @@
             <a:effectLst/>
             <a:extLst>
               <a:ext uri="{C572A759-6A51-4108-AA02-DFA0A04FC94B}">
-                <ma14:wrappingTextBoxFlag xmlns="" xmlns:m="http://schemas.openxmlformats.org/officeDocument/2006/math" xmlns:a14="http://schemas.microsoft.com/office/drawing/2010/main" xmlns:ma14="http://schemas.microsoft.com/office/mac/drawingml/2011/main" val="1"/>
+                <ma14:wrappingTextBoxFlag xmlns:ma14="http://schemas.microsoft.com/office/mac/drawingml/2011/main" xmlns:a14="http://schemas.microsoft.com/office/drawing/2010/main" xmlns:m="http://schemas.openxmlformats.org/officeDocument/2006/math" xmlns="" val="1"/>
               </a:ext>
             </a:extLst>
           </p:spPr>
@@ -32835,7 +32835,7 @@
             <a:effectLst/>
             <a:extLst>
               <a:ext uri="{C572A759-6A51-4108-AA02-DFA0A04FC94B}">
-                <ma14:wrappingTextBoxFlag xmlns="" xmlns:m="http://schemas.openxmlformats.org/officeDocument/2006/math" xmlns:a14="http://schemas.microsoft.com/office/drawing/2010/main" xmlns:ma14="http://schemas.microsoft.com/office/mac/drawingml/2011/main" val="1"/>
+                <ma14:wrappingTextBoxFlag xmlns:ma14="http://schemas.microsoft.com/office/mac/drawingml/2011/main" xmlns:a14="http://schemas.microsoft.com/office/drawing/2010/main" xmlns:m="http://schemas.openxmlformats.org/officeDocument/2006/math" xmlns="" val="1"/>
               </a:ext>
             </a:extLst>
           </p:spPr>
@@ -32931,7 +32931,7 @@
             <a:effectLst/>
             <a:extLst>
               <a:ext uri="{C572A759-6A51-4108-AA02-DFA0A04FC94B}">
-                <ma14:wrappingTextBoxFlag xmlns="" xmlns:m="http://schemas.openxmlformats.org/officeDocument/2006/math" xmlns:a14="http://schemas.microsoft.com/office/drawing/2010/main" xmlns:ma14="http://schemas.microsoft.com/office/mac/drawingml/2011/main" val="1"/>
+                <ma14:wrappingTextBoxFlag xmlns:ma14="http://schemas.microsoft.com/office/mac/drawingml/2011/main" xmlns:a14="http://schemas.microsoft.com/office/drawing/2010/main" xmlns:m="http://schemas.openxmlformats.org/officeDocument/2006/math" xmlns="" val="1"/>
               </a:ext>
             </a:extLst>
           </p:spPr>
@@ -33222,7 +33222,7 @@
             <a:effectLst/>
             <a:extLst>
               <a:ext uri="{C572A759-6A51-4108-AA02-DFA0A04FC94B}">
-                <ma14:wrappingTextBoxFlag xmlns="" xmlns:m="http://schemas.openxmlformats.org/officeDocument/2006/math" xmlns:a14="http://schemas.microsoft.com/office/drawing/2010/main" xmlns:ma14="http://schemas.microsoft.com/office/mac/drawingml/2011/main" val="1"/>
+                <ma14:wrappingTextBoxFlag xmlns:ma14="http://schemas.microsoft.com/office/mac/drawingml/2011/main" xmlns:a14="http://schemas.microsoft.com/office/drawing/2010/main" xmlns:m="http://schemas.openxmlformats.org/officeDocument/2006/math" xmlns="" val="1"/>
               </a:ext>
             </a:extLst>
           </p:spPr>
@@ -33318,7 +33318,7 @@
             <a:effectLst/>
             <a:extLst>
               <a:ext uri="{C572A759-6A51-4108-AA02-DFA0A04FC94B}">
-                <ma14:wrappingTextBoxFlag xmlns="" xmlns:m="http://schemas.openxmlformats.org/officeDocument/2006/math" xmlns:a14="http://schemas.microsoft.com/office/drawing/2010/main" xmlns:ma14="http://schemas.microsoft.com/office/mac/drawingml/2011/main" val="1"/>
+                <ma14:wrappingTextBoxFlag xmlns:ma14="http://schemas.microsoft.com/office/mac/drawingml/2011/main" xmlns:a14="http://schemas.microsoft.com/office/drawing/2010/main" xmlns:m="http://schemas.openxmlformats.org/officeDocument/2006/math" xmlns="" val="1"/>
               </a:ext>
             </a:extLst>
           </p:spPr>
@@ -33453,7 +33453,7 @@
             <a:effectLst/>
             <a:extLst>
               <a:ext uri="{C572A759-6A51-4108-AA02-DFA0A04FC94B}">
-                <ma14:wrappingTextBoxFlag xmlns="" xmlns:m="http://schemas.openxmlformats.org/officeDocument/2006/math" xmlns:a14="http://schemas.microsoft.com/office/drawing/2010/main" xmlns:ma14="http://schemas.microsoft.com/office/mac/drawingml/2011/main" val="1"/>
+                <ma14:wrappingTextBoxFlag xmlns:ma14="http://schemas.microsoft.com/office/mac/drawingml/2011/main" xmlns:a14="http://schemas.microsoft.com/office/drawing/2010/main" xmlns:m="http://schemas.openxmlformats.org/officeDocument/2006/math" xmlns="" val="1"/>
               </a:ext>
             </a:extLst>
           </p:spPr>
@@ -33549,7 +33549,7 @@
             <a:effectLst/>
             <a:extLst>
               <a:ext uri="{C572A759-6A51-4108-AA02-DFA0A04FC94B}">
-                <ma14:wrappingTextBoxFlag xmlns="" xmlns:m="http://schemas.openxmlformats.org/officeDocument/2006/math" xmlns:a14="http://schemas.microsoft.com/office/drawing/2010/main" xmlns:ma14="http://schemas.microsoft.com/office/mac/drawingml/2011/main" val="1"/>
+                <ma14:wrappingTextBoxFlag xmlns:ma14="http://schemas.microsoft.com/office/mac/drawingml/2011/main" xmlns:a14="http://schemas.microsoft.com/office/drawing/2010/main" xmlns:m="http://schemas.openxmlformats.org/officeDocument/2006/math" xmlns="" val="1"/>
               </a:ext>
             </a:extLst>
           </p:spPr>
@@ -33645,7 +33645,7 @@
             <a:effectLst/>
             <a:extLst>
               <a:ext uri="{C572A759-6A51-4108-AA02-DFA0A04FC94B}">
-                <ma14:wrappingTextBoxFlag xmlns="" xmlns:m="http://schemas.openxmlformats.org/officeDocument/2006/math" xmlns:a14="http://schemas.microsoft.com/office/drawing/2010/main" xmlns:ma14="http://schemas.microsoft.com/office/mac/drawingml/2011/main" val="1"/>
+                <ma14:wrappingTextBoxFlag xmlns:ma14="http://schemas.microsoft.com/office/mac/drawingml/2011/main" xmlns:a14="http://schemas.microsoft.com/office/drawing/2010/main" xmlns:m="http://schemas.openxmlformats.org/officeDocument/2006/math" xmlns="" val="1"/>
               </a:ext>
             </a:extLst>
           </p:spPr>
@@ -33741,7 +33741,7 @@
             <a:effectLst/>
             <a:extLst>
               <a:ext uri="{C572A759-6A51-4108-AA02-DFA0A04FC94B}">
-                <ma14:wrappingTextBoxFlag xmlns="" xmlns:m="http://schemas.openxmlformats.org/officeDocument/2006/math" xmlns:a14="http://schemas.microsoft.com/office/drawing/2010/main" xmlns:ma14="http://schemas.microsoft.com/office/mac/drawingml/2011/main" val="1"/>
+                <ma14:wrappingTextBoxFlag xmlns:ma14="http://schemas.microsoft.com/office/mac/drawingml/2011/main" xmlns:a14="http://schemas.microsoft.com/office/drawing/2010/main" xmlns:m="http://schemas.openxmlformats.org/officeDocument/2006/math" xmlns="" val="1"/>
               </a:ext>
             </a:extLst>
           </p:spPr>
@@ -33876,7 +33876,7 @@
             <a:effectLst/>
             <a:extLst>
               <a:ext uri="{C572A759-6A51-4108-AA02-DFA0A04FC94B}">
-                <ma14:wrappingTextBoxFlag xmlns="" xmlns:m="http://schemas.openxmlformats.org/officeDocument/2006/math" xmlns:a14="http://schemas.microsoft.com/office/drawing/2010/main" xmlns:ma14="http://schemas.microsoft.com/office/mac/drawingml/2011/main" val="1"/>
+                <ma14:wrappingTextBoxFlag xmlns:ma14="http://schemas.microsoft.com/office/mac/drawingml/2011/main" xmlns:a14="http://schemas.microsoft.com/office/drawing/2010/main" xmlns:m="http://schemas.openxmlformats.org/officeDocument/2006/math" xmlns="" val="1"/>
               </a:ext>
             </a:extLst>
           </p:spPr>
@@ -34011,7 +34011,7 @@
             <a:effectLst/>
             <a:extLst>
               <a:ext uri="{C572A759-6A51-4108-AA02-DFA0A04FC94B}">
-                <ma14:wrappingTextBoxFlag xmlns="" xmlns:m="http://schemas.openxmlformats.org/officeDocument/2006/math" xmlns:a14="http://schemas.microsoft.com/office/drawing/2010/main" xmlns:ma14="http://schemas.microsoft.com/office/mac/drawingml/2011/main" val="1"/>
+                <ma14:wrappingTextBoxFlag xmlns:ma14="http://schemas.microsoft.com/office/mac/drawingml/2011/main" xmlns:a14="http://schemas.microsoft.com/office/drawing/2010/main" xmlns:m="http://schemas.openxmlformats.org/officeDocument/2006/math" xmlns="" val="1"/>
               </a:ext>
             </a:extLst>
           </p:spPr>
@@ -34185,7 +34185,7 @@
             <a:effectLst/>
             <a:extLst>
               <a:ext uri="{C572A759-6A51-4108-AA02-DFA0A04FC94B}">
-                <ma14:wrappingTextBoxFlag xmlns="" xmlns:m="http://schemas.openxmlformats.org/officeDocument/2006/math" xmlns:a14="http://schemas.microsoft.com/office/drawing/2010/main" xmlns:ma14="http://schemas.microsoft.com/office/mac/drawingml/2011/main" val="1"/>
+                <ma14:wrappingTextBoxFlag xmlns:ma14="http://schemas.microsoft.com/office/mac/drawingml/2011/main" xmlns:a14="http://schemas.microsoft.com/office/drawing/2010/main" xmlns:m="http://schemas.openxmlformats.org/officeDocument/2006/math" xmlns="" val="1"/>
               </a:ext>
             </a:extLst>
           </p:spPr>
@@ -34320,7 +34320,7 @@
             <a:effectLst/>
             <a:extLst>
               <a:ext uri="{C572A759-6A51-4108-AA02-DFA0A04FC94B}">
-                <ma14:wrappingTextBoxFlag xmlns="" xmlns:m="http://schemas.openxmlformats.org/officeDocument/2006/math" xmlns:a14="http://schemas.microsoft.com/office/drawing/2010/main" xmlns:ma14="http://schemas.microsoft.com/office/mac/drawingml/2011/main" val="1"/>
+                <ma14:wrappingTextBoxFlag xmlns:ma14="http://schemas.microsoft.com/office/mac/drawingml/2011/main" xmlns:a14="http://schemas.microsoft.com/office/drawing/2010/main" xmlns:m="http://schemas.openxmlformats.org/officeDocument/2006/math" xmlns="" val="1"/>
               </a:ext>
             </a:extLst>
           </p:spPr>
@@ -34416,7 +34416,7 @@
             <a:effectLst/>
             <a:extLst>
               <a:ext uri="{C572A759-6A51-4108-AA02-DFA0A04FC94B}">
-                <ma14:wrappingTextBoxFlag xmlns="" xmlns:m="http://schemas.openxmlformats.org/officeDocument/2006/math" xmlns:a14="http://schemas.microsoft.com/office/drawing/2010/main" xmlns:ma14="http://schemas.microsoft.com/office/mac/drawingml/2011/main" val="1"/>
+                <ma14:wrappingTextBoxFlag xmlns:ma14="http://schemas.microsoft.com/office/mac/drawingml/2011/main" xmlns:a14="http://schemas.microsoft.com/office/drawing/2010/main" xmlns:m="http://schemas.openxmlformats.org/officeDocument/2006/math" xmlns="" val="1"/>
               </a:ext>
             </a:extLst>
           </p:spPr>
@@ -34458,7 +34458,7 @@
           </a:ln>
           <a:extLst>
             <a:ext uri="{C572A759-6A51-4108-AA02-DFA0A04FC94B}">
-              <ma14:wrappingTextBoxFlag xmlns="" xmlns:m="http://schemas.openxmlformats.org/officeDocument/2006/math" xmlns:a14="http://schemas.microsoft.com/office/drawing/2010/main" xmlns:ma14="http://schemas.microsoft.com/office/mac/drawingml/2011/main" val="1"/>
+              <ma14:wrappingTextBoxFlag xmlns:ma14="http://schemas.microsoft.com/office/mac/drawingml/2011/main" xmlns:a14="http://schemas.microsoft.com/office/drawing/2010/main" xmlns:m="http://schemas.openxmlformats.org/officeDocument/2006/math" xmlns="" val="1"/>
             </a:ext>
           </a:extLst>
         </p:spPr>
@@ -34553,7 +34553,7 @@
             <a:effectLst/>
             <a:extLst>
               <a:ext uri="{C572A759-6A51-4108-AA02-DFA0A04FC94B}">
-                <ma14:wrappingTextBoxFlag xmlns="" xmlns:m="http://schemas.openxmlformats.org/officeDocument/2006/math" xmlns:a14="http://schemas.microsoft.com/office/drawing/2010/main" xmlns:ma14="http://schemas.microsoft.com/office/mac/drawingml/2011/main" val="1"/>
+                <ma14:wrappingTextBoxFlag xmlns:ma14="http://schemas.microsoft.com/office/mac/drawingml/2011/main" xmlns:a14="http://schemas.microsoft.com/office/drawing/2010/main" xmlns:m="http://schemas.openxmlformats.org/officeDocument/2006/math" xmlns="" val="1"/>
               </a:ext>
             </a:extLst>
           </p:spPr>
@@ -34688,7 +34688,7 @@
             <a:effectLst/>
             <a:extLst>
               <a:ext uri="{C572A759-6A51-4108-AA02-DFA0A04FC94B}">
-                <ma14:wrappingTextBoxFlag xmlns="" xmlns:m="http://schemas.openxmlformats.org/officeDocument/2006/math" xmlns:a14="http://schemas.microsoft.com/office/drawing/2010/main" xmlns:ma14="http://schemas.microsoft.com/office/mac/drawingml/2011/main" val="1"/>
+                <ma14:wrappingTextBoxFlag xmlns:ma14="http://schemas.microsoft.com/office/mac/drawingml/2011/main" xmlns:a14="http://schemas.microsoft.com/office/drawing/2010/main" xmlns:m="http://schemas.openxmlformats.org/officeDocument/2006/math" xmlns="" val="1"/>
               </a:ext>
             </a:extLst>
           </p:spPr>
@@ -34784,7 +34784,7 @@
             <a:effectLst/>
             <a:extLst>
               <a:ext uri="{C572A759-6A51-4108-AA02-DFA0A04FC94B}">
-                <ma14:wrappingTextBoxFlag xmlns="" xmlns:m="http://schemas.openxmlformats.org/officeDocument/2006/math" xmlns:a14="http://schemas.microsoft.com/office/drawing/2010/main" xmlns:ma14="http://schemas.microsoft.com/office/mac/drawingml/2011/main" val="1"/>
+                <ma14:wrappingTextBoxFlag xmlns:ma14="http://schemas.microsoft.com/office/mac/drawingml/2011/main" xmlns:a14="http://schemas.microsoft.com/office/drawing/2010/main" xmlns:m="http://schemas.openxmlformats.org/officeDocument/2006/math" xmlns="" val="1"/>
               </a:ext>
             </a:extLst>
           </p:spPr>
@@ -34919,7 +34919,7 @@
             <a:effectLst/>
             <a:extLst>
               <a:ext uri="{C572A759-6A51-4108-AA02-DFA0A04FC94B}">
-                <ma14:wrappingTextBoxFlag xmlns="" xmlns:m="http://schemas.openxmlformats.org/officeDocument/2006/math" xmlns:a14="http://schemas.microsoft.com/office/drawing/2010/main" xmlns:ma14="http://schemas.microsoft.com/office/mac/drawingml/2011/main" val="1"/>
+                <ma14:wrappingTextBoxFlag xmlns:ma14="http://schemas.microsoft.com/office/mac/drawingml/2011/main" xmlns:a14="http://schemas.microsoft.com/office/drawing/2010/main" xmlns:m="http://schemas.openxmlformats.org/officeDocument/2006/math" xmlns="" val="1"/>
               </a:ext>
             </a:extLst>
           </p:spPr>
@@ -35015,7 +35015,7 @@
             <a:effectLst/>
             <a:extLst>
               <a:ext uri="{C572A759-6A51-4108-AA02-DFA0A04FC94B}">
-                <ma14:wrappingTextBoxFlag xmlns="" xmlns:m="http://schemas.openxmlformats.org/officeDocument/2006/math" xmlns:a14="http://schemas.microsoft.com/office/drawing/2010/main" xmlns:ma14="http://schemas.microsoft.com/office/mac/drawingml/2011/main" val="1"/>
+                <ma14:wrappingTextBoxFlag xmlns:ma14="http://schemas.microsoft.com/office/mac/drawingml/2011/main" xmlns:a14="http://schemas.microsoft.com/office/drawing/2010/main" xmlns:m="http://schemas.openxmlformats.org/officeDocument/2006/math" xmlns="" val="1"/>
               </a:ext>
             </a:extLst>
           </p:spPr>
@@ -36637,7 +36637,7 @@
           </a:ln>
           <a:extLst>
             <a:ext uri="{C572A759-6A51-4108-AA02-DFA0A04FC94B}">
-              <ma14:wrappingTextBoxFlag xmlns="" xmlns:m="http://schemas.openxmlformats.org/officeDocument/2006/math" xmlns:a14="http://schemas.microsoft.com/office/drawing/2010/main" xmlns:ma14="http://schemas.microsoft.com/office/mac/drawingml/2011/main" val="1"/>
+              <ma14:wrappingTextBoxFlag xmlns:ma14="http://schemas.microsoft.com/office/mac/drawingml/2011/main" xmlns:a14="http://schemas.microsoft.com/office/drawing/2010/main" xmlns:m="http://schemas.openxmlformats.org/officeDocument/2006/math" xmlns="" val="1"/>
             </a:ext>
           </a:extLst>
         </p:spPr>
@@ -36728,7 +36728,7 @@
             <a:effectLst/>
             <a:extLst>
               <a:ext uri="{C572A759-6A51-4108-AA02-DFA0A04FC94B}">
-                <ma14:wrappingTextBoxFlag xmlns="" xmlns:m="http://schemas.openxmlformats.org/officeDocument/2006/math" xmlns:a14="http://schemas.microsoft.com/office/drawing/2010/main" xmlns:ma14="http://schemas.microsoft.com/office/mac/drawingml/2011/main" val="1"/>
+                <ma14:wrappingTextBoxFlag xmlns:ma14="http://schemas.microsoft.com/office/mac/drawingml/2011/main" xmlns:a14="http://schemas.microsoft.com/office/drawing/2010/main" xmlns:m="http://schemas.openxmlformats.org/officeDocument/2006/math" xmlns="" val="1"/>
               </a:ext>
             </a:extLst>
           </p:spPr>
@@ -36824,7 +36824,7 @@
             <a:effectLst/>
             <a:extLst>
               <a:ext uri="{C572A759-6A51-4108-AA02-DFA0A04FC94B}">
-                <ma14:wrappingTextBoxFlag xmlns="" xmlns:m="http://schemas.openxmlformats.org/officeDocument/2006/math" xmlns:a14="http://schemas.microsoft.com/office/drawing/2010/main" xmlns:ma14="http://schemas.microsoft.com/office/mac/drawingml/2011/main" val="1"/>
+                <ma14:wrappingTextBoxFlag xmlns:ma14="http://schemas.microsoft.com/office/mac/drawingml/2011/main" xmlns:a14="http://schemas.microsoft.com/office/drawing/2010/main" xmlns:m="http://schemas.openxmlformats.org/officeDocument/2006/math" xmlns="" val="1"/>
               </a:ext>
             </a:extLst>
           </p:spPr>
@@ -36990,7 +36990,7 @@
             <a:effectLst/>
             <a:extLst>
               <a:ext uri="{C572A759-6A51-4108-AA02-DFA0A04FC94B}">
-                <ma14:wrappingTextBoxFlag xmlns="" xmlns:m="http://schemas.openxmlformats.org/officeDocument/2006/math" xmlns:a14="http://schemas.microsoft.com/office/drawing/2010/main" xmlns:ma14="http://schemas.microsoft.com/office/mac/drawingml/2011/main" val="1"/>
+                <ma14:wrappingTextBoxFlag xmlns:ma14="http://schemas.microsoft.com/office/mac/drawingml/2011/main" xmlns:a14="http://schemas.microsoft.com/office/drawing/2010/main" xmlns:m="http://schemas.openxmlformats.org/officeDocument/2006/math" xmlns="" val="1"/>
               </a:ext>
             </a:extLst>
           </p:spPr>
@@ -37086,7 +37086,7 @@
             <a:effectLst/>
             <a:extLst>
               <a:ext uri="{C572A759-6A51-4108-AA02-DFA0A04FC94B}">
-                <ma14:wrappingTextBoxFlag xmlns="" xmlns:m="http://schemas.openxmlformats.org/officeDocument/2006/math" xmlns:a14="http://schemas.microsoft.com/office/drawing/2010/main" xmlns:ma14="http://schemas.microsoft.com/office/mac/drawingml/2011/main" val="1"/>
+                <ma14:wrappingTextBoxFlag xmlns:ma14="http://schemas.microsoft.com/office/mac/drawingml/2011/main" xmlns:a14="http://schemas.microsoft.com/office/drawing/2010/main" xmlns:m="http://schemas.openxmlformats.org/officeDocument/2006/math" xmlns="" val="1"/>
               </a:ext>
             </a:extLst>
           </p:spPr>
@@ -37245,7 +37245,7 @@
             <a:effectLst/>
             <a:extLst>
               <a:ext uri="{C572A759-6A51-4108-AA02-DFA0A04FC94B}">
-                <ma14:wrappingTextBoxFlag xmlns="" xmlns:m="http://schemas.openxmlformats.org/officeDocument/2006/math" xmlns:a14="http://schemas.microsoft.com/office/drawing/2010/main" xmlns:ma14="http://schemas.microsoft.com/office/mac/drawingml/2011/main" val="1"/>
+                <ma14:wrappingTextBoxFlag xmlns:ma14="http://schemas.microsoft.com/office/mac/drawingml/2011/main" xmlns:a14="http://schemas.microsoft.com/office/drawing/2010/main" xmlns:m="http://schemas.openxmlformats.org/officeDocument/2006/math" xmlns="" val="1"/>
               </a:ext>
             </a:extLst>
           </p:spPr>
@@ -37341,7 +37341,7 @@
             <a:effectLst/>
             <a:extLst>
               <a:ext uri="{C572A759-6A51-4108-AA02-DFA0A04FC94B}">
-                <ma14:wrappingTextBoxFlag xmlns="" xmlns:m="http://schemas.openxmlformats.org/officeDocument/2006/math" xmlns:a14="http://schemas.microsoft.com/office/drawing/2010/main" xmlns:ma14="http://schemas.microsoft.com/office/mac/drawingml/2011/main" val="1"/>
+                <ma14:wrappingTextBoxFlag xmlns:ma14="http://schemas.microsoft.com/office/mac/drawingml/2011/main" xmlns:a14="http://schemas.microsoft.com/office/drawing/2010/main" xmlns:m="http://schemas.openxmlformats.org/officeDocument/2006/math" xmlns="" val="1"/>
               </a:ext>
             </a:extLst>
           </p:spPr>
@@ -37528,7 +37528,7 @@
             <a:effectLst/>
             <a:extLst>
               <a:ext uri="{C572A759-6A51-4108-AA02-DFA0A04FC94B}">
-                <ma14:wrappingTextBoxFlag xmlns="" xmlns:m="http://schemas.openxmlformats.org/officeDocument/2006/math" xmlns:a14="http://schemas.microsoft.com/office/drawing/2010/main" xmlns:ma14="http://schemas.microsoft.com/office/mac/drawingml/2011/main" val="1"/>
+                <ma14:wrappingTextBoxFlag xmlns:ma14="http://schemas.microsoft.com/office/mac/drawingml/2011/main" xmlns:a14="http://schemas.microsoft.com/office/drawing/2010/main" xmlns:m="http://schemas.openxmlformats.org/officeDocument/2006/math" xmlns="" val="1"/>
               </a:ext>
             </a:extLst>
           </p:spPr>
@@ -37661,7 +37661,7 @@
             <a:effectLst/>
             <a:extLst>
               <a:ext uri="{C572A759-6A51-4108-AA02-DFA0A04FC94B}">
-                <ma14:wrappingTextBoxFlag xmlns="" xmlns:m="http://schemas.openxmlformats.org/officeDocument/2006/math" xmlns:a14="http://schemas.microsoft.com/office/drawing/2010/main" xmlns:ma14="http://schemas.microsoft.com/office/mac/drawingml/2011/main" val="1"/>
+                <ma14:wrappingTextBoxFlag xmlns:ma14="http://schemas.microsoft.com/office/mac/drawingml/2011/main" xmlns:a14="http://schemas.microsoft.com/office/drawing/2010/main" xmlns:m="http://schemas.openxmlformats.org/officeDocument/2006/math" xmlns="" val="1"/>
               </a:ext>
             </a:extLst>
           </p:spPr>
@@ -39143,7 +39143,7 @@
           </a:ln>
           <a:extLst>
             <a:ext uri="{C572A759-6A51-4108-AA02-DFA0A04FC94B}">
-              <ma14:wrappingTextBoxFlag xmlns="" xmlns:m="http://schemas.openxmlformats.org/officeDocument/2006/math" xmlns:a14="http://schemas.microsoft.com/office/drawing/2010/main" xmlns:ma14="http://schemas.microsoft.com/office/mac/drawingml/2011/main" val="1"/>
+              <ma14:wrappingTextBoxFlag xmlns:ma14="http://schemas.microsoft.com/office/mac/drawingml/2011/main" xmlns:a14="http://schemas.microsoft.com/office/drawing/2010/main" xmlns:m="http://schemas.openxmlformats.org/officeDocument/2006/math" xmlns="" val="1"/>
             </a:ext>
           </a:extLst>
         </p:spPr>
@@ -39234,7 +39234,7 @@
             <a:effectLst/>
             <a:extLst>
               <a:ext uri="{C572A759-6A51-4108-AA02-DFA0A04FC94B}">
-                <ma14:wrappingTextBoxFlag xmlns="" xmlns:m="http://schemas.openxmlformats.org/officeDocument/2006/math" xmlns:a14="http://schemas.microsoft.com/office/drawing/2010/main" xmlns:ma14="http://schemas.microsoft.com/office/mac/drawingml/2011/main" val="1"/>
+                <ma14:wrappingTextBoxFlag xmlns:ma14="http://schemas.microsoft.com/office/mac/drawingml/2011/main" xmlns:a14="http://schemas.microsoft.com/office/drawing/2010/main" xmlns:m="http://schemas.openxmlformats.org/officeDocument/2006/math" xmlns="" val="1"/>
               </a:ext>
             </a:extLst>
           </p:spPr>
@@ -39330,7 +39330,7 @@
             <a:effectLst/>
             <a:extLst>
               <a:ext uri="{C572A759-6A51-4108-AA02-DFA0A04FC94B}">
-                <ma14:wrappingTextBoxFlag xmlns="" xmlns:m="http://schemas.openxmlformats.org/officeDocument/2006/math" xmlns:a14="http://schemas.microsoft.com/office/drawing/2010/main" xmlns:ma14="http://schemas.microsoft.com/office/mac/drawingml/2011/main" val="1"/>
+                <ma14:wrappingTextBoxFlag xmlns:ma14="http://schemas.microsoft.com/office/mac/drawingml/2011/main" xmlns:a14="http://schemas.microsoft.com/office/drawing/2010/main" xmlns:m="http://schemas.openxmlformats.org/officeDocument/2006/math" xmlns="" val="1"/>
               </a:ext>
             </a:extLst>
           </p:spPr>
@@ -39496,7 +39496,7 @@
             <a:effectLst/>
             <a:extLst>
               <a:ext uri="{C572A759-6A51-4108-AA02-DFA0A04FC94B}">
-                <ma14:wrappingTextBoxFlag xmlns="" xmlns:m="http://schemas.openxmlformats.org/officeDocument/2006/math" xmlns:a14="http://schemas.microsoft.com/office/drawing/2010/main" xmlns:ma14="http://schemas.microsoft.com/office/mac/drawingml/2011/main" val="1"/>
+                <ma14:wrappingTextBoxFlag xmlns:ma14="http://schemas.microsoft.com/office/mac/drawingml/2011/main" xmlns:a14="http://schemas.microsoft.com/office/drawing/2010/main" xmlns:m="http://schemas.openxmlformats.org/officeDocument/2006/math" xmlns="" val="1"/>
               </a:ext>
             </a:extLst>
           </p:spPr>
@@ -39592,7 +39592,7 @@
             <a:effectLst/>
             <a:extLst>
               <a:ext uri="{C572A759-6A51-4108-AA02-DFA0A04FC94B}">
-                <ma14:wrappingTextBoxFlag xmlns="" xmlns:m="http://schemas.openxmlformats.org/officeDocument/2006/math" xmlns:a14="http://schemas.microsoft.com/office/drawing/2010/main" xmlns:ma14="http://schemas.microsoft.com/office/mac/drawingml/2011/main" val="1"/>
+                <ma14:wrappingTextBoxFlag xmlns:ma14="http://schemas.microsoft.com/office/mac/drawingml/2011/main" xmlns:a14="http://schemas.microsoft.com/office/drawing/2010/main" xmlns:m="http://schemas.openxmlformats.org/officeDocument/2006/math" xmlns="" val="1"/>
               </a:ext>
             </a:extLst>
           </p:spPr>
@@ -39722,7 +39722,7 @@
             <a:effectLst/>
             <a:extLst>
               <a:ext uri="{C572A759-6A51-4108-AA02-DFA0A04FC94B}">
-                <ma14:wrappingTextBoxFlag xmlns="" xmlns:m="http://schemas.openxmlformats.org/officeDocument/2006/math" xmlns:a14="http://schemas.microsoft.com/office/drawing/2010/main" xmlns:ma14="http://schemas.microsoft.com/office/mac/drawingml/2011/main" val="1"/>
+                <ma14:wrappingTextBoxFlag xmlns:ma14="http://schemas.microsoft.com/office/mac/drawingml/2011/main" xmlns:a14="http://schemas.microsoft.com/office/drawing/2010/main" xmlns:m="http://schemas.openxmlformats.org/officeDocument/2006/math" xmlns="" val="1"/>
               </a:ext>
             </a:extLst>
           </p:spPr>
@@ -39818,7 +39818,7 @@
             <a:effectLst/>
             <a:extLst>
               <a:ext uri="{C572A759-6A51-4108-AA02-DFA0A04FC94B}">
-                <ma14:wrappingTextBoxFlag xmlns="" xmlns:m="http://schemas.openxmlformats.org/officeDocument/2006/math" xmlns:a14="http://schemas.microsoft.com/office/drawing/2010/main" xmlns:ma14="http://schemas.microsoft.com/office/mac/drawingml/2011/main" val="1"/>
+                <ma14:wrappingTextBoxFlag xmlns:ma14="http://schemas.microsoft.com/office/mac/drawingml/2011/main" xmlns:a14="http://schemas.microsoft.com/office/drawing/2010/main" xmlns:m="http://schemas.openxmlformats.org/officeDocument/2006/math" xmlns="" val="1"/>
               </a:ext>
             </a:extLst>
           </p:spPr>
@@ -40424,7 +40424,7 @@
   <a:extraClrSchemeLst/>
   <a:extLst>
     <a:ext uri="{05A4C25C-085E-4340-85A3-A5531E510DB2}">
-      <thm15:themeFamily xmlns:thm15="http://schemas.microsoft.com/office/thememl/2012/main" name="Office Theme" id="{62F939B6-93AF-4DB8-9C6B-D6C7DFDC589F}" vid="{4A3C46E8-61CC-4603-A589-7422A47A8E4A}"/>
+      <thm15:themeFamily xmlns:thm15="http://schemas.microsoft.com/office/thememl/2012/main" xmlns="" name="Office Theme" id="{62F939B6-93AF-4DB8-9C6B-D6C7DFDC589F}" vid="{4A3C46E8-61CC-4603-A589-7422A47A8E4A}"/>
     </a:ext>
   </a:extLst>
 </a:theme>
@@ -40685,7 +40685,7 @@
   <a:extraClrSchemeLst/>
   <a:extLst>
     <a:ext uri="{05A4C25C-085E-4340-85A3-A5531E510DB2}">
-      <thm15:themeFamily xmlns:thm15="http://schemas.microsoft.com/office/thememl/2012/main" name="Office Theme" id="{62F939B6-93AF-4DB8-9C6B-D6C7DFDC589F}" vid="{4A3C46E8-61CC-4603-A589-7422A47A8E4A}"/>
+      <thm15:themeFamily xmlns:thm15="http://schemas.microsoft.com/office/thememl/2012/main" xmlns="" name="Office Theme" id="{62F939B6-93AF-4DB8-9C6B-D6C7DFDC589F}" vid="{4A3C46E8-61CC-4603-A589-7422A47A8E4A}"/>
     </a:ext>
   </a:extLst>
 </a:theme>
